--- a/Prima-PPT.pptx
+++ b/Prima-PPT.pptx
@@ -1,50 +1,49 @@
 
 <file path=ppt/presentation.xml><?xml version="1.0" encoding="utf-8"?>
-<p:presentation xmlns:a="http://schemas.openxmlformats.org/drawingml/2006/main" xmlns:r="http://schemas.openxmlformats.org/officeDocument/2006/relationships" xmlns:mc="http://schemas.openxmlformats.org/markup-compatibility/2006" xmlns:mv="urn:schemas-microsoft-com:mac:vml" xmlns:p="http://schemas.openxmlformats.org/presentationml/2006/main" xmlns:c="http://schemas.openxmlformats.org/drawingml/2006/chart" xmlns:dgm="http://schemas.openxmlformats.org/drawingml/2006/diagram" xmlns:o="urn:schemas-microsoft-com:office:office" xmlns:v="urn:schemas-microsoft-com:vml" xmlns:pvml="urn:schemas-microsoft-com:office:powerpoint" xmlns:com="http://schemas.openxmlformats.org/drawingml/2006/compatibility" xmlns:p14="http://schemas.microsoft.com/office/powerpoint/2010/main" xmlns:p15="http://schemas.microsoft.com/office/powerpoint/2012/main" xmlns:ahyp="http://schemas.microsoft.com/office/drawing/2018/hyperlinkcolor" autoCompressPictures="0" embedTrueTypeFonts="1" strictFirstAndLastChars="0" saveSubsetFonts="1">
+<p:presentation xmlns:a="http://schemas.openxmlformats.org/drawingml/2006/main" xmlns:r="http://schemas.openxmlformats.org/officeDocument/2006/relationships" xmlns:p="http://schemas.openxmlformats.org/presentationml/2006/main" strictFirstAndLastChars="0" embedTrueTypeFonts="1" saveSubsetFonts="1" autoCompressPictures="0">
   <p:sldMasterIdLst>
-    <p:sldMasterId id="2147483659" r:id="rId4"/>
+    <p:sldMasterId id="2147483659" r:id="rId1"/>
   </p:sldMasterIdLst>
   <p:notesMasterIdLst>
-    <p:notesMasterId r:id="rId5"/>
+    <p:notesMasterId r:id="rId17"/>
   </p:notesMasterIdLst>
   <p:sldIdLst>
-    <p:sldId id="256" r:id="rId6"/>
-    <p:sldId id="257" r:id="rId7"/>
-    <p:sldId id="258" r:id="rId8"/>
-    <p:sldId id="259" r:id="rId9"/>
-    <p:sldId id="260" r:id="rId10"/>
-    <p:sldId id="261" r:id="rId11"/>
-    <p:sldId id="262" r:id="rId12"/>
-    <p:sldId id="263" r:id="rId13"/>
-    <p:sldId id="264" r:id="rId14"/>
-    <p:sldId id="265" r:id="rId15"/>
-    <p:sldId id="266" r:id="rId16"/>
-    <p:sldId id="267" r:id="rId17"/>
-    <p:sldId id="268" r:id="rId18"/>
-    <p:sldId id="269" r:id="rId19"/>
-    <p:sldId id="270" r:id="rId20"/>
-    <p:sldId id="271" r:id="rId21"/>
+    <p:sldId id="256" r:id="rId2"/>
+    <p:sldId id="257" r:id="rId3"/>
+    <p:sldId id="258" r:id="rId4"/>
+    <p:sldId id="259" r:id="rId5"/>
+    <p:sldId id="260" r:id="rId6"/>
+    <p:sldId id="261" r:id="rId7"/>
+    <p:sldId id="262" r:id="rId8"/>
+    <p:sldId id="263" r:id="rId9"/>
+    <p:sldId id="264" r:id="rId10"/>
+    <p:sldId id="265" r:id="rId11"/>
+    <p:sldId id="266" r:id="rId12"/>
+    <p:sldId id="267" r:id="rId13"/>
+    <p:sldId id="269" r:id="rId14"/>
+    <p:sldId id="270" r:id="rId15"/>
+    <p:sldId id="271" r:id="rId16"/>
   </p:sldIdLst>
-  <p:sldSz cy="5143500" cx="9144000"/>
+  <p:sldSz cx="9144000" cy="5143500" type="screen16x9"/>
   <p:notesSz cx="6858000" cy="9144000"/>
   <p:embeddedFontLst>
     <p:embeddedFont>
-      <p:font typeface="Playfair Display"/>
+      <p:font typeface="Lato" panose="020B0604020202020204" pitchFamily="34" charset="0"/>
+      <p:regular r:id="rId18"/>
+      <p:bold r:id="rId19"/>
+      <p:italic r:id="rId20"/>
+      <p:boldItalic r:id="rId21"/>
+    </p:embeddedFont>
+    <p:embeddedFont>
+      <p:font typeface="Playfair Display" panose="020B0604020202020204" pitchFamily="2" charset="0"/>
       <p:regular r:id="rId22"/>
       <p:bold r:id="rId23"/>
       <p:italic r:id="rId24"/>
       <p:boldItalic r:id="rId25"/>
     </p:embeddedFont>
-    <p:embeddedFont>
-      <p:font typeface="Lato"/>
-      <p:regular r:id="rId26"/>
-      <p:bold r:id="rId27"/>
-      <p:italic r:id="rId28"/>
-      <p:boldItalic r:id="rId29"/>
-    </p:embeddedFont>
   </p:embeddedFontLst>
   <p:defaultTextStyle>
-    <a:defPPr lvl="0" marR="0" rtl="0" algn="l">
+    <a:defPPr marR="0" lvl="0" algn="l" rtl="0">
       <a:lnSpc>
         <a:spcPct val="100000"/>
       </a:lnSpc>
@@ -55,7 +54,7 @@
         <a:spcPts val="0"/>
       </a:spcAft>
     </a:defPPr>
-    <a:lvl1pPr lvl="0" marR="0" rtl="0" algn="l">
+    <a:lvl1pPr marR="0" lvl="0" algn="l" rtl="0">
       <a:lnSpc>
         <a:spcPct val="100000"/>
       </a:lnSpc>
@@ -69,7 +68,7 @@
         <a:srgbClr val="000000"/>
       </a:buClr>
       <a:buFont typeface="Arial"/>
-      <a:defRPr b="0" i="0" sz="1400" u="none" cap="none" strike="noStrike">
+      <a:defRPr sz="1400" b="0" i="0" u="none" strike="noStrike" cap="none">
         <a:solidFill>
           <a:srgbClr val="000000"/>
         </a:solidFill>
@@ -79,7 +78,7 @@
         <a:sym typeface="Arial"/>
       </a:defRPr>
     </a:lvl1pPr>
-    <a:lvl2pPr lvl="1" marR="0" rtl="0" algn="l">
+    <a:lvl2pPr marR="0" lvl="1" algn="l" rtl="0">
       <a:lnSpc>
         <a:spcPct val="100000"/>
       </a:lnSpc>
@@ -93,7 +92,7 @@
         <a:srgbClr val="000000"/>
       </a:buClr>
       <a:buFont typeface="Arial"/>
-      <a:defRPr b="0" i="0" sz="1400" u="none" cap="none" strike="noStrike">
+      <a:defRPr sz="1400" b="0" i="0" u="none" strike="noStrike" cap="none">
         <a:solidFill>
           <a:srgbClr val="000000"/>
         </a:solidFill>
@@ -103,7 +102,7 @@
         <a:sym typeface="Arial"/>
       </a:defRPr>
     </a:lvl2pPr>
-    <a:lvl3pPr lvl="2" marR="0" rtl="0" algn="l">
+    <a:lvl3pPr marR="0" lvl="2" algn="l" rtl="0">
       <a:lnSpc>
         <a:spcPct val="100000"/>
       </a:lnSpc>
@@ -117,7 +116,7 @@
         <a:srgbClr val="000000"/>
       </a:buClr>
       <a:buFont typeface="Arial"/>
-      <a:defRPr b="0" i="0" sz="1400" u="none" cap="none" strike="noStrike">
+      <a:defRPr sz="1400" b="0" i="0" u="none" strike="noStrike" cap="none">
         <a:solidFill>
           <a:srgbClr val="000000"/>
         </a:solidFill>
@@ -127,7 +126,7 @@
         <a:sym typeface="Arial"/>
       </a:defRPr>
     </a:lvl3pPr>
-    <a:lvl4pPr lvl="3" marR="0" rtl="0" algn="l">
+    <a:lvl4pPr marR="0" lvl="3" algn="l" rtl="0">
       <a:lnSpc>
         <a:spcPct val="100000"/>
       </a:lnSpc>
@@ -141,7 +140,7 @@
         <a:srgbClr val="000000"/>
       </a:buClr>
       <a:buFont typeface="Arial"/>
-      <a:defRPr b="0" i="0" sz="1400" u="none" cap="none" strike="noStrike">
+      <a:defRPr sz="1400" b="0" i="0" u="none" strike="noStrike" cap="none">
         <a:solidFill>
           <a:srgbClr val="000000"/>
         </a:solidFill>
@@ -151,7 +150,7 @@
         <a:sym typeface="Arial"/>
       </a:defRPr>
     </a:lvl4pPr>
-    <a:lvl5pPr lvl="4" marR="0" rtl="0" algn="l">
+    <a:lvl5pPr marR="0" lvl="4" algn="l" rtl="0">
       <a:lnSpc>
         <a:spcPct val="100000"/>
       </a:lnSpc>
@@ -165,7 +164,7 @@
         <a:srgbClr val="000000"/>
       </a:buClr>
       <a:buFont typeface="Arial"/>
-      <a:defRPr b="0" i="0" sz="1400" u="none" cap="none" strike="noStrike">
+      <a:defRPr sz="1400" b="0" i="0" u="none" strike="noStrike" cap="none">
         <a:solidFill>
           <a:srgbClr val="000000"/>
         </a:solidFill>
@@ -175,7 +174,7 @@
         <a:sym typeface="Arial"/>
       </a:defRPr>
     </a:lvl5pPr>
-    <a:lvl6pPr lvl="5" marR="0" rtl="0" algn="l">
+    <a:lvl6pPr marR="0" lvl="5" algn="l" rtl="0">
       <a:lnSpc>
         <a:spcPct val="100000"/>
       </a:lnSpc>
@@ -189,7 +188,7 @@
         <a:srgbClr val="000000"/>
       </a:buClr>
       <a:buFont typeface="Arial"/>
-      <a:defRPr b="0" i="0" sz="1400" u="none" cap="none" strike="noStrike">
+      <a:defRPr sz="1400" b="0" i="0" u="none" strike="noStrike" cap="none">
         <a:solidFill>
           <a:srgbClr val="000000"/>
         </a:solidFill>
@@ -199,7 +198,7 @@
         <a:sym typeface="Arial"/>
       </a:defRPr>
     </a:lvl6pPr>
-    <a:lvl7pPr lvl="6" marR="0" rtl="0" algn="l">
+    <a:lvl7pPr marR="0" lvl="6" algn="l" rtl="0">
       <a:lnSpc>
         <a:spcPct val="100000"/>
       </a:lnSpc>
@@ -213,7 +212,7 @@
         <a:srgbClr val="000000"/>
       </a:buClr>
       <a:buFont typeface="Arial"/>
-      <a:defRPr b="0" i="0" sz="1400" u="none" cap="none" strike="noStrike">
+      <a:defRPr sz="1400" b="0" i="0" u="none" strike="noStrike" cap="none">
         <a:solidFill>
           <a:srgbClr val="000000"/>
         </a:solidFill>
@@ -223,7 +222,7 @@
         <a:sym typeface="Arial"/>
       </a:defRPr>
     </a:lvl7pPr>
-    <a:lvl8pPr lvl="7" marR="0" rtl="0" algn="l">
+    <a:lvl8pPr marR="0" lvl="7" algn="l" rtl="0">
       <a:lnSpc>
         <a:spcPct val="100000"/>
       </a:lnSpc>
@@ -237,7 +236,7 @@
         <a:srgbClr val="000000"/>
       </a:buClr>
       <a:buFont typeface="Arial"/>
-      <a:defRPr b="0" i="0" sz="1400" u="none" cap="none" strike="noStrike">
+      <a:defRPr sz="1400" b="0" i="0" u="none" strike="noStrike" cap="none">
         <a:solidFill>
           <a:srgbClr val="000000"/>
         </a:solidFill>
@@ -247,7 +246,7 @@
         <a:sym typeface="Arial"/>
       </a:defRPr>
     </a:lvl8pPr>
-    <a:lvl9pPr lvl="8" marR="0" rtl="0" algn="l">
+    <a:lvl9pPr marR="0" lvl="8" algn="l" rtl="0">
       <a:lnSpc>
         <a:spcPct val="100000"/>
       </a:lnSpc>
@@ -261,7 +260,7 @@
         <a:srgbClr val="000000"/>
       </a:buClr>
       <a:buFont typeface="Arial"/>
-      <a:defRPr b="0" i="0" sz="1400" u="none" cap="none" strike="noStrike">
+      <a:defRPr sz="1400" b="0" i="0" u="none" strike="noStrike" cap="none">
         <a:solidFill>
           <a:srgbClr val="000000"/>
         </a:solidFill>
@@ -274,7 +273,7 @@
   </p:defaultTextStyle>
   <p:extLst>
     <p:ext uri="{EFAFB233-063F-42B5-8137-9DF3F51BA10A}">
-      <p15:sldGuideLst>
+      <p15:sldGuideLst xmlns:p15="http://schemas.microsoft.com/office/powerpoint/2012/main">
         <p15:guide id="1" orient="horz" pos="1620">
           <p15:clr>
             <a:srgbClr val="A4A3A4"/>
@@ -292,11 +291,16 @@
 </file>
 
 <file path=ppt/notesMasters/notesMaster1.xml><?xml version="1.0" encoding="utf-8"?>
-<p:notesMaster xmlns:a="http://schemas.openxmlformats.org/drawingml/2006/main" xmlns:r="http://schemas.openxmlformats.org/officeDocument/2006/relationships" xmlns:mc="http://schemas.openxmlformats.org/markup-compatibility/2006" xmlns:mv="urn:schemas-microsoft-com:mac:vml" xmlns:p="http://schemas.openxmlformats.org/presentationml/2006/main" xmlns:c="http://schemas.openxmlformats.org/drawingml/2006/chart" xmlns:dgm="http://schemas.openxmlformats.org/drawingml/2006/diagram" xmlns:o="urn:schemas-microsoft-com:office:office" xmlns:v="urn:schemas-microsoft-com:vml" xmlns:pvml="urn:schemas-microsoft-com:office:powerpoint" xmlns:com="http://schemas.openxmlformats.org/drawingml/2006/compatibility" xmlns:p14="http://schemas.microsoft.com/office/powerpoint/2010/main" xmlns:p15="http://schemas.microsoft.com/office/powerpoint/2012/main" xmlns:ahyp="http://schemas.microsoft.com/office/drawing/2018/hyperlinkcolor">
+<p:notesMaster xmlns:a="http://schemas.openxmlformats.org/drawingml/2006/main" xmlns:r="http://schemas.openxmlformats.org/officeDocument/2006/relationships" xmlns:p="http://schemas.openxmlformats.org/presentationml/2006/main">
   <p:cSld>
+    <p:bg>
+      <p:bgRef idx="1001">
+        <a:schemeClr val="bg1"/>
+      </p:bgRef>
+    </p:bg>
     <p:spTree>
       <p:nvGrpSpPr>
-        <p:cNvPr id="2" name="Shape 2"/>
+        <p:cNvPr id="1" name="Shape 2"/>
         <p:cNvGrpSpPr/>
         <p:nvPr/>
       </p:nvGrpSpPr>
@@ -311,9 +315,11 @@
       <p:sp>
         <p:nvSpPr>
           <p:cNvPr id="3" name="Google Shape;3;n"/>
-          <p:cNvSpPr/>
+          <p:cNvSpPr>
+            <a:spLocks noGrp="1" noRot="1" noChangeAspect="1"/>
+          </p:cNvSpPr>
           <p:nvPr>
-            <p:ph idx="2" type="sldImg"/>
+            <p:ph type="sldImg" idx="2"/>
           </p:nvPr>
         </p:nvSpPr>
         <p:spPr>
@@ -322,9 +328,13 @@
             <a:ext cx="6096075" cy="3429000"/>
           </a:xfrm>
           <a:custGeom>
-            <a:rect b="b" l="l" r="r" t="t"/>
+            <a:avLst/>
+            <a:gdLst/>
+            <a:ahLst/>
+            <a:cxnLst/>
+            <a:rect l="l" t="t" r="r" b="b"/>
             <a:pathLst>
-              <a:path extrusionOk="0" h="120000" w="120000">
+              <a:path w="120000" h="120000" extrusionOk="0">
                 <a:moveTo>
                   <a:pt x="0" y="0"/>
                 </a:moveTo>
@@ -342,23 +352,25 @@
             </a:pathLst>
           </a:custGeom>
           <a:noFill/>
-          <a:ln cap="flat" cmpd="sng" w="9525">
+          <a:ln w="9525" cap="flat" cmpd="sng">
             <a:solidFill>
               <a:srgbClr val="000000"/>
             </a:solidFill>
             <a:prstDash val="solid"/>
             <a:round/>
-            <a:headEnd len="sm" w="sm" type="none"/>
-            <a:tailEnd len="sm" w="sm" type="none"/>
+            <a:headEnd type="none" w="sm" len="sm"/>
+            <a:tailEnd type="none" w="sm" len="sm"/>
           </a:ln>
         </p:spPr>
       </p:sp>
       <p:sp>
         <p:nvSpPr>
           <p:cNvPr id="4" name="Google Shape;4;n"/>
-          <p:cNvSpPr txBox="1"/>
+          <p:cNvSpPr txBox="1">
+            <a:spLocks noGrp="1"/>
+          </p:cNvSpPr>
           <p:nvPr>
-            <p:ph idx="1" type="body"/>
+            <p:ph type="body" idx="1"/>
           </p:nvPr>
         </p:nvSpPr>
         <p:spPr>
@@ -375,11 +387,11 @@
           </a:ln>
         </p:spPr>
         <p:txBody>
-          <a:bodyPr anchorCtr="0" anchor="t" bIns="91425" lIns="91425" spcFirstLastPara="1" rIns="91425" wrap="square" tIns="91425">
+          <a:bodyPr spcFirstLastPara="1" wrap="square" lIns="91425" tIns="91425" rIns="91425" bIns="91425" anchor="t" anchorCtr="0">
             <a:noAutofit/>
           </a:bodyPr>
           <a:lstStyle>
-            <a:lvl1pPr indent="-298450" lvl="0" marL="457200">
+            <a:lvl1pPr marL="457200" lvl="0" indent="-298450">
               <a:spcBef>
                 <a:spcPts val="0"/>
               </a:spcBef>
@@ -390,7 +402,7 @@
               <a:buChar char="●"/>
               <a:defRPr sz="1100"/>
             </a:lvl1pPr>
-            <a:lvl2pPr indent="-298450" lvl="1" marL="914400">
+            <a:lvl2pPr marL="914400" lvl="1" indent="-298450">
               <a:spcBef>
                 <a:spcPts val="0"/>
               </a:spcBef>
@@ -401,7 +413,7 @@
               <a:buChar char="○"/>
               <a:defRPr sz="1100"/>
             </a:lvl2pPr>
-            <a:lvl3pPr indent="-298450" lvl="2" marL="1371600">
+            <a:lvl3pPr marL="1371600" lvl="2" indent="-298450">
               <a:spcBef>
                 <a:spcPts val="0"/>
               </a:spcBef>
@@ -412,7 +424,7 @@
               <a:buChar char="■"/>
               <a:defRPr sz="1100"/>
             </a:lvl3pPr>
-            <a:lvl4pPr indent="-298450" lvl="3" marL="1828800">
+            <a:lvl4pPr marL="1828800" lvl="3" indent="-298450">
               <a:spcBef>
                 <a:spcPts val="0"/>
               </a:spcBef>
@@ -423,7 +435,7 @@
               <a:buChar char="●"/>
               <a:defRPr sz="1100"/>
             </a:lvl4pPr>
-            <a:lvl5pPr indent="-298450" lvl="4" marL="2286000">
+            <a:lvl5pPr marL="2286000" lvl="4" indent="-298450">
               <a:spcBef>
                 <a:spcPts val="0"/>
               </a:spcBef>
@@ -434,7 +446,7 @@
               <a:buChar char="○"/>
               <a:defRPr sz="1100"/>
             </a:lvl5pPr>
-            <a:lvl6pPr indent="-298450" lvl="5" marL="2743200">
+            <a:lvl6pPr marL="2743200" lvl="5" indent="-298450">
               <a:spcBef>
                 <a:spcPts val="0"/>
               </a:spcBef>
@@ -445,7 +457,7 @@
               <a:buChar char="■"/>
               <a:defRPr sz="1100"/>
             </a:lvl6pPr>
-            <a:lvl7pPr indent="-298450" lvl="6" marL="3200400">
+            <a:lvl7pPr marL="3200400" lvl="6" indent="-298450">
               <a:spcBef>
                 <a:spcPts val="0"/>
               </a:spcBef>
@@ -456,7 +468,7 @@
               <a:buChar char="●"/>
               <a:defRPr sz="1100"/>
             </a:lvl7pPr>
-            <a:lvl8pPr indent="-298450" lvl="7" marL="3657600">
+            <a:lvl8pPr marL="3657600" lvl="7" indent="-298450">
               <a:spcBef>
                 <a:spcPts val="0"/>
               </a:spcBef>
@@ -467,7 +479,7 @@
               <a:buChar char="○"/>
               <a:defRPr sz="1100"/>
             </a:lvl8pPr>
-            <a:lvl9pPr indent="-298450" lvl="8" marL="4114800">
+            <a:lvl9pPr marL="4114800" lvl="8" indent="-298450">
               <a:spcBef>
                 <a:spcPts val="0"/>
               </a:spcBef>
@@ -479,14 +491,16 @@
               <a:defRPr sz="1100"/>
             </a:lvl9pPr>
           </a:lstStyle>
-          <a:p/>
+          <a:p>
+            <a:endParaRPr/>
+          </a:p>
         </p:txBody>
       </p:sp>
     </p:spTree>
   </p:cSld>
-  <p:clrMap accent1="accent1" accent2="accent2" accent3="accent3" accent4="accent4" accent5="accent5" accent6="accent6" bg1="lt1" bg2="dk2" tx1="dk1" tx2="lt2" folHlink="folHlink" hlink="hlink"/>
+  <p:clrMap bg1="lt1" tx1="dk1" bg2="dk2" tx2="lt2" accent1="accent1" accent2="accent2" accent3="accent3" accent4="accent4" accent5="accent5" accent6="accent6" hlink="hlink" folHlink="folHlink"/>
   <p:notesStyle>
-    <a:defPPr lvl="0" marR="0" rtl="0" algn="l">
+    <a:defPPr marR="0" lvl="0" algn="l" rtl="0">
       <a:lnSpc>
         <a:spcPct val="100000"/>
       </a:lnSpc>
@@ -497,7 +511,7 @@
         <a:spcPts val="0"/>
       </a:spcAft>
     </a:defPPr>
-    <a:lvl1pPr lvl="0" marR="0" rtl="0" algn="l">
+    <a:lvl1pPr marR="0" lvl="0" algn="l" rtl="0">
       <a:lnSpc>
         <a:spcPct val="100000"/>
       </a:lnSpc>
@@ -511,7 +525,7 @@
         <a:srgbClr val="000000"/>
       </a:buClr>
       <a:buFont typeface="Arial"/>
-      <a:defRPr b="0" i="0" sz="1400" u="none" cap="none" strike="noStrike">
+      <a:defRPr sz="1400" b="0" i="0" u="none" strike="noStrike" cap="none">
         <a:solidFill>
           <a:srgbClr val="000000"/>
         </a:solidFill>
@@ -521,7 +535,7 @@
         <a:sym typeface="Arial"/>
       </a:defRPr>
     </a:lvl1pPr>
-    <a:lvl2pPr lvl="1" marR="0" rtl="0" algn="l">
+    <a:lvl2pPr marR="0" lvl="1" algn="l" rtl="0">
       <a:lnSpc>
         <a:spcPct val="100000"/>
       </a:lnSpc>
@@ -535,7 +549,7 @@
         <a:srgbClr val="000000"/>
       </a:buClr>
       <a:buFont typeface="Arial"/>
-      <a:defRPr b="0" i="0" sz="1400" u="none" cap="none" strike="noStrike">
+      <a:defRPr sz="1400" b="0" i="0" u="none" strike="noStrike" cap="none">
         <a:solidFill>
           <a:srgbClr val="000000"/>
         </a:solidFill>
@@ -545,7 +559,7 @@
         <a:sym typeface="Arial"/>
       </a:defRPr>
     </a:lvl2pPr>
-    <a:lvl3pPr lvl="2" marR="0" rtl="0" algn="l">
+    <a:lvl3pPr marR="0" lvl="2" algn="l" rtl="0">
       <a:lnSpc>
         <a:spcPct val="100000"/>
       </a:lnSpc>
@@ -559,7 +573,7 @@
         <a:srgbClr val="000000"/>
       </a:buClr>
       <a:buFont typeface="Arial"/>
-      <a:defRPr b="0" i="0" sz="1400" u="none" cap="none" strike="noStrike">
+      <a:defRPr sz="1400" b="0" i="0" u="none" strike="noStrike" cap="none">
         <a:solidFill>
           <a:srgbClr val="000000"/>
         </a:solidFill>
@@ -569,7 +583,7 @@
         <a:sym typeface="Arial"/>
       </a:defRPr>
     </a:lvl3pPr>
-    <a:lvl4pPr lvl="3" marR="0" rtl="0" algn="l">
+    <a:lvl4pPr marR="0" lvl="3" algn="l" rtl="0">
       <a:lnSpc>
         <a:spcPct val="100000"/>
       </a:lnSpc>
@@ -583,7 +597,7 @@
         <a:srgbClr val="000000"/>
       </a:buClr>
       <a:buFont typeface="Arial"/>
-      <a:defRPr b="0" i="0" sz="1400" u="none" cap="none" strike="noStrike">
+      <a:defRPr sz="1400" b="0" i="0" u="none" strike="noStrike" cap="none">
         <a:solidFill>
           <a:srgbClr val="000000"/>
         </a:solidFill>
@@ -593,7 +607,7 @@
         <a:sym typeface="Arial"/>
       </a:defRPr>
     </a:lvl4pPr>
-    <a:lvl5pPr lvl="4" marR="0" rtl="0" algn="l">
+    <a:lvl5pPr marR="0" lvl="4" algn="l" rtl="0">
       <a:lnSpc>
         <a:spcPct val="100000"/>
       </a:lnSpc>
@@ -607,7 +621,7 @@
         <a:srgbClr val="000000"/>
       </a:buClr>
       <a:buFont typeface="Arial"/>
-      <a:defRPr b="0" i="0" sz="1400" u="none" cap="none" strike="noStrike">
+      <a:defRPr sz="1400" b="0" i="0" u="none" strike="noStrike" cap="none">
         <a:solidFill>
           <a:srgbClr val="000000"/>
         </a:solidFill>
@@ -617,7 +631,7 @@
         <a:sym typeface="Arial"/>
       </a:defRPr>
     </a:lvl5pPr>
-    <a:lvl6pPr lvl="5" marR="0" rtl="0" algn="l">
+    <a:lvl6pPr marR="0" lvl="5" algn="l" rtl="0">
       <a:lnSpc>
         <a:spcPct val="100000"/>
       </a:lnSpc>
@@ -631,7 +645,7 @@
         <a:srgbClr val="000000"/>
       </a:buClr>
       <a:buFont typeface="Arial"/>
-      <a:defRPr b="0" i="0" sz="1400" u="none" cap="none" strike="noStrike">
+      <a:defRPr sz="1400" b="0" i="0" u="none" strike="noStrike" cap="none">
         <a:solidFill>
           <a:srgbClr val="000000"/>
         </a:solidFill>
@@ -641,7 +655,7 @@
         <a:sym typeface="Arial"/>
       </a:defRPr>
     </a:lvl6pPr>
-    <a:lvl7pPr lvl="6" marR="0" rtl="0" algn="l">
+    <a:lvl7pPr marR="0" lvl="6" algn="l" rtl="0">
       <a:lnSpc>
         <a:spcPct val="100000"/>
       </a:lnSpc>
@@ -655,7 +669,7 @@
         <a:srgbClr val="000000"/>
       </a:buClr>
       <a:buFont typeface="Arial"/>
-      <a:defRPr b="0" i="0" sz="1400" u="none" cap="none" strike="noStrike">
+      <a:defRPr sz="1400" b="0" i="0" u="none" strike="noStrike" cap="none">
         <a:solidFill>
           <a:srgbClr val="000000"/>
         </a:solidFill>
@@ -665,7 +679,7 @@
         <a:sym typeface="Arial"/>
       </a:defRPr>
     </a:lvl7pPr>
-    <a:lvl8pPr lvl="7" marR="0" rtl="0" algn="l">
+    <a:lvl8pPr marR="0" lvl="7" algn="l" rtl="0">
       <a:lnSpc>
         <a:spcPct val="100000"/>
       </a:lnSpc>
@@ -679,7 +693,7 @@
         <a:srgbClr val="000000"/>
       </a:buClr>
       <a:buFont typeface="Arial"/>
-      <a:defRPr b="0" i="0" sz="1400" u="none" cap="none" strike="noStrike">
+      <a:defRPr sz="1400" b="0" i="0" u="none" strike="noStrike" cap="none">
         <a:solidFill>
           <a:srgbClr val="000000"/>
         </a:solidFill>
@@ -689,7 +703,7 @@
         <a:sym typeface="Arial"/>
       </a:defRPr>
     </a:lvl8pPr>
-    <a:lvl9pPr lvl="8" marR="0" rtl="0" algn="l">
+    <a:lvl9pPr marR="0" lvl="8" algn="l" rtl="0">
       <a:lnSpc>
         <a:spcPct val="100000"/>
       </a:lnSpc>
@@ -703,7 +717,7 @@
         <a:srgbClr val="000000"/>
       </a:buClr>
       <a:buFont typeface="Arial"/>
-      <a:defRPr b="0" i="0" sz="1400" u="none" cap="none" strike="noStrike">
+      <a:defRPr sz="1400" b="0" i="0" u="none" strike="noStrike" cap="none">
         <a:solidFill>
           <a:srgbClr val="000000"/>
         </a:solidFill>
@@ -718,11 +732,11 @@
 </file>
 
 <file path=ppt/notesSlides/notesSlide1.xml><?xml version="1.0" encoding="utf-8"?>
-<p:notes xmlns:a="http://schemas.openxmlformats.org/drawingml/2006/main" xmlns:r="http://schemas.openxmlformats.org/officeDocument/2006/relationships" xmlns:mc="http://schemas.openxmlformats.org/markup-compatibility/2006" xmlns:mv="urn:schemas-microsoft-com:mac:vml" xmlns:p="http://schemas.openxmlformats.org/presentationml/2006/main" xmlns:c="http://schemas.openxmlformats.org/drawingml/2006/chart" xmlns:dgm="http://schemas.openxmlformats.org/drawingml/2006/diagram" xmlns:o="urn:schemas-microsoft-com:office:office" xmlns:v="urn:schemas-microsoft-com:vml" xmlns:pvml="urn:schemas-microsoft-com:office:powerpoint" xmlns:com="http://schemas.openxmlformats.org/drawingml/2006/compatibility" xmlns:p14="http://schemas.microsoft.com/office/powerpoint/2010/main" xmlns:p15="http://schemas.microsoft.com/office/powerpoint/2012/main" xmlns:ahyp="http://schemas.microsoft.com/office/drawing/2018/hyperlinkcolor" showMasterPhAnim="0" showMasterSp="0">
+<p:notes xmlns:a="http://schemas.openxmlformats.org/drawingml/2006/main" xmlns:r="http://schemas.openxmlformats.org/officeDocument/2006/relationships" xmlns:p="http://schemas.openxmlformats.org/presentationml/2006/main" showMasterSp="0" showMasterPhAnim="0">
   <p:cSld>
     <p:spTree>
       <p:nvGrpSpPr>
-        <p:cNvPr id="55" name="Shape 55"/>
+        <p:cNvPr id="1" name="Shape 55"/>
         <p:cNvGrpSpPr/>
         <p:nvPr/>
       </p:nvGrpSpPr>
@@ -737,9 +751,11 @@
       <p:sp>
         <p:nvSpPr>
           <p:cNvPr id="56" name="Google Shape;56;p:notes"/>
-          <p:cNvSpPr/>
+          <p:cNvSpPr>
+            <a:spLocks noGrp="1" noRot="1" noChangeAspect="1"/>
+          </p:cNvSpPr>
           <p:nvPr>
-            <p:ph idx="2" type="sldImg"/>
+            <p:ph type="sldImg" idx="2"/>
           </p:nvPr>
         </p:nvSpPr>
         <p:spPr>
@@ -748,9 +764,13 @@
             <a:ext cx="6096075" cy="3429000"/>
           </a:xfrm>
           <a:custGeom>
-            <a:rect b="b" l="l" r="r" t="t"/>
+            <a:avLst/>
+            <a:gdLst/>
+            <a:ahLst/>
+            <a:cxnLst/>
+            <a:rect l="l" t="t" r="r" b="b"/>
             <a:pathLst>
-              <a:path extrusionOk="0" h="120000" w="120000">
+              <a:path w="120000" h="120000" extrusionOk="0">
                 <a:moveTo>
                   <a:pt x="0" y="0"/>
                 </a:moveTo>
@@ -772,9 +792,11 @@
       <p:sp>
         <p:nvSpPr>
           <p:cNvPr id="57" name="Google Shape;57;p:notes"/>
-          <p:cNvSpPr txBox="1"/>
+          <p:cNvSpPr txBox="1">
+            <a:spLocks noGrp="1"/>
+          </p:cNvSpPr>
           <p:nvPr>
-            <p:ph idx="1" type="body"/>
+            <p:ph type="body" idx="1"/>
           </p:nvPr>
         </p:nvSpPr>
         <p:spPr>
@@ -787,12 +809,12 @@
           </a:prstGeom>
         </p:spPr>
         <p:txBody>
-          <a:bodyPr anchorCtr="0" anchor="t" bIns="91425" lIns="91425" spcFirstLastPara="1" rIns="91425" wrap="square" tIns="91425">
+          <a:bodyPr spcFirstLastPara="1" wrap="square" lIns="91425" tIns="91425" rIns="91425" bIns="91425" anchor="t" anchorCtr="0">
             <a:noAutofit/>
           </a:bodyPr>
           <a:lstStyle/>
           <a:p>
-            <a:pPr indent="0" lvl="0" marL="0" rtl="0" algn="l">
+            <a:pPr marL="0" lvl="0" indent="0" algn="l" rtl="0">
               <a:spcBef>
                 <a:spcPts val="0"/>
               </a:spcBef>
@@ -801,9 +823,6 @@
               </a:spcAft>
               <a:buNone/>
             </a:pPr>
-            <a:r>
-              <a:t/>
-            </a:r>
             <a:endParaRPr/>
           </a:p>
         </p:txBody>
@@ -817,11 +836,11 @@
 </file>
 
 <file path=ppt/notesSlides/notesSlide10.xml><?xml version="1.0" encoding="utf-8"?>
-<p:notes xmlns:a="http://schemas.openxmlformats.org/drawingml/2006/main" xmlns:r="http://schemas.openxmlformats.org/officeDocument/2006/relationships" xmlns:mc="http://schemas.openxmlformats.org/markup-compatibility/2006" xmlns:mv="urn:schemas-microsoft-com:mac:vml" xmlns:p="http://schemas.openxmlformats.org/presentationml/2006/main" xmlns:c="http://schemas.openxmlformats.org/drawingml/2006/chart" xmlns:dgm="http://schemas.openxmlformats.org/drawingml/2006/diagram" xmlns:o="urn:schemas-microsoft-com:office:office" xmlns:v="urn:schemas-microsoft-com:vml" xmlns:pvml="urn:schemas-microsoft-com:office:powerpoint" xmlns:com="http://schemas.openxmlformats.org/drawingml/2006/compatibility" xmlns:p14="http://schemas.microsoft.com/office/powerpoint/2010/main" xmlns:p15="http://schemas.microsoft.com/office/powerpoint/2012/main" xmlns:ahyp="http://schemas.microsoft.com/office/drawing/2018/hyperlinkcolor" showMasterPhAnim="0" showMasterSp="0">
+<p:notes xmlns:a="http://schemas.openxmlformats.org/drawingml/2006/main" xmlns:r="http://schemas.openxmlformats.org/officeDocument/2006/relationships" xmlns:p="http://schemas.openxmlformats.org/presentationml/2006/main" showMasterSp="0" showMasterPhAnim="0">
   <p:cSld>
     <p:spTree>
       <p:nvGrpSpPr>
-        <p:cNvPr id="110" name="Shape 110"/>
+        <p:cNvPr id="1" name="Shape 110"/>
         <p:cNvGrpSpPr/>
         <p:nvPr/>
       </p:nvGrpSpPr>
@@ -836,20 +855,26 @@
       <p:sp>
         <p:nvSpPr>
           <p:cNvPr id="111" name="Google Shape;111;g13312c7dd12_0_184:notes"/>
-          <p:cNvSpPr/>
+          <p:cNvSpPr>
+            <a:spLocks noGrp="1" noRot="1" noChangeAspect="1"/>
+          </p:cNvSpPr>
           <p:nvPr>
-            <p:ph idx="2" type="sldImg"/>
+            <p:ph type="sldImg" idx="2"/>
           </p:nvPr>
         </p:nvSpPr>
         <p:spPr>
           <a:xfrm>
-            <a:off x="381300" y="685800"/>
+            <a:off x="381000" y="685800"/>
             <a:ext cx="6096000" cy="3429000"/>
           </a:xfrm>
           <a:custGeom>
-            <a:rect b="b" l="l" r="r" t="t"/>
+            <a:avLst/>
+            <a:gdLst/>
+            <a:ahLst/>
+            <a:cxnLst/>
+            <a:rect l="l" t="t" r="r" b="b"/>
             <a:pathLst>
-              <a:path extrusionOk="0" h="120000" w="120000">
+              <a:path w="120000" h="120000" extrusionOk="0">
                 <a:moveTo>
                   <a:pt x="0" y="0"/>
                 </a:moveTo>
@@ -871,9 +896,11 @@
       <p:sp>
         <p:nvSpPr>
           <p:cNvPr id="112" name="Google Shape;112;g13312c7dd12_0_184:notes"/>
-          <p:cNvSpPr txBox="1"/>
+          <p:cNvSpPr txBox="1">
+            <a:spLocks noGrp="1"/>
+          </p:cNvSpPr>
           <p:nvPr>
-            <p:ph idx="1" type="body"/>
+            <p:ph type="body" idx="1"/>
           </p:nvPr>
         </p:nvSpPr>
         <p:spPr>
@@ -886,12 +913,12 @@
           </a:prstGeom>
         </p:spPr>
         <p:txBody>
-          <a:bodyPr anchorCtr="0" anchor="t" bIns="91425" lIns="91425" spcFirstLastPara="1" rIns="91425" wrap="square" tIns="91425">
+          <a:bodyPr spcFirstLastPara="1" wrap="square" lIns="91425" tIns="91425" rIns="91425" bIns="91425" anchor="t" anchorCtr="0">
             <a:noAutofit/>
           </a:bodyPr>
           <a:lstStyle/>
           <a:p>
-            <a:pPr indent="0" lvl="0" marL="0" rtl="0" algn="l">
+            <a:pPr marL="0" lvl="0" indent="0" algn="l" rtl="0">
               <a:spcBef>
                 <a:spcPts val="0"/>
               </a:spcBef>
@@ -900,9 +927,6 @@
               </a:spcAft>
               <a:buNone/>
             </a:pPr>
-            <a:r>
-              <a:t/>
-            </a:r>
             <a:endParaRPr/>
           </a:p>
         </p:txBody>
@@ -916,11 +940,11 @@
 </file>
 
 <file path=ppt/notesSlides/notesSlide11.xml><?xml version="1.0" encoding="utf-8"?>
-<p:notes xmlns:a="http://schemas.openxmlformats.org/drawingml/2006/main" xmlns:r="http://schemas.openxmlformats.org/officeDocument/2006/relationships" xmlns:mc="http://schemas.openxmlformats.org/markup-compatibility/2006" xmlns:mv="urn:schemas-microsoft-com:mac:vml" xmlns:p="http://schemas.openxmlformats.org/presentationml/2006/main" xmlns:c="http://schemas.openxmlformats.org/drawingml/2006/chart" xmlns:dgm="http://schemas.openxmlformats.org/drawingml/2006/diagram" xmlns:o="urn:schemas-microsoft-com:office:office" xmlns:v="urn:schemas-microsoft-com:vml" xmlns:pvml="urn:schemas-microsoft-com:office:powerpoint" xmlns:com="http://schemas.openxmlformats.org/drawingml/2006/compatibility" xmlns:p14="http://schemas.microsoft.com/office/powerpoint/2010/main" xmlns:p15="http://schemas.microsoft.com/office/powerpoint/2012/main" xmlns:ahyp="http://schemas.microsoft.com/office/drawing/2018/hyperlinkcolor" showMasterPhAnim="0" showMasterSp="0">
+<p:notes xmlns:a="http://schemas.openxmlformats.org/drawingml/2006/main" xmlns:r="http://schemas.openxmlformats.org/officeDocument/2006/relationships" xmlns:p="http://schemas.openxmlformats.org/presentationml/2006/main" showMasterSp="0" showMasterPhAnim="0">
   <p:cSld>
     <p:spTree>
       <p:nvGrpSpPr>
-        <p:cNvPr id="115" name="Shape 115"/>
+        <p:cNvPr id="1" name="Shape 115"/>
         <p:cNvGrpSpPr/>
         <p:nvPr/>
       </p:nvGrpSpPr>
@@ -935,20 +959,26 @@
       <p:sp>
         <p:nvSpPr>
           <p:cNvPr id="116" name="Google Shape;116;g13312c7dd12_0_189:notes"/>
-          <p:cNvSpPr/>
+          <p:cNvSpPr>
+            <a:spLocks noGrp="1" noRot="1" noChangeAspect="1"/>
+          </p:cNvSpPr>
           <p:nvPr>
-            <p:ph idx="2" type="sldImg"/>
+            <p:ph type="sldImg" idx="2"/>
           </p:nvPr>
         </p:nvSpPr>
         <p:spPr>
           <a:xfrm>
-            <a:off x="381300" y="685800"/>
+            <a:off x="381000" y="685800"/>
             <a:ext cx="6096000" cy="3429000"/>
           </a:xfrm>
           <a:custGeom>
-            <a:rect b="b" l="l" r="r" t="t"/>
+            <a:avLst/>
+            <a:gdLst/>
+            <a:ahLst/>
+            <a:cxnLst/>
+            <a:rect l="l" t="t" r="r" b="b"/>
             <a:pathLst>
-              <a:path extrusionOk="0" h="120000" w="120000">
+              <a:path w="120000" h="120000" extrusionOk="0">
                 <a:moveTo>
                   <a:pt x="0" y="0"/>
                 </a:moveTo>
@@ -970,9 +1000,11 @@
       <p:sp>
         <p:nvSpPr>
           <p:cNvPr id="117" name="Google Shape;117;g13312c7dd12_0_189:notes"/>
-          <p:cNvSpPr txBox="1"/>
+          <p:cNvSpPr txBox="1">
+            <a:spLocks noGrp="1"/>
+          </p:cNvSpPr>
           <p:nvPr>
-            <p:ph idx="1" type="body"/>
+            <p:ph type="body" idx="1"/>
           </p:nvPr>
         </p:nvSpPr>
         <p:spPr>
@@ -985,12 +1017,12 @@
           </a:prstGeom>
         </p:spPr>
         <p:txBody>
-          <a:bodyPr anchorCtr="0" anchor="t" bIns="91425" lIns="91425" spcFirstLastPara="1" rIns="91425" wrap="square" tIns="91425">
+          <a:bodyPr spcFirstLastPara="1" wrap="square" lIns="91425" tIns="91425" rIns="91425" bIns="91425" anchor="t" anchorCtr="0">
             <a:noAutofit/>
           </a:bodyPr>
           <a:lstStyle/>
           <a:p>
-            <a:pPr indent="0" lvl="0" marL="0" rtl="0" algn="l">
+            <a:pPr marL="0" lvl="0" indent="0" algn="l" rtl="0">
               <a:spcBef>
                 <a:spcPts val="0"/>
               </a:spcBef>
@@ -999,9 +1031,6 @@
               </a:spcAft>
               <a:buNone/>
             </a:pPr>
-            <a:r>
-              <a:t/>
-            </a:r>
             <a:endParaRPr/>
           </a:p>
         </p:txBody>
@@ -1015,11 +1044,11 @@
 </file>
 
 <file path=ppt/notesSlides/notesSlide12.xml><?xml version="1.0" encoding="utf-8"?>
-<p:notes xmlns:a="http://schemas.openxmlformats.org/drawingml/2006/main" xmlns:r="http://schemas.openxmlformats.org/officeDocument/2006/relationships" xmlns:mc="http://schemas.openxmlformats.org/markup-compatibility/2006" xmlns:mv="urn:schemas-microsoft-com:mac:vml" xmlns:p="http://schemas.openxmlformats.org/presentationml/2006/main" xmlns:c="http://schemas.openxmlformats.org/drawingml/2006/chart" xmlns:dgm="http://schemas.openxmlformats.org/drawingml/2006/diagram" xmlns:o="urn:schemas-microsoft-com:office:office" xmlns:v="urn:schemas-microsoft-com:vml" xmlns:pvml="urn:schemas-microsoft-com:office:powerpoint" xmlns:com="http://schemas.openxmlformats.org/drawingml/2006/compatibility" xmlns:p14="http://schemas.microsoft.com/office/powerpoint/2010/main" xmlns:p15="http://schemas.microsoft.com/office/powerpoint/2012/main" xmlns:ahyp="http://schemas.microsoft.com/office/drawing/2018/hyperlinkcolor" showMasterPhAnim="0" showMasterSp="0">
+<p:notes xmlns:a="http://schemas.openxmlformats.org/drawingml/2006/main" xmlns:r="http://schemas.openxmlformats.org/officeDocument/2006/relationships" xmlns:p="http://schemas.openxmlformats.org/presentationml/2006/main" showMasterSp="0" showMasterPhAnim="0">
   <p:cSld>
     <p:spTree>
       <p:nvGrpSpPr>
-        <p:cNvPr id="120" name="Shape 120"/>
+        <p:cNvPr id="1" name="Shape 120"/>
         <p:cNvGrpSpPr/>
         <p:nvPr/>
       </p:nvGrpSpPr>
@@ -1034,20 +1063,26 @@
       <p:sp>
         <p:nvSpPr>
           <p:cNvPr id="121" name="Google Shape;121;g13312c7dd12_0_194:notes"/>
-          <p:cNvSpPr/>
+          <p:cNvSpPr>
+            <a:spLocks noGrp="1" noRot="1" noChangeAspect="1"/>
+          </p:cNvSpPr>
           <p:nvPr>
-            <p:ph idx="2" type="sldImg"/>
+            <p:ph type="sldImg" idx="2"/>
           </p:nvPr>
         </p:nvSpPr>
         <p:spPr>
           <a:xfrm>
-            <a:off x="381300" y="685800"/>
+            <a:off x="381000" y="685800"/>
             <a:ext cx="6096000" cy="3429000"/>
           </a:xfrm>
           <a:custGeom>
-            <a:rect b="b" l="l" r="r" t="t"/>
+            <a:avLst/>
+            <a:gdLst/>
+            <a:ahLst/>
+            <a:cxnLst/>
+            <a:rect l="l" t="t" r="r" b="b"/>
             <a:pathLst>
-              <a:path extrusionOk="0" h="120000" w="120000">
+              <a:path w="120000" h="120000" extrusionOk="0">
                 <a:moveTo>
                   <a:pt x="0" y="0"/>
                 </a:moveTo>
@@ -1069,9 +1104,11 @@
       <p:sp>
         <p:nvSpPr>
           <p:cNvPr id="122" name="Google Shape;122;g13312c7dd12_0_194:notes"/>
-          <p:cNvSpPr txBox="1"/>
+          <p:cNvSpPr txBox="1">
+            <a:spLocks noGrp="1"/>
+          </p:cNvSpPr>
           <p:nvPr>
-            <p:ph idx="1" type="body"/>
+            <p:ph type="body" idx="1"/>
           </p:nvPr>
         </p:nvSpPr>
         <p:spPr>
@@ -1084,12 +1121,12 @@
           </a:prstGeom>
         </p:spPr>
         <p:txBody>
-          <a:bodyPr anchorCtr="0" anchor="t" bIns="91425" lIns="91425" spcFirstLastPara="1" rIns="91425" wrap="square" tIns="91425">
+          <a:bodyPr spcFirstLastPara="1" wrap="square" lIns="91425" tIns="91425" rIns="91425" bIns="91425" anchor="t" anchorCtr="0">
             <a:noAutofit/>
           </a:bodyPr>
           <a:lstStyle/>
           <a:p>
-            <a:pPr indent="0" lvl="0" marL="0" rtl="0" algn="l">
+            <a:pPr marL="0" lvl="0" indent="0" algn="l" rtl="0">
               <a:spcBef>
                 <a:spcPts val="0"/>
               </a:spcBef>
@@ -1098,9 +1135,6 @@
               </a:spcAft>
               <a:buNone/>
             </a:pPr>
-            <a:r>
-              <a:t/>
-            </a:r>
             <a:endParaRPr/>
           </a:p>
         </p:txBody>
@@ -1114,110 +1148,11 @@
 </file>
 
 <file path=ppt/notesSlides/notesSlide13.xml><?xml version="1.0" encoding="utf-8"?>
-<p:notes xmlns:a="http://schemas.openxmlformats.org/drawingml/2006/main" xmlns:r="http://schemas.openxmlformats.org/officeDocument/2006/relationships" xmlns:mc="http://schemas.openxmlformats.org/markup-compatibility/2006" xmlns:mv="urn:schemas-microsoft-com:mac:vml" xmlns:p="http://schemas.openxmlformats.org/presentationml/2006/main" xmlns:c="http://schemas.openxmlformats.org/drawingml/2006/chart" xmlns:dgm="http://schemas.openxmlformats.org/drawingml/2006/diagram" xmlns:o="urn:schemas-microsoft-com:office:office" xmlns:v="urn:schemas-microsoft-com:vml" xmlns:pvml="urn:schemas-microsoft-com:office:powerpoint" xmlns:com="http://schemas.openxmlformats.org/drawingml/2006/compatibility" xmlns:p14="http://schemas.microsoft.com/office/powerpoint/2010/main" xmlns:p15="http://schemas.microsoft.com/office/powerpoint/2012/main" xmlns:ahyp="http://schemas.microsoft.com/office/drawing/2018/hyperlinkcolor" showMasterPhAnim="0" showMasterSp="0">
+<p:notes xmlns:a="http://schemas.openxmlformats.org/drawingml/2006/main" xmlns:r="http://schemas.openxmlformats.org/officeDocument/2006/relationships" xmlns:p="http://schemas.openxmlformats.org/presentationml/2006/main" showMasterSp="0" showMasterPhAnim="0">
   <p:cSld>
     <p:spTree>
       <p:nvGrpSpPr>
-        <p:cNvPr id="125" name="Shape 125"/>
-        <p:cNvGrpSpPr/>
-        <p:nvPr/>
-      </p:nvGrpSpPr>
-      <p:grpSpPr>
-        <a:xfrm>
-          <a:off x="0" y="0"/>
-          <a:ext cx="0" cy="0"/>
-          <a:chOff x="0" y="0"/>
-          <a:chExt cx="0" cy="0"/>
-        </a:xfrm>
-      </p:grpSpPr>
-      <p:sp>
-        <p:nvSpPr>
-          <p:cNvPr id="126" name="Google Shape;126;g13312c7dd12_0_199:notes"/>
-          <p:cNvSpPr/>
-          <p:nvPr>
-            <p:ph idx="2" type="sldImg"/>
-          </p:nvPr>
-        </p:nvSpPr>
-        <p:spPr>
-          <a:xfrm>
-            <a:off x="381300" y="685800"/>
-            <a:ext cx="6096000" cy="3429000"/>
-          </a:xfrm>
-          <a:custGeom>
-            <a:rect b="b" l="l" r="r" t="t"/>
-            <a:pathLst>
-              <a:path extrusionOk="0" h="120000" w="120000">
-                <a:moveTo>
-                  <a:pt x="0" y="0"/>
-                </a:moveTo>
-                <a:lnTo>
-                  <a:pt x="120000" y="0"/>
-                </a:lnTo>
-                <a:lnTo>
-                  <a:pt x="120000" y="120000"/>
-                </a:lnTo>
-                <a:lnTo>
-                  <a:pt x="0" y="120000"/>
-                </a:lnTo>
-                <a:close/>
-              </a:path>
-            </a:pathLst>
-          </a:custGeom>
-        </p:spPr>
-      </p:sp>
-      <p:sp>
-        <p:nvSpPr>
-          <p:cNvPr id="127" name="Google Shape;127;g13312c7dd12_0_199:notes"/>
-          <p:cNvSpPr txBox="1"/>
-          <p:nvPr>
-            <p:ph idx="1" type="body"/>
-          </p:nvPr>
-        </p:nvSpPr>
-        <p:spPr>
-          <a:xfrm>
-            <a:off x="685800" y="4343400"/>
-            <a:ext cx="5486400" cy="4114800"/>
-          </a:xfrm>
-          <a:prstGeom prst="rect">
-            <a:avLst/>
-          </a:prstGeom>
-        </p:spPr>
-        <p:txBody>
-          <a:bodyPr anchorCtr="0" anchor="t" bIns="91425" lIns="91425" spcFirstLastPara="1" rIns="91425" wrap="square" tIns="91425">
-            <a:noAutofit/>
-          </a:bodyPr>
-          <a:lstStyle/>
-          <a:p>
-            <a:pPr indent="0" lvl="0" marL="0" rtl="0" algn="l">
-              <a:spcBef>
-                <a:spcPts val="0"/>
-              </a:spcBef>
-              <a:spcAft>
-                <a:spcPts val="0"/>
-              </a:spcAft>
-              <a:buNone/>
-            </a:pPr>
-            <a:r>
-              <a:t/>
-            </a:r>
-            <a:endParaRPr/>
-          </a:p>
-        </p:txBody>
-      </p:sp>
-    </p:spTree>
-  </p:cSld>
-  <p:clrMapOvr>
-    <a:masterClrMapping/>
-  </p:clrMapOvr>
-</p:notes>
-</file>
-
-<file path=ppt/notesSlides/notesSlide14.xml><?xml version="1.0" encoding="utf-8"?>
-<p:notes xmlns:a="http://schemas.openxmlformats.org/drawingml/2006/main" xmlns:r="http://schemas.openxmlformats.org/officeDocument/2006/relationships" xmlns:mc="http://schemas.openxmlformats.org/markup-compatibility/2006" xmlns:mv="urn:schemas-microsoft-com:mac:vml" xmlns:p="http://schemas.openxmlformats.org/presentationml/2006/main" xmlns:c="http://schemas.openxmlformats.org/drawingml/2006/chart" xmlns:dgm="http://schemas.openxmlformats.org/drawingml/2006/diagram" xmlns:o="urn:schemas-microsoft-com:office:office" xmlns:v="urn:schemas-microsoft-com:vml" xmlns:pvml="urn:schemas-microsoft-com:office:powerpoint" xmlns:com="http://schemas.openxmlformats.org/drawingml/2006/compatibility" xmlns:p14="http://schemas.microsoft.com/office/powerpoint/2010/main" xmlns:p15="http://schemas.microsoft.com/office/powerpoint/2012/main" xmlns:ahyp="http://schemas.microsoft.com/office/drawing/2018/hyperlinkcolor" showMasterPhAnim="0" showMasterSp="0">
-  <p:cSld>
-    <p:spTree>
-      <p:nvGrpSpPr>
-        <p:cNvPr id="130" name="Shape 130"/>
+        <p:cNvPr id="1" name="Shape 130"/>
         <p:cNvGrpSpPr/>
         <p:nvPr/>
       </p:nvGrpSpPr>
@@ -1232,9 +1167,11 @@
       <p:sp>
         <p:nvSpPr>
           <p:cNvPr id="131" name="Google Shape;131;g13312c7dd12_0_214:notes"/>
-          <p:cNvSpPr/>
+          <p:cNvSpPr>
+            <a:spLocks noGrp="1" noRot="1" noChangeAspect="1"/>
+          </p:cNvSpPr>
           <p:nvPr>
-            <p:ph idx="2" type="sldImg"/>
+            <p:ph type="sldImg" idx="2"/>
           </p:nvPr>
         </p:nvSpPr>
         <p:spPr>
@@ -1243,9 +1180,13 @@
             <a:ext cx="6096000" cy="3429000"/>
           </a:xfrm>
           <a:custGeom>
-            <a:rect b="b" l="l" r="r" t="t"/>
+            <a:avLst/>
+            <a:gdLst/>
+            <a:ahLst/>
+            <a:cxnLst/>
+            <a:rect l="l" t="t" r="r" b="b"/>
             <a:pathLst>
-              <a:path extrusionOk="0" h="120000" w="120000">
+              <a:path w="120000" h="120000" extrusionOk="0">
                 <a:moveTo>
                   <a:pt x="0" y="0"/>
                 </a:moveTo>
@@ -1267,9 +1208,11 @@
       <p:sp>
         <p:nvSpPr>
           <p:cNvPr id="132" name="Google Shape;132;g13312c7dd12_0_214:notes"/>
-          <p:cNvSpPr txBox="1"/>
+          <p:cNvSpPr txBox="1">
+            <a:spLocks noGrp="1"/>
+          </p:cNvSpPr>
           <p:nvPr>
-            <p:ph idx="1" type="body"/>
+            <p:ph type="body" idx="1"/>
           </p:nvPr>
         </p:nvSpPr>
         <p:spPr>
@@ -1282,12 +1225,12 @@
           </a:prstGeom>
         </p:spPr>
         <p:txBody>
-          <a:bodyPr anchorCtr="0" anchor="t" bIns="91425" lIns="91425" spcFirstLastPara="1" rIns="91425" wrap="square" tIns="91425">
+          <a:bodyPr spcFirstLastPara="1" wrap="square" lIns="91425" tIns="91425" rIns="91425" bIns="91425" anchor="t" anchorCtr="0">
             <a:noAutofit/>
           </a:bodyPr>
           <a:lstStyle/>
           <a:p>
-            <a:pPr indent="0" lvl="0" marL="0" rtl="0" algn="l">
+            <a:pPr marL="0" lvl="0" indent="0" algn="l" rtl="0">
               <a:spcBef>
                 <a:spcPts val="0"/>
               </a:spcBef>
@@ -1296,9 +1239,6 @@
               </a:spcAft>
               <a:buNone/>
             </a:pPr>
-            <a:r>
-              <a:t/>
-            </a:r>
             <a:endParaRPr/>
           </a:p>
         </p:txBody>
@@ -1311,12 +1251,12 @@
 </p:notes>
 </file>
 
-<file path=ppt/notesSlides/notesSlide15.xml><?xml version="1.0" encoding="utf-8"?>
-<p:notes xmlns:a="http://schemas.openxmlformats.org/drawingml/2006/main" xmlns:r="http://schemas.openxmlformats.org/officeDocument/2006/relationships" xmlns:mc="http://schemas.openxmlformats.org/markup-compatibility/2006" xmlns:mv="urn:schemas-microsoft-com:mac:vml" xmlns:p="http://schemas.openxmlformats.org/presentationml/2006/main" xmlns:c="http://schemas.openxmlformats.org/drawingml/2006/chart" xmlns:dgm="http://schemas.openxmlformats.org/drawingml/2006/diagram" xmlns:o="urn:schemas-microsoft-com:office:office" xmlns:v="urn:schemas-microsoft-com:vml" xmlns:pvml="urn:schemas-microsoft-com:office:powerpoint" xmlns:com="http://schemas.openxmlformats.org/drawingml/2006/compatibility" xmlns:p14="http://schemas.microsoft.com/office/powerpoint/2010/main" xmlns:p15="http://schemas.microsoft.com/office/powerpoint/2012/main" xmlns:ahyp="http://schemas.microsoft.com/office/drawing/2018/hyperlinkcolor" showMasterPhAnim="0" showMasterSp="0">
+<file path=ppt/notesSlides/notesSlide14.xml><?xml version="1.0" encoding="utf-8"?>
+<p:notes xmlns:a="http://schemas.openxmlformats.org/drawingml/2006/main" xmlns:r="http://schemas.openxmlformats.org/officeDocument/2006/relationships" xmlns:p="http://schemas.openxmlformats.org/presentationml/2006/main" showMasterSp="0" showMasterPhAnim="0">
   <p:cSld>
     <p:spTree>
       <p:nvGrpSpPr>
-        <p:cNvPr id="136" name="Shape 136"/>
+        <p:cNvPr id="1" name="Shape 136"/>
         <p:cNvGrpSpPr/>
         <p:nvPr/>
       </p:nvGrpSpPr>
@@ -1331,9 +1271,11 @@
       <p:sp>
         <p:nvSpPr>
           <p:cNvPr id="137" name="Google Shape;137;g13312c7dd12_0_204:notes"/>
-          <p:cNvSpPr/>
+          <p:cNvSpPr>
+            <a:spLocks noGrp="1" noRot="1" noChangeAspect="1"/>
+          </p:cNvSpPr>
           <p:nvPr>
-            <p:ph idx="2" type="sldImg"/>
+            <p:ph type="sldImg" idx="2"/>
           </p:nvPr>
         </p:nvSpPr>
         <p:spPr>
@@ -1342,9 +1284,13 @@
             <a:ext cx="6096000" cy="3429000"/>
           </a:xfrm>
           <a:custGeom>
-            <a:rect b="b" l="l" r="r" t="t"/>
+            <a:avLst/>
+            <a:gdLst/>
+            <a:ahLst/>
+            <a:cxnLst/>
+            <a:rect l="l" t="t" r="r" b="b"/>
             <a:pathLst>
-              <a:path extrusionOk="0" h="120000" w="120000">
+              <a:path w="120000" h="120000" extrusionOk="0">
                 <a:moveTo>
                   <a:pt x="0" y="0"/>
                 </a:moveTo>
@@ -1366,9 +1312,11 @@
       <p:sp>
         <p:nvSpPr>
           <p:cNvPr id="138" name="Google Shape;138;g13312c7dd12_0_204:notes"/>
-          <p:cNvSpPr txBox="1"/>
+          <p:cNvSpPr txBox="1">
+            <a:spLocks noGrp="1"/>
+          </p:cNvSpPr>
           <p:nvPr>
-            <p:ph idx="1" type="body"/>
+            <p:ph type="body" idx="1"/>
           </p:nvPr>
         </p:nvSpPr>
         <p:spPr>
@@ -1381,12 +1329,12 @@
           </a:prstGeom>
         </p:spPr>
         <p:txBody>
-          <a:bodyPr anchorCtr="0" anchor="t" bIns="91425" lIns="91425" spcFirstLastPara="1" rIns="91425" wrap="square" tIns="91425">
+          <a:bodyPr spcFirstLastPara="1" wrap="square" lIns="91425" tIns="91425" rIns="91425" bIns="91425" anchor="t" anchorCtr="0">
             <a:noAutofit/>
           </a:bodyPr>
           <a:lstStyle/>
           <a:p>
-            <a:pPr indent="0" lvl="0" marL="0" rtl="0" algn="l">
+            <a:pPr marL="0" lvl="0" indent="0" algn="l" rtl="0">
               <a:spcBef>
                 <a:spcPts val="0"/>
               </a:spcBef>
@@ -1395,9 +1343,6 @@
               </a:spcAft>
               <a:buNone/>
             </a:pPr>
-            <a:r>
-              <a:t/>
-            </a:r>
             <a:endParaRPr/>
           </a:p>
         </p:txBody>
@@ -1410,12 +1355,12 @@
 </p:notes>
 </file>
 
-<file path=ppt/notesSlides/notesSlide16.xml><?xml version="1.0" encoding="utf-8"?>
-<p:notes xmlns:a="http://schemas.openxmlformats.org/drawingml/2006/main" xmlns:r="http://schemas.openxmlformats.org/officeDocument/2006/relationships" xmlns:mc="http://schemas.openxmlformats.org/markup-compatibility/2006" xmlns:mv="urn:schemas-microsoft-com:mac:vml" xmlns:p="http://schemas.openxmlformats.org/presentationml/2006/main" xmlns:c="http://schemas.openxmlformats.org/drawingml/2006/chart" xmlns:dgm="http://schemas.openxmlformats.org/drawingml/2006/diagram" xmlns:o="urn:schemas-microsoft-com:office:office" xmlns:v="urn:schemas-microsoft-com:vml" xmlns:pvml="urn:schemas-microsoft-com:office:powerpoint" xmlns:com="http://schemas.openxmlformats.org/drawingml/2006/compatibility" xmlns:p14="http://schemas.microsoft.com/office/powerpoint/2010/main" xmlns:p15="http://schemas.microsoft.com/office/powerpoint/2012/main" xmlns:ahyp="http://schemas.microsoft.com/office/drawing/2018/hyperlinkcolor" showMasterPhAnim="0" showMasterSp="0">
+<file path=ppt/notesSlides/notesSlide15.xml><?xml version="1.0" encoding="utf-8"?>
+<p:notes xmlns:a="http://schemas.openxmlformats.org/drawingml/2006/main" xmlns:r="http://schemas.openxmlformats.org/officeDocument/2006/relationships" xmlns:p="http://schemas.openxmlformats.org/presentationml/2006/main" showMasterSp="0" showMasterPhAnim="0">
   <p:cSld>
     <p:spTree>
       <p:nvGrpSpPr>
-        <p:cNvPr id="142" name="Shape 142"/>
+        <p:cNvPr id="1" name="Shape 142"/>
         <p:cNvGrpSpPr/>
         <p:nvPr/>
       </p:nvGrpSpPr>
@@ -1430,9 +1375,11 @@
       <p:sp>
         <p:nvSpPr>
           <p:cNvPr id="143" name="Google Shape;143;g13312c7dd12_0_209:notes"/>
-          <p:cNvSpPr/>
+          <p:cNvSpPr>
+            <a:spLocks noGrp="1" noRot="1" noChangeAspect="1"/>
+          </p:cNvSpPr>
           <p:nvPr>
-            <p:ph idx="2" type="sldImg"/>
+            <p:ph type="sldImg" idx="2"/>
           </p:nvPr>
         </p:nvSpPr>
         <p:spPr>
@@ -1441,9 +1388,13 @@
             <a:ext cx="6096000" cy="3429000"/>
           </a:xfrm>
           <a:custGeom>
-            <a:rect b="b" l="l" r="r" t="t"/>
+            <a:avLst/>
+            <a:gdLst/>
+            <a:ahLst/>
+            <a:cxnLst/>
+            <a:rect l="l" t="t" r="r" b="b"/>
             <a:pathLst>
-              <a:path extrusionOk="0" h="120000" w="120000">
+              <a:path w="120000" h="120000" extrusionOk="0">
                 <a:moveTo>
                   <a:pt x="0" y="0"/>
                 </a:moveTo>
@@ -1465,9 +1416,11 @@
       <p:sp>
         <p:nvSpPr>
           <p:cNvPr id="144" name="Google Shape;144;g13312c7dd12_0_209:notes"/>
-          <p:cNvSpPr txBox="1"/>
+          <p:cNvSpPr txBox="1">
+            <a:spLocks noGrp="1"/>
+          </p:cNvSpPr>
           <p:nvPr>
-            <p:ph idx="1" type="body"/>
+            <p:ph type="body" idx="1"/>
           </p:nvPr>
         </p:nvSpPr>
         <p:spPr>
@@ -1480,12 +1433,12 @@
           </a:prstGeom>
         </p:spPr>
         <p:txBody>
-          <a:bodyPr anchorCtr="0" anchor="t" bIns="91425" lIns="91425" spcFirstLastPara="1" rIns="91425" wrap="square" tIns="91425">
+          <a:bodyPr spcFirstLastPara="1" wrap="square" lIns="91425" tIns="91425" rIns="91425" bIns="91425" anchor="t" anchorCtr="0">
             <a:noAutofit/>
           </a:bodyPr>
           <a:lstStyle/>
           <a:p>
-            <a:pPr indent="0" lvl="0" marL="0" rtl="0" algn="l">
+            <a:pPr marL="0" lvl="0" indent="0" algn="l" rtl="0">
               <a:spcBef>
                 <a:spcPts val="0"/>
               </a:spcBef>
@@ -1494,9 +1447,6 @@
               </a:spcAft>
               <a:buNone/>
             </a:pPr>
-            <a:r>
-              <a:t/>
-            </a:r>
             <a:endParaRPr/>
           </a:p>
         </p:txBody>
@@ -1510,11 +1460,11 @@
 </file>
 
 <file path=ppt/notesSlides/notesSlide2.xml><?xml version="1.0" encoding="utf-8"?>
-<p:notes xmlns:a="http://schemas.openxmlformats.org/drawingml/2006/main" xmlns:r="http://schemas.openxmlformats.org/officeDocument/2006/relationships" xmlns:mc="http://schemas.openxmlformats.org/markup-compatibility/2006" xmlns:mv="urn:schemas-microsoft-com:mac:vml" xmlns:p="http://schemas.openxmlformats.org/presentationml/2006/main" xmlns:c="http://schemas.openxmlformats.org/drawingml/2006/chart" xmlns:dgm="http://schemas.openxmlformats.org/drawingml/2006/diagram" xmlns:o="urn:schemas-microsoft-com:office:office" xmlns:v="urn:schemas-microsoft-com:vml" xmlns:pvml="urn:schemas-microsoft-com:office:powerpoint" xmlns:com="http://schemas.openxmlformats.org/drawingml/2006/compatibility" xmlns:p14="http://schemas.microsoft.com/office/powerpoint/2010/main" xmlns:p15="http://schemas.microsoft.com/office/powerpoint/2012/main" xmlns:ahyp="http://schemas.microsoft.com/office/drawing/2018/hyperlinkcolor" showMasterPhAnim="0" showMasterSp="0">
+<p:notes xmlns:a="http://schemas.openxmlformats.org/drawingml/2006/main" xmlns:r="http://schemas.openxmlformats.org/officeDocument/2006/relationships" xmlns:p="http://schemas.openxmlformats.org/presentationml/2006/main" showMasterSp="0" showMasterPhAnim="0">
   <p:cSld>
     <p:spTree>
       <p:nvGrpSpPr>
-        <p:cNvPr id="61" name="Shape 61"/>
+        <p:cNvPr id="1" name="Shape 61"/>
         <p:cNvGrpSpPr/>
         <p:nvPr/>
       </p:nvGrpSpPr>
@@ -1529,9 +1479,11 @@
       <p:sp>
         <p:nvSpPr>
           <p:cNvPr id="62" name="Google Shape;62;g13312c7dd12_0_125:notes"/>
-          <p:cNvSpPr/>
+          <p:cNvSpPr>
+            <a:spLocks noGrp="1" noRot="1" noChangeAspect="1"/>
+          </p:cNvSpPr>
           <p:nvPr>
-            <p:ph idx="2" type="sldImg"/>
+            <p:ph type="sldImg" idx="2"/>
           </p:nvPr>
         </p:nvSpPr>
         <p:spPr>
@@ -1540,9 +1492,13 @@
             <a:ext cx="6096000" cy="3429000"/>
           </a:xfrm>
           <a:custGeom>
-            <a:rect b="b" l="l" r="r" t="t"/>
+            <a:avLst/>
+            <a:gdLst/>
+            <a:ahLst/>
+            <a:cxnLst/>
+            <a:rect l="l" t="t" r="r" b="b"/>
             <a:pathLst>
-              <a:path extrusionOk="0" h="120000" w="120000">
+              <a:path w="120000" h="120000" extrusionOk="0">
                 <a:moveTo>
                   <a:pt x="0" y="0"/>
                 </a:moveTo>
@@ -1564,9 +1520,11 @@
       <p:sp>
         <p:nvSpPr>
           <p:cNvPr id="63" name="Google Shape;63;g13312c7dd12_0_125:notes"/>
-          <p:cNvSpPr txBox="1"/>
+          <p:cNvSpPr txBox="1">
+            <a:spLocks noGrp="1"/>
+          </p:cNvSpPr>
           <p:nvPr>
-            <p:ph idx="1" type="body"/>
+            <p:ph type="body" idx="1"/>
           </p:nvPr>
         </p:nvSpPr>
         <p:spPr>
@@ -1579,12 +1537,12 @@
           </a:prstGeom>
         </p:spPr>
         <p:txBody>
-          <a:bodyPr anchorCtr="0" anchor="t" bIns="91425" lIns="91425" spcFirstLastPara="1" rIns="91425" wrap="square" tIns="91425">
+          <a:bodyPr spcFirstLastPara="1" wrap="square" lIns="91425" tIns="91425" rIns="91425" bIns="91425" anchor="t" anchorCtr="0">
             <a:noAutofit/>
           </a:bodyPr>
           <a:lstStyle/>
           <a:p>
-            <a:pPr indent="0" lvl="0" marL="0" rtl="0" algn="l">
+            <a:pPr marL="0" lvl="0" indent="0" algn="l" rtl="0">
               <a:spcBef>
                 <a:spcPts val="0"/>
               </a:spcBef>
@@ -1593,9 +1551,6 @@
               </a:spcAft>
               <a:buNone/>
             </a:pPr>
-            <a:r>
-              <a:t/>
-            </a:r>
             <a:endParaRPr/>
           </a:p>
         </p:txBody>
@@ -1609,11 +1564,11 @@
 </file>
 
 <file path=ppt/notesSlides/notesSlide3.xml><?xml version="1.0" encoding="utf-8"?>
-<p:notes xmlns:a="http://schemas.openxmlformats.org/drawingml/2006/main" xmlns:r="http://schemas.openxmlformats.org/officeDocument/2006/relationships" xmlns:mc="http://schemas.openxmlformats.org/markup-compatibility/2006" xmlns:mv="urn:schemas-microsoft-com:mac:vml" xmlns:p="http://schemas.openxmlformats.org/presentationml/2006/main" xmlns:c="http://schemas.openxmlformats.org/drawingml/2006/chart" xmlns:dgm="http://schemas.openxmlformats.org/drawingml/2006/diagram" xmlns:o="urn:schemas-microsoft-com:office:office" xmlns:v="urn:schemas-microsoft-com:vml" xmlns:pvml="urn:schemas-microsoft-com:office:powerpoint" xmlns:com="http://schemas.openxmlformats.org/drawingml/2006/compatibility" xmlns:p14="http://schemas.microsoft.com/office/powerpoint/2010/main" xmlns:p15="http://schemas.microsoft.com/office/powerpoint/2012/main" xmlns:ahyp="http://schemas.microsoft.com/office/drawing/2018/hyperlinkcolor" showMasterPhAnim="0" showMasterSp="0">
+<p:notes xmlns:a="http://schemas.openxmlformats.org/drawingml/2006/main" xmlns:r="http://schemas.openxmlformats.org/officeDocument/2006/relationships" xmlns:p="http://schemas.openxmlformats.org/presentationml/2006/main" showMasterSp="0" showMasterPhAnim="0">
   <p:cSld>
     <p:spTree>
       <p:nvGrpSpPr>
-        <p:cNvPr id="67" name="Shape 67"/>
+        <p:cNvPr id="1" name="Shape 67"/>
         <p:cNvGrpSpPr/>
         <p:nvPr/>
       </p:nvGrpSpPr>
@@ -1628,9 +1583,11 @@
       <p:sp>
         <p:nvSpPr>
           <p:cNvPr id="68" name="Google Shape;68;g13312c7dd12_0_130:notes"/>
-          <p:cNvSpPr/>
+          <p:cNvSpPr>
+            <a:spLocks noGrp="1" noRot="1" noChangeAspect="1"/>
+          </p:cNvSpPr>
           <p:nvPr>
-            <p:ph idx="2" type="sldImg"/>
+            <p:ph type="sldImg" idx="2"/>
           </p:nvPr>
         </p:nvSpPr>
         <p:spPr>
@@ -1639,9 +1596,13 @@
             <a:ext cx="6096000" cy="3429000"/>
           </a:xfrm>
           <a:custGeom>
-            <a:rect b="b" l="l" r="r" t="t"/>
+            <a:avLst/>
+            <a:gdLst/>
+            <a:ahLst/>
+            <a:cxnLst/>
+            <a:rect l="l" t="t" r="r" b="b"/>
             <a:pathLst>
-              <a:path extrusionOk="0" h="120000" w="120000">
+              <a:path w="120000" h="120000" extrusionOk="0">
                 <a:moveTo>
                   <a:pt x="0" y="0"/>
                 </a:moveTo>
@@ -1663,9 +1624,11 @@
       <p:sp>
         <p:nvSpPr>
           <p:cNvPr id="69" name="Google Shape;69;g13312c7dd12_0_130:notes"/>
-          <p:cNvSpPr txBox="1"/>
+          <p:cNvSpPr txBox="1">
+            <a:spLocks noGrp="1"/>
+          </p:cNvSpPr>
           <p:nvPr>
-            <p:ph idx="1" type="body"/>
+            <p:ph type="body" idx="1"/>
           </p:nvPr>
         </p:nvSpPr>
         <p:spPr>
@@ -1678,12 +1641,12 @@
           </a:prstGeom>
         </p:spPr>
         <p:txBody>
-          <a:bodyPr anchorCtr="0" anchor="t" bIns="91425" lIns="91425" spcFirstLastPara="1" rIns="91425" wrap="square" tIns="91425">
+          <a:bodyPr spcFirstLastPara="1" wrap="square" lIns="91425" tIns="91425" rIns="91425" bIns="91425" anchor="t" anchorCtr="0">
             <a:noAutofit/>
           </a:bodyPr>
           <a:lstStyle/>
           <a:p>
-            <a:pPr indent="0" lvl="0" marL="0" rtl="0" algn="l">
+            <a:pPr marL="0" lvl="0" indent="0" algn="l" rtl="0">
               <a:spcBef>
                 <a:spcPts val="0"/>
               </a:spcBef>
@@ -1692,9 +1655,6 @@
               </a:spcAft>
               <a:buNone/>
             </a:pPr>
-            <a:r>
-              <a:t/>
-            </a:r>
             <a:endParaRPr/>
           </a:p>
         </p:txBody>
@@ -1708,11 +1668,11 @@
 </file>
 
 <file path=ppt/notesSlides/notesSlide4.xml><?xml version="1.0" encoding="utf-8"?>
-<p:notes xmlns:a="http://schemas.openxmlformats.org/drawingml/2006/main" xmlns:r="http://schemas.openxmlformats.org/officeDocument/2006/relationships" xmlns:mc="http://schemas.openxmlformats.org/markup-compatibility/2006" xmlns:mv="urn:schemas-microsoft-com:mac:vml" xmlns:p="http://schemas.openxmlformats.org/presentationml/2006/main" xmlns:c="http://schemas.openxmlformats.org/drawingml/2006/chart" xmlns:dgm="http://schemas.openxmlformats.org/drawingml/2006/diagram" xmlns:o="urn:schemas-microsoft-com:office:office" xmlns:v="urn:schemas-microsoft-com:vml" xmlns:pvml="urn:schemas-microsoft-com:office:powerpoint" xmlns:com="http://schemas.openxmlformats.org/drawingml/2006/compatibility" xmlns:p14="http://schemas.microsoft.com/office/powerpoint/2010/main" xmlns:p15="http://schemas.microsoft.com/office/powerpoint/2012/main" xmlns:ahyp="http://schemas.microsoft.com/office/drawing/2018/hyperlinkcolor" showMasterPhAnim="0" showMasterSp="0">
+<p:notes xmlns:a="http://schemas.openxmlformats.org/drawingml/2006/main" xmlns:r="http://schemas.openxmlformats.org/officeDocument/2006/relationships" xmlns:p="http://schemas.openxmlformats.org/presentationml/2006/main" showMasterSp="0" showMasterPhAnim="0">
   <p:cSld>
     <p:spTree>
       <p:nvGrpSpPr>
-        <p:cNvPr id="73" name="Shape 73"/>
+        <p:cNvPr id="1" name="Shape 73"/>
         <p:cNvGrpSpPr/>
         <p:nvPr/>
       </p:nvGrpSpPr>
@@ -1727,9 +1687,11 @@
       <p:sp>
         <p:nvSpPr>
           <p:cNvPr id="74" name="Google Shape;74;g13312c7dd12_0_160:notes"/>
-          <p:cNvSpPr/>
+          <p:cNvSpPr>
+            <a:spLocks noGrp="1" noRot="1" noChangeAspect="1"/>
+          </p:cNvSpPr>
           <p:nvPr>
-            <p:ph idx="2" type="sldImg"/>
+            <p:ph type="sldImg" idx="2"/>
           </p:nvPr>
         </p:nvSpPr>
         <p:spPr>
@@ -1738,9 +1700,13 @@
             <a:ext cx="6096000" cy="3429000"/>
           </a:xfrm>
           <a:custGeom>
-            <a:rect b="b" l="l" r="r" t="t"/>
+            <a:avLst/>
+            <a:gdLst/>
+            <a:ahLst/>
+            <a:cxnLst/>
+            <a:rect l="l" t="t" r="r" b="b"/>
             <a:pathLst>
-              <a:path extrusionOk="0" h="120000" w="120000">
+              <a:path w="120000" h="120000" extrusionOk="0">
                 <a:moveTo>
                   <a:pt x="0" y="0"/>
                 </a:moveTo>
@@ -1762,9 +1728,11 @@
       <p:sp>
         <p:nvSpPr>
           <p:cNvPr id="75" name="Google Shape;75;g13312c7dd12_0_160:notes"/>
-          <p:cNvSpPr txBox="1"/>
+          <p:cNvSpPr txBox="1">
+            <a:spLocks noGrp="1"/>
+          </p:cNvSpPr>
           <p:nvPr>
-            <p:ph idx="1" type="body"/>
+            <p:ph type="body" idx="1"/>
           </p:nvPr>
         </p:nvSpPr>
         <p:spPr>
@@ -1777,12 +1745,12 @@
           </a:prstGeom>
         </p:spPr>
         <p:txBody>
-          <a:bodyPr anchorCtr="0" anchor="t" bIns="91425" lIns="91425" spcFirstLastPara="1" rIns="91425" wrap="square" tIns="91425">
+          <a:bodyPr spcFirstLastPara="1" wrap="square" lIns="91425" tIns="91425" rIns="91425" bIns="91425" anchor="t" anchorCtr="0">
             <a:noAutofit/>
           </a:bodyPr>
           <a:lstStyle/>
           <a:p>
-            <a:pPr indent="0" lvl="0" marL="0" rtl="0" algn="l">
+            <a:pPr marL="0" lvl="0" indent="0" algn="l" rtl="0">
               <a:spcBef>
                 <a:spcPts val="0"/>
               </a:spcBef>
@@ -1791,9 +1759,6 @@
               </a:spcAft>
               <a:buNone/>
             </a:pPr>
-            <a:r>
-              <a:t/>
-            </a:r>
             <a:endParaRPr/>
           </a:p>
         </p:txBody>
@@ -1807,11 +1772,11 @@
 </file>
 
 <file path=ppt/notesSlides/notesSlide5.xml><?xml version="1.0" encoding="utf-8"?>
-<p:notes xmlns:a="http://schemas.openxmlformats.org/drawingml/2006/main" xmlns:r="http://schemas.openxmlformats.org/officeDocument/2006/relationships" xmlns:mc="http://schemas.openxmlformats.org/markup-compatibility/2006" xmlns:mv="urn:schemas-microsoft-com:mac:vml" xmlns:p="http://schemas.openxmlformats.org/presentationml/2006/main" xmlns:c="http://schemas.openxmlformats.org/drawingml/2006/chart" xmlns:dgm="http://schemas.openxmlformats.org/drawingml/2006/diagram" xmlns:o="urn:schemas-microsoft-com:office:office" xmlns:v="urn:schemas-microsoft-com:vml" xmlns:pvml="urn:schemas-microsoft-com:office:powerpoint" xmlns:com="http://schemas.openxmlformats.org/drawingml/2006/compatibility" xmlns:p14="http://schemas.microsoft.com/office/powerpoint/2010/main" xmlns:p15="http://schemas.microsoft.com/office/powerpoint/2012/main" xmlns:ahyp="http://schemas.microsoft.com/office/drawing/2018/hyperlinkcolor" showMasterPhAnim="0" showMasterSp="0">
+<p:notes xmlns:a="http://schemas.openxmlformats.org/drawingml/2006/main" xmlns:r="http://schemas.openxmlformats.org/officeDocument/2006/relationships" xmlns:p="http://schemas.openxmlformats.org/presentationml/2006/main" showMasterSp="0" showMasterPhAnim="0">
   <p:cSld>
     <p:spTree>
       <p:nvGrpSpPr>
-        <p:cNvPr id="80" name="Shape 80"/>
+        <p:cNvPr id="1" name="Shape 80"/>
         <p:cNvGrpSpPr/>
         <p:nvPr/>
       </p:nvGrpSpPr>
@@ -1826,9 +1791,11 @@
       <p:sp>
         <p:nvSpPr>
           <p:cNvPr id="81" name="Google Shape;81;g13312c7dd12_0_135:notes"/>
-          <p:cNvSpPr/>
+          <p:cNvSpPr>
+            <a:spLocks noGrp="1" noRot="1" noChangeAspect="1"/>
+          </p:cNvSpPr>
           <p:nvPr>
-            <p:ph idx="2" type="sldImg"/>
+            <p:ph type="sldImg" idx="2"/>
           </p:nvPr>
         </p:nvSpPr>
         <p:spPr>
@@ -1837,9 +1804,13 @@
             <a:ext cx="6096000" cy="3429000"/>
           </a:xfrm>
           <a:custGeom>
-            <a:rect b="b" l="l" r="r" t="t"/>
+            <a:avLst/>
+            <a:gdLst/>
+            <a:ahLst/>
+            <a:cxnLst/>
+            <a:rect l="l" t="t" r="r" b="b"/>
             <a:pathLst>
-              <a:path extrusionOk="0" h="120000" w="120000">
+              <a:path w="120000" h="120000" extrusionOk="0">
                 <a:moveTo>
                   <a:pt x="0" y="0"/>
                 </a:moveTo>
@@ -1861,9 +1832,11 @@
       <p:sp>
         <p:nvSpPr>
           <p:cNvPr id="82" name="Google Shape;82;g13312c7dd12_0_135:notes"/>
-          <p:cNvSpPr txBox="1"/>
+          <p:cNvSpPr txBox="1">
+            <a:spLocks noGrp="1"/>
+          </p:cNvSpPr>
           <p:nvPr>
-            <p:ph idx="1" type="body"/>
+            <p:ph type="body" idx="1"/>
           </p:nvPr>
         </p:nvSpPr>
         <p:spPr>
@@ -1876,12 +1849,12 @@
           </a:prstGeom>
         </p:spPr>
         <p:txBody>
-          <a:bodyPr anchorCtr="0" anchor="t" bIns="91425" lIns="91425" spcFirstLastPara="1" rIns="91425" wrap="square" tIns="91425">
+          <a:bodyPr spcFirstLastPara="1" wrap="square" lIns="91425" tIns="91425" rIns="91425" bIns="91425" anchor="t" anchorCtr="0">
             <a:noAutofit/>
           </a:bodyPr>
           <a:lstStyle/>
           <a:p>
-            <a:pPr indent="0" lvl="0" marL="0" rtl="0" algn="l">
+            <a:pPr marL="0" lvl="0" indent="0" algn="l" rtl="0">
               <a:spcBef>
                 <a:spcPts val="0"/>
               </a:spcBef>
@@ -1890,9 +1863,6 @@
               </a:spcAft>
               <a:buNone/>
             </a:pPr>
-            <a:r>
-              <a:t/>
-            </a:r>
             <a:endParaRPr/>
           </a:p>
         </p:txBody>
@@ -1906,11 +1876,11 @@
 </file>
 
 <file path=ppt/notesSlides/notesSlide6.xml><?xml version="1.0" encoding="utf-8"?>
-<p:notes xmlns:a="http://schemas.openxmlformats.org/drawingml/2006/main" xmlns:r="http://schemas.openxmlformats.org/officeDocument/2006/relationships" xmlns:mc="http://schemas.openxmlformats.org/markup-compatibility/2006" xmlns:mv="urn:schemas-microsoft-com:mac:vml" xmlns:p="http://schemas.openxmlformats.org/presentationml/2006/main" xmlns:c="http://schemas.openxmlformats.org/drawingml/2006/chart" xmlns:dgm="http://schemas.openxmlformats.org/drawingml/2006/diagram" xmlns:o="urn:schemas-microsoft-com:office:office" xmlns:v="urn:schemas-microsoft-com:vml" xmlns:pvml="urn:schemas-microsoft-com:office:powerpoint" xmlns:com="http://schemas.openxmlformats.org/drawingml/2006/compatibility" xmlns:p14="http://schemas.microsoft.com/office/powerpoint/2010/main" xmlns:p15="http://schemas.microsoft.com/office/powerpoint/2012/main" xmlns:ahyp="http://schemas.microsoft.com/office/drawing/2018/hyperlinkcolor" showMasterPhAnim="0" showMasterSp="0">
+<p:notes xmlns:a="http://schemas.openxmlformats.org/drawingml/2006/main" xmlns:r="http://schemas.openxmlformats.org/officeDocument/2006/relationships" xmlns:p="http://schemas.openxmlformats.org/presentationml/2006/main" showMasterSp="0" showMasterPhAnim="0">
   <p:cSld>
     <p:spTree>
       <p:nvGrpSpPr>
-        <p:cNvPr id="86" name="Shape 86"/>
+        <p:cNvPr id="1" name="Shape 86"/>
         <p:cNvGrpSpPr/>
         <p:nvPr/>
       </p:nvGrpSpPr>
@@ -1925,9 +1895,11 @@
       <p:sp>
         <p:nvSpPr>
           <p:cNvPr id="87" name="Google Shape;87;g13312c7dd12_0_140:notes"/>
-          <p:cNvSpPr/>
+          <p:cNvSpPr>
+            <a:spLocks noGrp="1" noRot="1" noChangeAspect="1"/>
+          </p:cNvSpPr>
           <p:nvPr>
-            <p:ph idx="2" type="sldImg"/>
+            <p:ph type="sldImg" idx="2"/>
           </p:nvPr>
         </p:nvSpPr>
         <p:spPr>
@@ -1936,9 +1908,13 @@
             <a:ext cx="6096000" cy="3429000"/>
           </a:xfrm>
           <a:custGeom>
-            <a:rect b="b" l="l" r="r" t="t"/>
+            <a:avLst/>
+            <a:gdLst/>
+            <a:ahLst/>
+            <a:cxnLst/>
+            <a:rect l="l" t="t" r="r" b="b"/>
             <a:pathLst>
-              <a:path extrusionOk="0" h="120000" w="120000">
+              <a:path w="120000" h="120000" extrusionOk="0">
                 <a:moveTo>
                   <a:pt x="0" y="0"/>
                 </a:moveTo>
@@ -1960,9 +1936,11 @@
       <p:sp>
         <p:nvSpPr>
           <p:cNvPr id="88" name="Google Shape;88;g13312c7dd12_0_140:notes"/>
-          <p:cNvSpPr txBox="1"/>
+          <p:cNvSpPr txBox="1">
+            <a:spLocks noGrp="1"/>
+          </p:cNvSpPr>
           <p:nvPr>
-            <p:ph idx="1" type="body"/>
+            <p:ph type="body" idx="1"/>
           </p:nvPr>
         </p:nvSpPr>
         <p:spPr>
@@ -1975,12 +1953,12 @@
           </a:prstGeom>
         </p:spPr>
         <p:txBody>
-          <a:bodyPr anchorCtr="0" anchor="t" bIns="91425" lIns="91425" spcFirstLastPara="1" rIns="91425" wrap="square" tIns="91425">
+          <a:bodyPr spcFirstLastPara="1" wrap="square" lIns="91425" tIns="91425" rIns="91425" bIns="91425" anchor="t" anchorCtr="0">
             <a:noAutofit/>
           </a:bodyPr>
           <a:lstStyle/>
           <a:p>
-            <a:pPr indent="0" lvl="0" marL="0" rtl="0" algn="l">
+            <a:pPr marL="0" lvl="0" indent="0" algn="l" rtl="0">
               <a:spcBef>
                 <a:spcPts val="0"/>
               </a:spcBef>
@@ -1989,9 +1967,6 @@
               </a:spcAft>
               <a:buNone/>
             </a:pPr>
-            <a:r>
-              <a:t/>
-            </a:r>
             <a:endParaRPr/>
           </a:p>
         </p:txBody>
@@ -2005,11 +1980,11 @@
 </file>
 
 <file path=ppt/notesSlides/notesSlide7.xml><?xml version="1.0" encoding="utf-8"?>
-<p:notes xmlns:a="http://schemas.openxmlformats.org/drawingml/2006/main" xmlns:r="http://schemas.openxmlformats.org/officeDocument/2006/relationships" xmlns:mc="http://schemas.openxmlformats.org/markup-compatibility/2006" xmlns:mv="urn:schemas-microsoft-com:mac:vml" xmlns:p="http://schemas.openxmlformats.org/presentationml/2006/main" xmlns:c="http://schemas.openxmlformats.org/drawingml/2006/chart" xmlns:dgm="http://schemas.openxmlformats.org/drawingml/2006/diagram" xmlns:o="urn:schemas-microsoft-com:office:office" xmlns:v="urn:schemas-microsoft-com:vml" xmlns:pvml="urn:schemas-microsoft-com:office:powerpoint" xmlns:com="http://schemas.openxmlformats.org/drawingml/2006/compatibility" xmlns:p14="http://schemas.microsoft.com/office/powerpoint/2010/main" xmlns:p15="http://schemas.microsoft.com/office/powerpoint/2012/main" xmlns:ahyp="http://schemas.microsoft.com/office/drawing/2018/hyperlinkcolor" showMasterPhAnim="0" showMasterSp="0">
+<p:notes xmlns:a="http://schemas.openxmlformats.org/drawingml/2006/main" xmlns:r="http://schemas.openxmlformats.org/officeDocument/2006/relationships" xmlns:p="http://schemas.openxmlformats.org/presentationml/2006/main" showMasterSp="0" showMasterPhAnim="0">
   <p:cSld>
     <p:spTree>
       <p:nvGrpSpPr>
-        <p:cNvPr id="94" name="Shape 94"/>
+        <p:cNvPr id="1" name="Shape 94"/>
         <p:cNvGrpSpPr/>
         <p:nvPr/>
       </p:nvGrpSpPr>
@@ -2024,20 +1999,26 @@
       <p:sp>
         <p:nvSpPr>
           <p:cNvPr id="95" name="Google Shape;95;g13312c7dd12_0_145:notes"/>
-          <p:cNvSpPr/>
+          <p:cNvSpPr>
+            <a:spLocks noGrp="1" noRot="1" noChangeAspect="1"/>
+          </p:cNvSpPr>
           <p:nvPr>
-            <p:ph idx="2" type="sldImg"/>
+            <p:ph type="sldImg" idx="2"/>
           </p:nvPr>
         </p:nvSpPr>
         <p:spPr>
           <a:xfrm>
-            <a:off x="381300" y="685800"/>
+            <a:off x="381000" y="685800"/>
             <a:ext cx="6096000" cy="3429000"/>
           </a:xfrm>
           <a:custGeom>
-            <a:rect b="b" l="l" r="r" t="t"/>
+            <a:avLst/>
+            <a:gdLst/>
+            <a:ahLst/>
+            <a:cxnLst/>
+            <a:rect l="l" t="t" r="r" b="b"/>
             <a:pathLst>
-              <a:path extrusionOk="0" h="120000" w="120000">
+              <a:path w="120000" h="120000" extrusionOk="0">
                 <a:moveTo>
                   <a:pt x="0" y="0"/>
                 </a:moveTo>
@@ -2059,9 +2040,11 @@
       <p:sp>
         <p:nvSpPr>
           <p:cNvPr id="96" name="Google Shape;96;g13312c7dd12_0_145:notes"/>
-          <p:cNvSpPr txBox="1"/>
+          <p:cNvSpPr txBox="1">
+            <a:spLocks noGrp="1"/>
+          </p:cNvSpPr>
           <p:nvPr>
-            <p:ph idx="1" type="body"/>
+            <p:ph type="body" idx="1"/>
           </p:nvPr>
         </p:nvSpPr>
         <p:spPr>
@@ -2074,12 +2057,12 @@
           </a:prstGeom>
         </p:spPr>
         <p:txBody>
-          <a:bodyPr anchorCtr="0" anchor="t" bIns="91425" lIns="91425" spcFirstLastPara="1" rIns="91425" wrap="square" tIns="91425">
+          <a:bodyPr spcFirstLastPara="1" wrap="square" lIns="91425" tIns="91425" rIns="91425" bIns="91425" anchor="t" anchorCtr="0">
             <a:noAutofit/>
           </a:bodyPr>
           <a:lstStyle/>
           <a:p>
-            <a:pPr indent="0" lvl="0" marL="0" rtl="0" algn="l">
+            <a:pPr marL="0" lvl="0" indent="0" algn="l" rtl="0">
               <a:spcBef>
                 <a:spcPts val="0"/>
               </a:spcBef>
@@ -2088,9 +2071,6 @@
               </a:spcAft>
               <a:buNone/>
             </a:pPr>
-            <a:r>
-              <a:t/>
-            </a:r>
             <a:endParaRPr/>
           </a:p>
         </p:txBody>
@@ -2104,11 +2084,11 @@
 </file>
 
 <file path=ppt/notesSlides/notesSlide8.xml><?xml version="1.0" encoding="utf-8"?>
-<p:notes xmlns:a="http://schemas.openxmlformats.org/drawingml/2006/main" xmlns:r="http://schemas.openxmlformats.org/officeDocument/2006/relationships" xmlns:mc="http://schemas.openxmlformats.org/markup-compatibility/2006" xmlns:mv="urn:schemas-microsoft-com:mac:vml" xmlns:p="http://schemas.openxmlformats.org/presentationml/2006/main" xmlns:c="http://schemas.openxmlformats.org/drawingml/2006/chart" xmlns:dgm="http://schemas.openxmlformats.org/drawingml/2006/diagram" xmlns:o="urn:schemas-microsoft-com:office:office" xmlns:v="urn:schemas-microsoft-com:vml" xmlns:pvml="urn:schemas-microsoft-com:office:powerpoint" xmlns:com="http://schemas.openxmlformats.org/drawingml/2006/compatibility" xmlns:p14="http://schemas.microsoft.com/office/powerpoint/2010/main" xmlns:p15="http://schemas.microsoft.com/office/powerpoint/2012/main" xmlns:ahyp="http://schemas.microsoft.com/office/drawing/2018/hyperlinkcolor" showMasterPhAnim="0" showMasterSp="0">
+<p:notes xmlns:a="http://schemas.openxmlformats.org/drawingml/2006/main" xmlns:r="http://schemas.openxmlformats.org/officeDocument/2006/relationships" xmlns:p="http://schemas.openxmlformats.org/presentationml/2006/main" showMasterSp="0" showMasterPhAnim="0">
   <p:cSld>
     <p:spTree>
       <p:nvGrpSpPr>
-        <p:cNvPr id="100" name="Shape 100"/>
+        <p:cNvPr id="1" name="Shape 100"/>
         <p:cNvGrpSpPr/>
         <p:nvPr/>
       </p:nvGrpSpPr>
@@ -2123,20 +2103,26 @@
       <p:sp>
         <p:nvSpPr>
           <p:cNvPr id="101" name="Google Shape;101;g13312c7dd12_0_150:notes"/>
-          <p:cNvSpPr/>
+          <p:cNvSpPr>
+            <a:spLocks noGrp="1" noRot="1" noChangeAspect="1"/>
+          </p:cNvSpPr>
           <p:nvPr>
-            <p:ph idx="2" type="sldImg"/>
+            <p:ph type="sldImg" idx="2"/>
           </p:nvPr>
         </p:nvSpPr>
         <p:spPr>
           <a:xfrm>
-            <a:off x="381300" y="685800"/>
+            <a:off x="381000" y="685800"/>
             <a:ext cx="6096000" cy="3429000"/>
           </a:xfrm>
           <a:custGeom>
-            <a:rect b="b" l="l" r="r" t="t"/>
+            <a:avLst/>
+            <a:gdLst/>
+            <a:ahLst/>
+            <a:cxnLst/>
+            <a:rect l="l" t="t" r="r" b="b"/>
             <a:pathLst>
-              <a:path extrusionOk="0" h="120000" w="120000">
+              <a:path w="120000" h="120000" extrusionOk="0">
                 <a:moveTo>
                   <a:pt x="0" y="0"/>
                 </a:moveTo>
@@ -2158,9 +2144,11 @@
       <p:sp>
         <p:nvSpPr>
           <p:cNvPr id="102" name="Google Shape;102;g13312c7dd12_0_150:notes"/>
-          <p:cNvSpPr txBox="1"/>
+          <p:cNvSpPr txBox="1">
+            <a:spLocks noGrp="1"/>
+          </p:cNvSpPr>
           <p:nvPr>
-            <p:ph idx="1" type="body"/>
+            <p:ph type="body" idx="1"/>
           </p:nvPr>
         </p:nvSpPr>
         <p:spPr>
@@ -2173,12 +2161,12 @@
           </a:prstGeom>
         </p:spPr>
         <p:txBody>
-          <a:bodyPr anchorCtr="0" anchor="t" bIns="91425" lIns="91425" spcFirstLastPara="1" rIns="91425" wrap="square" tIns="91425">
+          <a:bodyPr spcFirstLastPara="1" wrap="square" lIns="91425" tIns="91425" rIns="91425" bIns="91425" anchor="t" anchorCtr="0">
             <a:noAutofit/>
           </a:bodyPr>
           <a:lstStyle/>
           <a:p>
-            <a:pPr indent="0" lvl="0" marL="0" rtl="0" algn="l">
+            <a:pPr marL="0" lvl="0" indent="0" algn="l" rtl="0">
               <a:spcBef>
                 <a:spcPts val="0"/>
               </a:spcBef>
@@ -2187,9 +2175,6 @@
               </a:spcAft>
               <a:buNone/>
             </a:pPr>
-            <a:r>
-              <a:t/>
-            </a:r>
             <a:endParaRPr/>
           </a:p>
         </p:txBody>
@@ -2203,11 +2188,11 @@
 </file>
 
 <file path=ppt/notesSlides/notesSlide9.xml><?xml version="1.0" encoding="utf-8"?>
-<p:notes xmlns:a="http://schemas.openxmlformats.org/drawingml/2006/main" xmlns:r="http://schemas.openxmlformats.org/officeDocument/2006/relationships" xmlns:mc="http://schemas.openxmlformats.org/markup-compatibility/2006" xmlns:mv="urn:schemas-microsoft-com:mac:vml" xmlns:p="http://schemas.openxmlformats.org/presentationml/2006/main" xmlns:c="http://schemas.openxmlformats.org/drawingml/2006/chart" xmlns:dgm="http://schemas.openxmlformats.org/drawingml/2006/diagram" xmlns:o="urn:schemas-microsoft-com:office:office" xmlns:v="urn:schemas-microsoft-com:vml" xmlns:pvml="urn:schemas-microsoft-com:office:powerpoint" xmlns:com="http://schemas.openxmlformats.org/drawingml/2006/compatibility" xmlns:p14="http://schemas.microsoft.com/office/powerpoint/2010/main" xmlns:p15="http://schemas.microsoft.com/office/powerpoint/2012/main" xmlns:ahyp="http://schemas.microsoft.com/office/drawing/2018/hyperlinkcolor" showMasterPhAnim="0" showMasterSp="0">
+<p:notes xmlns:a="http://schemas.openxmlformats.org/drawingml/2006/main" xmlns:r="http://schemas.openxmlformats.org/officeDocument/2006/relationships" xmlns:p="http://schemas.openxmlformats.org/presentationml/2006/main" showMasterSp="0" showMasterPhAnim="0">
   <p:cSld>
     <p:spTree>
       <p:nvGrpSpPr>
-        <p:cNvPr id="105" name="Shape 105"/>
+        <p:cNvPr id="1" name="Shape 105"/>
         <p:cNvGrpSpPr/>
         <p:nvPr/>
       </p:nvGrpSpPr>
@@ -2222,20 +2207,26 @@
       <p:sp>
         <p:nvSpPr>
           <p:cNvPr id="106" name="Google Shape;106;g13312c7dd12_0_155:notes"/>
-          <p:cNvSpPr/>
+          <p:cNvSpPr>
+            <a:spLocks noGrp="1" noRot="1" noChangeAspect="1"/>
+          </p:cNvSpPr>
           <p:nvPr>
-            <p:ph idx="2" type="sldImg"/>
+            <p:ph type="sldImg" idx="2"/>
           </p:nvPr>
         </p:nvSpPr>
         <p:spPr>
           <a:xfrm>
-            <a:off x="381300" y="685800"/>
+            <a:off x="381000" y="685800"/>
             <a:ext cx="6096000" cy="3429000"/>
           </a:xfrm>
           <a:custGeom>
-            <a:rect b="b" l="l" r="r" t="t"/>
+            <a:avLst/>
+            <a:gdLst/>
+            <a:ahLst/>
+            <a:cxnLst/>
+            <a:rect l="l" t="t" r="r" b="b"/>
             <a:pathLst>
-              <a:path extrusionOk="0" h="120000" w="120000">
+              <a:path w="120000" h="120000" extrusionOk="0">
                 <a:moveTo>
                   <a:pt x="0" y="0"/>
                 </a:moveTo>
@@ -2257,9 +2248,11 @@
       <p:sp>
         <p:nvSpPr>
           <p:cNvPr id="107" name="Google Shape;107;g13312c7dd12_0_155:notes"/>
-          <p:cNvSpPr txBox="1"/>
+          <p:cNvSpPr txBox="1">
+            <a:spLocks noGrp="1"/>
+          </p:cNvSpPr>
           <p:nvPr>
-            <p:ph idx="1" type="body"/>
+            <p:ph type="body" idx="1"/>
           </p:nvPr>
         </p:nvSpPr>
         <p:spPr>
@@ -2272,12 +2265,12 @@
           </a:prstGeom>
         </p:spPr>
         <p:txBody>
-          <a:bodyPr anchorCtr="0" anchor="t" bIns="91425" lIns="91425" spcFirstLastPara="1" rIns="91425" wrap="square" tIns="91425">
+          <a:bodyPr spcFirstLastPara="1" wrap="square" lIns="91425" tIns="91425" rIns="91425" bIns="91425" anchor="t" anchorCtr="0">
             <a:noAutofit/>
           </a:bodyPr>
           <a:lstStyle/>
           <a:p>
-            <a:pPr indent="0" lvl="0" marL="0" rtl="0" algn="l">
+            <a:pPr marL="0" lvl="0" indent="0" algn="l" rtl="0">
               <a:spcBef>
                 <a:spcPts val="0"/>
               </a:spcBef>
@@ -2286,9 +2279,6 @@
               </a:spcAft>
               <a:buNone/>
             </a:pPr>
-            <a:r>
-              <a:t/>
-            </a:r>
             <a:endParaRPr/>
           </a:p>
         </p:txBody>
@@ -2302,11 +2292,11 @@
 </file>
 
 <file path=ppt/slideLayouts/slideLayout1.xml><?xml version="1.0" encoding="utf-8"?>
-<p:sldLayout xmlns:a="http://schemas.openxmlformats.org/drawingml/2006/main" xmlns:r="http://schemas.openxmlformats.org/officeDocument/2006/relationships" xmlns:mc="http://schemas.openxmlformats.org/markup-compatibility/2006" xmlns:mv="urn:schemas-microsoft-com:mac:vml" xmlns:p="http://schemas.openxmlformats.org/presentationml/2006/main" xmlns:c="http://schemas.openxmlformats.org/drawingml/2006/chart" xmlns:dgm="http://schemas.openxmlformats.org/drawingml/2006/diagram" xmlns:o="urn:schemas-microsoft-com:office:office" xmlns:v="urn:schemas-microsoft-com:vml" xmlns:pvml="urn:schemas-microsoft-com:office:powerpoint" xmlns:com="http://schemas.openxmlformats.org/drawingml/2006/compatibility" xmlns:p14="http://schemas.microsoft.com/office/powerpoint/2010/main" xmlns:p15="http://schemas.microsoft.com/office/powerpoint/2012/main" xmlns:ahyp="http://schemas.microsoft.com/office/drawing/2018/hyperlinkcolor" matchingName="Title slide" type="title">
+<p:sldLayout xmlns:a="http://schemas.openxmlformats.org/drawingml/2006/main" xmlns:r="http://schemas.openxmlformats.org/officeDocument/2006/relationships" xmlns:p="http://schemas.openxmlformats.org/presentationml/2006/main" matchingName="Title slide" type="title">
   <p:cSld name="TITLE">
     <p:spTree>
       <p:nvGrpSpPr>
-        <p:cNvPr id="9" name="Shape 9"/>
+        <p:cNvPr id="1" name="Shape 9"/>
         <p:cNvGrpSpPr/>
         <p:nvPr/>
       </p:nvGrpSpPr>
@@ -2340,12 +2330,12 @@
           </a:ln>
         </p:spPr>
         <p:txBody>
-          <a:bodyPr anchorCtr="0" anchor="ctr" bIns="91425" lIns="91425" spcFirstLastPara="1" rIns="91425" wrap="square" tIns="91425">
+          <a:bodyPr spcFirstLastPara="1" wrap="square" lIns="91425" tIns="91425" rIns="91425" bIns="91425" anchor="ctr" anchorCtr="0">
             <a:noAutofit/>
           </a:bodyPr>
           <a:lstStyle/>
           <a:p>
-            <a:pPr indent="0" lvl="0" marL="0" rtl="0" algn="l">
+            <a:pPr marL="0" lvl="0" indent="0" algn="l" rtl="0">
               <a:spcBef>
                 <a:spcPts val="0"/>
               </a:spcBef>
@@ -2354,9 +2344,6 @@
               </a:spcAft>
               <a:buNone/>
             </a:pPr>
-            <a:r>
-              <a:t/>
-            </a:r>
             <a:endParaRPr/>
           </a:p>
         </p:txBody>
@@ -2376,23 +2363,23 @@
             <a:avLst/>
           </a:prstGeom>
           <a:noFill/>
-          <a:ln cap="flat" cmpd="sng" w="28575">
+          <a:ln w="28575" cap="flat" cmpd="sng">
             <a:solidFill>
               <a:schemeClr val="lt1"/>
             </a:solidFill>
             <a:prstDash val="solid"/>
             <a:miter lim="8000"/>
-            <a:headEnd len="sm" w="sm" type="none"/>
-            <a:tailEnd len="sm" w="sm" type="none"/>
+            <a:headEnd type="none" w="sm" len="sm"/>
+            <a:tailEnd type="none" w="sm" len="sm"/>
           </a:ln>
         </p:spPr>
         <p:txBody>
-          <a:bodyPr anchorCtr="0" anchor="ctr" bIns="91425" lIns="91425" spcFirstLastPara="1" rIns="91425" wrap="square" tIns="91425">
+          <a:bodyPr spcFirstLastPara="1" wrap="square" lIns="91425" tIns="91425" rIns="91425" bIns="91425" anchor="ctr" anchorCtr="0">
             <a:noAutofit/>
           </a:bodyPr>
           <a:lstStyle/>
           <a:p>
-            <a:pPr indent="0" lvl="0" marL="0" rtl="0" algn="l">
+            <a:pPr marL="0" lvl="0" indent="0" algn="l" rtl="0">
               <a:spcBef>
                 <a:spcPts val="0"/>
               </a:spcBef>
@@ -2401,9 +2388,6 @@
               </a:spcAft>
               <a:buNone/>
             </a:pPr>
-            <a:r>
-              <a:t/>
-            </a:r>
             <a:endParaRPr/>
           </a:p>
         </p:txBody>
@@ -2411,7 +2395,9 @@
       <p:sp>
         <p:nvSpPr>
           <p:cNvPr id="12" name="Google Shape;12;p2"/>
-          <p:cNvSpPr txBox="1"/>
+          <p:cNvSpPr txBox="1">
+            <a:spLocks noGrp="1"/>
+          </p:cNvSpPr>
           <p:nvPr>
             <p:ph type="ctrTitle"/>
           </p:nvPr>
@@ -2426,7 +2412,7 @@
           </a:prstGeom>
         </p:spPr>
         <p:txBody>
-          <a:bodyPr anchorCtr="0" anchor="ctr" bIns="91425" lIns="91425" spcFirstLastPara="1" rIns="91425" wrap="square" tIns="91425">
+          <a:bodyPr spcFirstLastPara="1" wrap="square" lIns="91425" tIns="91425" rIns="91425" bIns="91425" anchor="ctr" anchorCtr="0">
             <a:normAutofit/>
           </a:bodyPr>
           <a:lstStyle>
@@ -2638,15 +2624,19 @@
               </a:defRPr>
             </a:lvl9pPr>
           </a:lstStyle>
-          <a:p/>
+          <a:p>
+            <a:endParaRPr/>
+          </a:p>
         </p:txBody>
       </p:sp>
       <p:sp>
         <p:nvSpPr>
           <p:cNvPr id="13" name="Google Shape;13;p2"/>
-          <p:cNvSpPr txBox="1"/>
+          <p:cNvSpPr txBox="1">
+            <a:spLocks noGrp="1"/>
+          </p:cNvSpPr>
           <p:nvPr>
-            <p:ph idx="1" type="subTitle"/>
+            <p:ph type="subTitle" idx="1"/>
           </p:nvPr>
         </p:nvSpPr>
         <p:spPr>
@@ -2659,7 +2649,7 @@
           </a:prstGeom>
         </p:spPr>
         <p:txBody>
-          <a:bodyPr anchorCtr="0" anchor="b" bIns="91425" lIns="91425" spcFirstLastPara="1" rIns="91425" wrap="square" tIns="91425">
+          <a:bodyPr spcFirstLastPara="1" wrap="square" lIns="91425" tIns="91425" rIns="91425" bIns="91425" anchor="b" anchorCtr="0">
             <a:normAutofit/>
           </a:bodyPr>
           <a:lstStyle>
@@ -2705,7 +2695,7 @@
               <a:buSzPts val="1800"/>
               <a:buFont typeface="Playfair Display"/>
               <a:buNone/>
-              <a:defRPr b="1" sz="1800">
+              <a:defRPr sz="1800" b="1">
                 <a:solidFill>
                   <a:schemeClr val="lt1"/>
                 </a:solidFill>
@@ -2731,7 +2721,7 @@
               <a:buSzPts val="1800"/>
               <a:buFont typeface="Playfair Display"/>
               <a:buNone/>
-              <a:defRPr b="1" sz="1800">
+              <a:defRPr sz="1800" b="1">
                 <a:solidFill>
                   <a:schemeClr val="lt1"/>
                 </a:solidFill>
@@ -2757,7 +2747,7 @@
               <a:buSzPts val="1800"/>
               <a:buFont typeface="Playfair Display"/>
               <a:buNone/>
-              <a:defRPr b="1" sz="1800">
+              <a:defRPr sz="1800" b="1">
                 <a:solidFill>
                   <a:schemeClr val="lt1"/>
                 </a:solidFill>
@@ -2783,7 +2773,7 @@
               <a:buSzPts val="1800"/>
               <a:buFont typeface="Playfair Display"/>
               <a:buNone/>
-              <a:defRPr b="1" sz="1800">
+              <a:defRPr sz="1800" b="1">
                 <a:solidFill>
                   <a:schemeClr val="lt1"/>
                 </a:solidFill>
@@ -2809,7 +2799,7 @@
               <a:buSzPts val="1800"/>
               <a:buFont typeface="Playfair Display"/>
               <a:buNone/>
-              <a:defRPr b="1" sz="1800">
+              <a:defRPr sz="1800" b="1">
                 <a:solidFill>
                   <a:schemeClr val="lt1"/>
                 </a:solidFill>
@@ -2835,7 +2825,7 @@
               <a:buSzPts val="1800"/>
               <a:buFont typeface="Playfair Display"/>
               <a:buNone/>
-              <a:defRPr b="1" sz="1800">
+              <a:defRPr sz="1800" b="1">
                 <a:solidFill>
                   <a:schemeClr val="lt1"/>
                 </a:solidFill>
@@ -2861,7 +2851,7 @@
               <a:buSzPts val="1800"/>
               <a:buFont typeface="Playfair Display"/>
               <a:buNone/>
-              <a:defRPr b="1" sz="1800">
+              <a:defRPr sz="1800" b="1">
                 <a:solidFill>
                   <a:schemeClr val="lt1"/>
                 </a:solidFill>
@@ -2887,7 +2877,7 @@
               <a:buSzPts val="1800"/>
               <a:buFont typeface="Playfair Display"/>
               <a:buNone/>
-              <a:defRPr b="1" sz="1800">
+              <a:defRPr sz="1800" b="1">
                 <a:solidFill>
                   <a:schemeClr val="lt1"/>
                 </a:solidFill>
@@ -2898,15 +2888,19 @@
               </a:defRPr>
             </a:lvl9pPr>
           </a:lstStyle>
-          <a:p/>
+          <a:p>
+            <a:endParaRPr/>
+          </a:p>
         </p:txBody>
       </p:sp>
       <p:sp>
         <p:nvSpPr>
           <p:cNvPr id="14" name="Google Shape;14;p2"/>
-          <p:cNvSpPr txBox="1"/>
+          <p:cNvSpPr txBox="1">
+            <a:spLocks noGrp="1"/>
+          </p:cNvSpPr>
           <p:nvPr>
-            <p:ph idx="12" type="sldNum"/>
+            <p:ph type="sldNum" idx="12"/>
           </p:nvPr>
         </p:nvSpPr>
         <p:spPr>
@@ -2919,7 +2913,7 @@
           </a:prstGeom>
         </p:spPr>
         <p:txBody>
-          <a:bodyPr anchorCtr="0" anchor="ctr" bIns="91425" lIns="91425" spcFirstLastPara="1" rIns="91425" wrap="square" tIns="91425">
+          <a:bodyPr spcFirstLastPara="1" wrap="square" lIns="91425" tIns="91425" rIns="91425" bIns="91425" anchor="ctr" anchorCtr="0">
             <a:normAutofit/>
           </a:bodyPr>
           <a:lstStyle>
@@ -2961,7 +2955,7 @@
             </a:lvl9pPr>
           </a:lstStyle>
           <a:p>
-            <a:pPr indent="0" lvl="0" marL="0" rtl="0" algn="r">
+            <a:pPr marL="0" lvl="0" indent="0" algn="r" rtl="0">
               <a:spcBef>
                 <a:spcPts val="0"/>
               </a:spcBef>
@@ -2987,11 +2981,11 @@
 </file>
 
 <file path=ppt/slideLayouts/slideLayout10.xml><?xml version="1.0" encoding="utf-8"?>
-<p:sldLayout xmlns:a="http://schemas.openxmlformats.org/drawingml/2006/main" xmlns:r="http://schemas.openxmlformats.org/officeDocument/2006/relationships" xmlns:mc="http://schemas.openxmlformats.org/markup-compatibility/2006" xmlns:mv="urn:schemas-microsoft-com:mac:vml" xmlns:p="http://schemas.openxmlformats.org/presentationml/2006/main" xmlns:c="http://schemas.openxmlformats.org/drawingml/2006/chart" xmlns:dgm="http://schemas.openxmlformats.org/drawingml/2006/diagram" xmlns:o="urn:schemas-microsoft-com:office:office" xmlns:v="urn:schemas-microsoft-com:vml" xmlns:pvml="urn:schemas-microsoft-com:office:powerpoint" xmlns:com="http://schemas.openxmlformats.org/drawingml/2006/compatibility" xmlns:p14="http://schemas.microsoft.com/office/powerpoint/2010/main" xmlns:p15="http://schemas.microsoft.com/office/powerpoint/2012/main" xmlns:ahyp="http://schemas.microsoft.com/office/drawing/2018/hyperlinkcolor" matchingName="Big number">
+<p:sldLayout xmlns:a="http://schemas.openxmlformats.org/drawingml/2006/main" xmlns:r="http://schemas.openxmlformats.org/officeDocument/2006/relationships" xmlns:p="http://schemas.openxmlformats.org/presentationml/2006/main" matchingName="Big number">
   <p:cSld name="BIG_NUMBER">
     <p:spTree>
       <p:nvGrpSpPr>
-        <p:cNvPr id="48" name="Shape 48"/>
+        <p:cNvPr id="1" name="Shape 48"/>
         <p:cNvGrpSpPr/>
         <p:nvPr/>
       </p:nvGrpSpPr>
@@ -3025,12 +3019,12 @@
           </a:ln>
         </p:spPr>
         <p:txBody>
-          <a:bodyPr anchorCtr="0" anchor="ctr" bIns="91425" lIns="91425" spcFirstLastPara="1" rIns="91425" wrap="square" tIns="91425">
+          <a:bodyPr spcFirstLastPara="1" wrap="square" lIns="91425" tIns="91425" rIns="91425" bIns="91425" anchor="ctr" anchorCtr="0">
             <a:noAutofit/>
           </a:bodyPr>
           <a:lstStyle/>
           <a:p>
-            <a:pPr indent="0" lvl="0" marL="0" rtl="0" algn="l">
+            <a:pPr marL="0" lvl="0" indent="0" algn="l" rtl="0">
               <a:spcBef>
                 <a:spcPts val="0"/>
               </a:spcBef>
@@ -3039,9 +3033,6 @@
               </a:spcAft>
               <a:buNone/>
             </a:pPr>
-            <a:r>
-              <a:t/>
-            </a:r>
             <a:endParaRPr/>
           </a:p>
         </p:txBody>
@@ -3049,9 +3040,11 @@
       <p:sp>
         <p:nvSpPr>
           <p:cNvPr id="50" name="Google Shape;50;p11"/>
-          <p:cNvSpPr txBox="1"/>
+          <p:cNvSpPr txBox="1">
+            <a:spLocks noGrp="1"/>
+          </p:cNvSpPr>
           <p:nvPr>
-            <p:ph hasCustomPrompt="1" type="title"/>
+            <p:ph type="title" hasCustomPrompt="1"/>
           </p:nvPr>
         </p:nvSpPr>
         <p:spPr>
@@ -3064,7 +3057,7 @@
           </a:prstGeom>
         </p:spPr>
         <p:txBody>
-          <a:bodyPr anchorCtr="0" anchor="b" bIns="91425" lIns="91425" spcFirstLastPara="1" rIns="91425" wrap="square" tIns="91425">
+          <a:bodyPr spcFirstLastPara="1" wrap="square" lIns="91425" tIns="91425" rIns="91425" bIns="91425" anchor="b" anchorCtr="0">
             <a:normAutofit/>
           </a:bodyPr>
           <a:lstStyle>
@@ -3232,9 +3225,11 @@
       <p:sp>
         <p:nvSpPr>
           <p:cNvPr id="51" name="Google Shape;51;p11"/>
-          <p:cNvSpPr txBox="1"/>
+          <p:cNvSpPr txBox="1">
+            <a:spLocks noGrp="1"/>
+          </p:cNvSpPr>
           <p:nvPr>
-            <p:ph idx="1" type="body"/>
+            <p:ph type="body" idx="1"/>
           </p:nvPr>
         </p:nvSpPr>
         <p:spPr>
@@ -3247,11 +3242,11 @@
           </a:prstGeom>
         </p:spPr>
         <p:txBody>
-          <a:bodyPr anchorCtr="0" anchor="t" bIns="91425" lIns="91425" spcFirstLastPara="1" rIns="91425" wrap="square" tIns="91425">
+          <a:bodyPr spcFirstLastPara="1" wrap="square" lIns="91425" tIns="91425" rIns="91425" bIns="91425" anchor="t" anchorCtr="0">
             <a:normAutofit/>
           </a:bodyPr>
           <a:lstStyle>
-            <a:lvl1pPr indent="-342900" lvl="0" marL="457200" algn="ctr">
+            <a:lvl1pPr marL="457200" lvl="0" indent="-342900" algn="ctr">
               <a:spcBef>
                 <a:spcPts val="0"/>
               </a:spcBef>
@@ -3262,7 +3257,7 @@
               <a:buChar char="●"/>
               <a:defRPr/>
             </a:lvl1pPr>
-            <a:lvl2pPr indent="-317500" lvl="1" marL="914400" algn="ctr">
+            <a:lvl2pPr marL="914400" lvl="1" indent="-317500" algn="ctr">
               <a:spcBef>
                 <a:spcPts val="0"/>
               </a:spcBef>
@@ -3273,7 +3268,7 @@
               <a:buChar char="○"/>
               <a:defRPr/>
             </a:lvl2pPr>
-            <a:lvl3pPr indent="-317500" lvl="2" marL="1371600" algn="ctr">
+            <a:lvl3pPr marL="1371600" lvl="2" indent="-317500" algn="ctr">
               <a:spcBef>
                 <a:spcPts val="0"/>
               </a:spcBef>
@@ -3284,7 +3279,7 @@
               <a:buChar char="■"/>
               <a:defRPr/>
             </a:lvl3pPr>
-            <a:lvl4pPr indent="-317500" lvl="3" marL="1828800" algn="ctr">
+            <a:lvl4pPr marL="1828800" lvl="3" indent="-317500" algn="ctr">
               <a:spcBef>
                 <a:spcPts val="0"/>
               </a:spcBef>
@@ -3295,7 +3290,7 @@
               <a:buChar char="●"/>
               <a:defRPr/>
             </a:lvl4pPr>
-            <a:lvl5pPr indent="-317500" lvl="4" marL="2286000" algn="ctr">
+            <a:lvl5pPr marL="2286000" lvl="4" indent="-317500" algn="ctr">
               <a:spcBef>
                 <a:spcPts val="0"/>
               </a:spcBef>
@@ -3306,7 +3301,7 @@
               <a:buChar char="○"/>
               <a:defRPr/>
             </a:lvl5pPr>
-            <a:lvl6pPr indent="-317500" lvl="5" marL="2743200" algn="ctr">
+            <a:lvl6pPr marL="2743200" lvl="5" indent="-317500" algn="ctr">
               <a:spcBef>
                 <a:spcPts val="0"/>
               </a:spcBef>
@@ -3317,7 +3312,7 @@
               <a:buChar char="■"/>
               <a:defRPr/>
             </a:lvl6pPr>
-            <a:lvl7pPr indent="-317500" lvl="6" marL="3200400" algn="ctr">
+            <a:lvl7pPr marL="3200400" lvl="6" indent="-317500" algn="ctr">
               <a:spcBef>
                 <a:spcPts val="0"/>
               </a:spcBef>
@@ -3328,7 +3323,7 @@
               <a:buChar char="●"/>
               <a:defRPr/>
             </a:lvl7pPr>
-            <a:lvl8pPr indent="-317500" lvl="7" marL="3657600" algn="ctr">
+            <a:lvl8pPr marL="3657600" lvl="7" indent="-317500" algn="ctr">
               <a:spcBef>
                 <a:spcPts val="0"/>
               </a:spcBef>
@@ -3339,7 +3334,7 @@
               <a:buChar char="○"/>
               <a:defRPr/>
             </a:lvl8pPr>
-            <a:lvl9pPr indent="-317500" lvl="8" marL="4114800" algn="ctr">
+            <a:lvl9pPr marL="4114800" lvl="8" indent="-317500" algn="ctr">
               <a:spcBef>
                 <a:spcPts val="0"/>
               </a:spcBef>
@@ -3351,15 +3346,19 @@
               <a:defRPr/>
             </a:lvl9pPr>
           </a:lstStyle>
-          <a:p/>
+          <a:p>
+            <a:endParaRPr/>
+          </a:p>
         </p:txBody>
       </p:sp>
       <p:sp>
         <p:nvSpPr>
           <p:cNvPr id="52" name="Google Shape;52;p11"/>
-          <p:cNvSpPr txBox="1"/>
+          <p:cNvSpPr txBox="1">
+            <a:spLocks noGrp="1"/>
+          </p:cNvSpPr>
           <p:nvPr>
-            <p:ph idx="12" type="sldNum"/>
+            <p:ph type="sldNum" idx="12"/>
           </p:nvPr>
         </p:nvSpPr>
         <p:spPr>
@@ -3372,7 +3371,7 @@
           </a:prstGeom>
         </p:spPr>
         <p:txBody>
-          <a:bodyPr anchorCtr="0" anchor="ctr" bIns="91425" lIns="91425" spcFirstLastPara="1" rIns="91425" wrap="square" tIns="91425">
+          <a:bodyPr spcFirstLastPara="1" wrap="square" lIns="91425" tIns="91425" rIns="91425" bIns="91425" anchor="ctr" anchorCtr="0">
             <a:normAutofit/>
           </a:bodyPr>
           <a:lstStyle>
@@ -3414,7 +3413,7 @@
             </a:lvl9pPr>
           </a:lstStyle>
           <a:p>
-            <a:pPr indent="0" lvl="0" marL="0" rtl="0" algn="r">
+            <a:pPr marL="0" lvl="0" indent="0" algn="r" rtl="0">
               <a:spcBef>
                 <a:spcPts val="0"/>
               </a:spcBef>
@@ -3440,11 +3439,11 @@
 </file>
 
 <file path=ppt/slideLayouts/slideLayout11.xml><?xml version="1.0" encoding="utf-8"?>
-<p:sldLayout xmlns:a="http://schemas.openxmlformats.org/drawingml/2006/main" xmlns:r="http://schemas.openxmlformats.org/officeDocument/2006/relationships" xmlns:mc="http://schemas.openxmlformats.org/markup-compatibility/2006" xmlns:mv="urn:schemas-microsoft-com:mac:vml" xmlns:p="http://schemas.openxmlformats.org/presentationml/2006/main" xmlns:c="http://schemas.openxmlformats.org/drawingml/2006/chart" xmlns:dgm="http://schemas.openxmlformats.org/drawingml/2006/diagram" xmlns:o="urn:schemas-microsoft-com:office:office" xmlns:v="urn:schemas-microsoft-com:vml" xmlns:pvml="urn:schemas-microsoft-com:office:powerpoint" xmlns:com="http://schemas.openxmlformats.org/drawingml/2006/compatibility" xmlns:p14="http://schemas.microsoft.com/office/powerpoint/2010/main" xmlns:p15="http://schemas.microsoft.com/office/powerpoint/2012/main" xmlns:ahyp="http://schemas.microsoft.com/office/drawing/2018/hyperlinkcolor" matchingName="Blank" type="blank">
+<p:sldLayout xmlns:a="http://schemas.openxmlformats.org/drawingml/2006/main" xmlns:r="http://schemas.openxmlformats.org/officeDocument/2006/relationships" xmlns:p="http://schemas.openxmlformats.org/presentationml/2006/main" matchingName="Blank" type="blank">
   <p:cSld name="BLANK">
     <p:spTree>
       <p:nvGrpSpPr>
-        <p:cNvPr id="53" name="Shape 53"/>
+        <p:cNvPr id="1" name="Shape 53"/>
         <p:cNvGrpSpPr/>
         <p:nvPr/>
       </p:nvGrpSpPr>
@@ -3459,9 +3458,11 @@
       <p:sp>
         <p:nvSpPr>
           <p:cNvPr id="54" name="Google Shape;54;p12"/>
-          <p:cNvSpPr txBox="1"/>
+          <p:cNvSpPr txBox="1">
+            <a:spLocks noGrp="1"/>
+          </p:cNvSpPr>
           <p:nvPr>
-            <p:ph idx="12" type="sldNum"/>
+            <p:ph type="sldNum" idx="12"/>
           </p:nvPr>
         </p:nvSpPr>
         <p:spPr>
@@ -3474,7 +3475,7 @@
           </a:prstGeom>
         </p:spPr>
         <p:txBody>
-          <a:bodyPr anchorCtr="0" anchor="ctr" bIns="91425" lIns="91425" spcFirstLastPara="1" rIns="91425" wrap="square" tIns="91425">
+          <a:bodyPr spcFirstLastPara="1" wrap="square" lIns="91425" tIns="91425" rIns="91425" bIns="91425" anchor="ctr" anchorCtr="0">
             <a:normAutofit/>
           </a:bodyPr>
           <a:lstStyle>
@@ -3516,7 +3517,7 @@
             </a:lvl9pPr>
           </a:lstStyle>
           <a:p>
-            <a:pPr indent="0" lvl="0" marL="0" rtl="0" algn="r">
+            <a:pPr marL="0" lvl="0" indent="0" algn="r" rtl="0">
               <a:spcBef>
                 <a:spcPts val="0"/>
               </a:spcBef>
@@ -3542,18 +3543,19 @@
 </file>
 
 <file path=ppt/slideLayouts/slideLayout2.xml><?xml version="1.0" encoding="utf-8"?>
-<p:sldLayout xmlns:a="http://schemas.openxmlformats.org/drawingml/2006/main" xmlns:r="http://schemas.openxmlformats.org/officeDocument/2006/relationships" xmlns:mc="http://schemas.openxmlformats.org/markup-compatibility/2006" xmlns:mv="urn:schemas-microsoft-com:mac:vml" xmlns:p="http://schemas.openxmlformats.org/presentationml/2006/main" xmlns:c="http://schemas.openxmlformats.org/drawingml/2006/chart" xmlns:dgm="http://schemas.openxmlformats.org/drawingml/2006/diagram" xmlns:o="urn:schemas-microsoft-com:office:office" xmlns:v="urn:schemas-microsoft-com:vml" xmlns:pvml="urn:schemas-microsoft-com:office:powerpoint" xmlns:com="http://schemas.openxmlformats.org/drawingml/2006/compatibility" xmlns:p14="http://schemas.microsoft.com/office/powerpoint/2010/main" xmlns:p15="http://schemas.microsoft.com/office/powerpoint/2012/main" xmlns:ahyp="http://schemas.microsoft.com/office/drawing/2018/hyperlinkcolor" matchingName="Section header" type="secHead">
+<p:sldLayout xmlns:a="http://schemas.openxmlformats.org/drawingml/2006/main" xmlns:r="http://schemas.openxmlformats.org/officeDocument/2006/relationships" xmlns:p="http://schemas.openxmlformats.org/presentationml/2006/main" matchingName="Section header" type="secHead">
   <p:cSld name="SECTION_HEADER">
     <p:bg>
       <p:bgPr>
         <a:solidFill>
           <a:schemeClr val="dk1"/>
         </a:solidFill>
+        <a:effectLst/>
       </p:bgPr>
     </p:bg>
     <p:spTree>
       <p:nvGrpSpPr>
-        <p:cNvPr id="15" name="Shape 15"/>
+        <p:cNvPr id="1" name="Shape 15"/>
         <p:cNvGrpSpPr/>
         <p:nvPr/>
       </p:nvGrpSpPr>
@@ -3568,7 +3570,9 @@
       <p:sp>
         <p:nvSpPr>
           <p:cNvPr id="16" name="Google Shape;16;p3"/>
-          <p:cNvSpPr txBox="1"/>
+          <p:cNvSpPr txBox="1">
+            <a:spLocks noGrp="1"/>
+          </p:cNvSpPr>
           <p:nvPr>
             <p:ph type="title"/>
           </p:nvPr>
@@ -3583,7 +3587,7 @@
           </a:prstGeom>
         </p:spPr>
         <p:txBody>
-          <a:bodyPr anchorCtr="0" anchor="ctr" bIns="91425" lIns="91425" spcFirstLastPara="1" rIns="91425" wrap="square" tIns="91425">
+          <a:bodyPr spcFirstLastPara="1" wrap="square" lIns="91425" tIns="91425" rIns="91425" bIns="91425" anchor="ctr" anchorCtr="0">
             <a:normAutofit/>
           </a:bodyPr>
           <a:lstStyle>
@@ -3600,7 +3604,7 @@
               <a:buSzPts val="4800"/>
               <a:buFont typeface="Lato"/>
               <a:buNone/>
-              <a:defRPr b="0" sz="4800">
+              <a:defRPr sz="4800" b="0">
                 <a:solidFill>
                   <a:schemeClr val="lt1"/>
                 </a:solidFill>
@@ -3623,7 +3627,7 @@
               <a:buSzPts val="4800"/>
               <a:buFont typeface="Lato"/>
               <a:buNone/>
-              <a:defRPr b="0" sz="4800">
+              <a:defRPr sz="4800" b="0">
                 <a:solidFill>
                   <a:schemeClr val="lt1"/>
                 </a:solidFill>
@@ -3646,7 +3650,7 @@
               <a:buSzPts val="4800"/>
               <a:buFont typeface="Lato"/>
               <a:buNone/>
-              <a:defRPr b="0" sz="4800">
+              <a:defRPr sz="4800" b="0">
                 <a:solidFill>
                   <a:schemeClr val="lt1"/>
                 </a:solidFill>
@@ -3669,7 +3673,7 @@
               <a:buSzPts val="4800"/>
               <a:buFont typeface="Lato"/>
               <a:buNone/>
-              <a:defRPr b="0" sz="4800">
+              <a:defRPr sz="4800" b="0">
                 <a:solidFill>
                   <a:schemeClr val="lt1"/>
                 </a:solidFill>
@@ -3692,7 +3696,7 @@
               <a:buSzPts val="4800"/>
               <a:buFont typeface="Lato"/>
               <a:buNone/>
-              <a:defRPr b="0" sz="4800">
+              <a:defRPr sz="4800" b="0">
                 <a:solidFill>
                   <a:schemeClr val="lt1"/>
                 </a:solidFill>
@@ -3715,7 +3719,7 @@
               <a:buSzPts val="4800"/>
               <a:buFont typeface="Lato"/>
               <a:buNone/>
-              <a:defRPr b="0" sz="4800">
+              <a:defRPr sz="4800" b="0">
                 <a:solidFill>
                   <a:schemeClr val="lt1"/>
                 </a:solidFill>
@@ -3738,7 +3742,7 @@
               <a:buSzPts val="4800"/>
               <a:buFont typeface="Lato"/>
               <a:buNone/>
-              <a:defRPr b="0" sz="4800">
+              <a:defRPr sz="4800" b="0">
                 <a:solidFill>
                   <a:schemeClr val="lt1"/>
                 </a:solidFill>
@@ -3761,7 +3765,7 @@
               <a:buSzPts val="4800"/>
               <a:buFont typeface="Lato"/>
               <a:buNone/>
-              <a:defRPr b="0" sz="4800">
+              <a:defRPr sz="4800" b="0">
                 <a:solidFill>
                   <a:schemeClr val="lt1"/>
                 </a:solidFill>
@@ -3784,7 +3788,7 @@
               <a:buSzPts val="4800"/>
               <a:buFont typeface="Lato"/>
               <a:buNone/>
-              <a:defRPr b="0" sz="4800">
+              <a:defRPr sz="4800" b="0">
                 <a:solidFill>
                   <a:schemeClr val="lt1"/>
                 </a:solidFill>
@@ -3795,15 +3799,19 @@
               </a:defRPr>
             </a:lvl9pPr>
           </a:lstStyle>
-          <a:p/>
+          <a:p>
+            <a:endParaRPr/>
+          </a:p>
         </p:txBody>
       </p:sp>
       <p:sp>
         <p:nvSpPr>
           <p:cNvPr id="17" name="Google Shape;17;p3"/>
-          <p:cNvSpPr txBox="1"/>
+          <p:cNvSpPr txBox="1">
+            <a:spLocks noGrp="1"/>
+          </p:cNvSpPr>
           <p:nvPr>
-            <p:ph idx="12" type="sldNum"/>
+            <p:ph type="sldNum" idx="12"/>
           </p:nvPr>
         </p:nvSpPr>
         <p:spPr>
@@ -3816,7 +3824,7 @@
           </a:prstGeom>
         </p:spPr>
         <p:txBody>
-          <a:bodyPr anchorCtr="0" anchor="ctr" bIns="91425" lIns="91425" spcFirstLastPara="1" rIns="91425" wrap="square" tIns="91425">
+          <a:bodyPr spcFirstLastPara="1" wrap="square" lIns="91425" tIns="91425" rIns="91425" bIns="91425" anchor="ctr" anchorCtr="0">
             <a:normAutofit/>
           </a:bodyPr>
           <a:lstStyle>
@@ -3894,7 +3902,7 @@
             </a:lvl9pPr>
           </a:lstStyle>
           <a:p>
-            <a:pPr indent="0" lvl="0" marL="0" rtl="0" algn="r">
+            <a:pPr marL="0" lvl="0" indent="0" algn="r" rtl="0">
               <a:spcBef>
                 <a:spcPts val="0"/>
               </a:spcBef>
@@ -3920,11 +3928,11 @@
 </file>
 
 <file path=ppt/slideLayouts/slideLayout3.xml><?xml version="1.0" encoding="utf-8"?>
-<p:sldLayout xmlns:a="http://schemas.openxmlformats.org/drawingml/2006/main" xmlns:r="http://schemas.openxmlformats.org/officeDocument/2006/relationships" xmlns:mc="http://schemas.openxmlformats.org/markup-compatibility/2006" xmlns:mv="urn:schemas-microsoft-com:mac:vml" xmlns:p="http://schemas.openxmlformats.org/presentationml/2006/main" xmlns:c="http://schemas.openxmlformats.org/drawingml/2006/chart" xmlns:dgm="http://schemas.openxmlformats.org/drawingml/2006/diagram" xmlns:o="urn:schemas-microsoft-com:office:office" xmlns:v="urn:schemas-microsoft-com:vml" xmlns:pvml="urn:schemas-microsoft-com:office:powerpoint" xmlns:com="http://schemas.openxmlformats.org/drawingml/2006/compatibility" xmlns:p14="http://schemas.microsoft.com/office/powerpoint/2010/main" xmlns:p15="http://schemas.microsoft.com/office/powerpoint/2012/main" xmlns:ahyp="http://schemas.microsoft.com/office/drawing/2018/hyperlinkcolor" matchingName="Title and body" type="tx">
+<p:sldLayout xmlns:a="http://schemas.openxmlformats.org/drawingml/2006/main" xmlns:r="http://schemas.openxmlformats.org/officeDocument/2006/relationships" xmlns:p="http://schemas.openxmlformats.org/presentationml/2006/main" matchingName="Title and body" type="tx">
   <p:cSld name="TITLE_AND_BODY">
     <p:spTree>
       <p:nvGrpSpPr>
-        <p:cNvPr id="18" name="Shape 18"/>
+        <p:cNvPr id="1" name="Shape 18"/>
         <p:cNvGrpSpPr/>
         <p:nvPr/>
       </p:nvGrpSpPr>
@@ -3958,12 +3966,12 @@
           </a:ln>
         </p:spPr>
         <p:txBody>
-          <a:bodyPr anchorCtr="0" anchor="ctr" bIns="91425" lIns="91425" spcFirstLastPara="1" rIns="91425" wrap="square" tIns="91425">
+          <a:bodyPr spcFirstLastPara="1" wrap="square" lIns="91425" tIns="91425" rIns="91425" bIns="91425" anchor="ctr" anchorCtr="0">
             <a:noAutofit/>
           </a:bodyPr>
           <a:lstStyle/>
           <a:p>
-            <a:pPr indent="0" lvl="0" marL="0" rtl="0" algn="l">
+            <a:pPr marL="0" lvl="0" indent="0" algn="l" rtl="0">
               <a:spcBef>
                 <a:spcPts val="0"/>
               </a:spcBef>
@@ -3972,9 +3980,6 @@
               </a:spcAft>
               <a:buNone/>
             </a:pPr>
-            <a:r>
-              <a:t/>
-            </a:r>
             <a:endParaRPr/>
           </a:p>
         </p:txBody>
@@ -3982,7 +3987,9 @@
       <p:sp>
         <p:nvSpPr>
           <p:cNvPr id="20" name="Google Shape;20;p4"/>
-          <p:cNvSpPr txBox="1"/>
+          <p:cNvSpPr txBox="1">
+            <a:spLocks noGrp="1"/>
+          </p:cNvSpPr>
           <p:nvPr>
             <p:ph type="title"/>
           </p:nvPr>
@@ -3997,7 +4004,7 @@
           </a:prstGeom>
         </p:spPr>
         <p:txBody>
-          <a:bodyPr anchorCtr="0" anchor="t" bIns="91425" lIns="91425" spcFirstLastPara="1" rIns="91425" wrap="square" tIns="91425">
+          <a:bodyPr spcFirstLastPara="1" wrap="square" lIns="91425" tIns="91425" rIns="91425" bIns="91425" anchor="t" anchorCtr="0">
             <a:normAutofit/>
           </a:bodyPr>
           <a:lstStyle>
@@ -4101,15 +4108,19 @@
               <a:defRPr/>
             </a:lvl9pPr>
           </a:lstStyle>
-          <a:p/>
+          <a:p>
+            <a:endParaRPr/>
+          </a:p>
         </p:txBody>
       </p:sp>
       <p:sp>
         <p:nvSpPr>
           <p:cNvPr id="21" name="Google Shape;21;p4"/>
-          <p:cNvSpPr txBox="1"/>
+          <p:cNvSpPr txBox="1">
+            <a:spLocks noGrp="1"/>
+          </p:cNvSpPr>
           <p:nvPr>
-            <p:ph idx="1" type="body"/>
+            <p:ph type="body" idx="1"/>
           </p:nvPr>
         </p:nvSpPr>
         <p:spPr>
@@ -4122,11 +4133,11 @@
           </a:prstGeom>
         </p:spPr>
         <p:txBody>
-          <a:bodyPr anchorCtr="0" anchor="t" bIns="91425" lIns="91425" spcFirstLastPara="1" rIns="91425" wrap="square" tIns="91425">
+          <a:bodyPr spcFirstLastPara="1" wrap="square" lIns="91425" tIns="91425" rIns="91425" bIns="91425" anchor="t" anchorCtr="0">
             <a:normAutofit/>
           </a:bodyPr>
           <a:lstStyle>
-            <a:lvl1pPr indent="-342900" lvl="0" marL="457200">
+            <a:lvl1pPr marL="457200" lvl="0" indent="-342900">
               <a:spcBef>
                 <a:spcPts val="0"/>
               </a:spcBef>
@@ -4137,7 +4148,7 @@
               <a:buChar char="●"/>
               <a:defRPr/>
             </a:lvl1pPr>
-            <a:lvl2pPr indent="-317500" lvl="1" marL="914400">
+            <a:lvl2pPr marL="914400" lvl="1" indent="-317500">
               <a:spcBef>
                 <a:spcPts val="0"/>
               </a:spcBef>
@@ -4148,7 +4159,7 @@
               <a:buChar char="○"/>
               <a:defRPr/>
             </a:lvl2pPr>
-            <a:lvl3pPr indent="-317500" lvl="2" marL="1371600">
+            <a:lvl3pPr marL="1371600" lvl="2" indent="-317500">
               <a:spcBef>
                 <a:spcPts val="0"/>
               </a:spcBef>
@@ -4159,7 +4170,7 @@
               <a:buChar char="■"/>
               <a:defRPr/>
             </a:lvl3pPr>
-            <a:lvl4pPr indent="-317500" lvl="3" marL="1828800">
+            <a:lvl4pPr marL="1828800" lvl="3" indent="-317500">
               <a:spcBef>
                 <a:spcPts val="0"/>
               </a:spcBef>
@@ -4170,7 +4181,7 @@
               <a:buChar char="●"/>
               <a:defRPr/>
             </a:lvl4pPr>
-            <a:lvl5pPr indent="-317500" lvl="4" marL="2286000">
+            <a:lvl5pPr marL="2286000" lvl="4" indent="-317500">
               <a:spcBef>
                 <a:spcPts val="0"/>
               </a:spcBef>
@@ -4181,7 +4192,7 @@
               <a:buChar char="○"/>
               <a:defRPr/>
             </a:lvl5pPr>
-            <a:lvl6pPr indent="-317500" lvl="5" marL="2743200">
+            <a:lvl6pPr marL="2743200" lvl="5" indent="-317500">
               <a:spcBef>
                 <a:spcPts val="0"/>
               </a:spcBef>
@@ -4192,7 +4203,7 @@
               <a:buChar char="■"/>
               <a:defRPr/>
             </a:lvl6pPr>
-            <a:lvl7pPr indent="-317500" lvl="6" marL="3200400">
+            <a:lvl7pPr marL="3200400" lvl="6" indent="-317500">
               <a:spcBef>
                 <a:spcPts val="0"/>
               </a:spcBef>
@@ -4203,7 +4214,7 @@
               <a:buChar char="●"/>
               <a:defRPr/>
             </a:lvl7pPr>
-            <a:lvl8pPr indent="-317500" lvl="7" marL="3657600">
+            <a:lvl8pPr marL="3657600" lvl="7" indent="-317500">
               <a:spcBef>
                 <a:spcPts val="0"/>
               </a:spcBef>
@@ -4214,7 +4225,7 @@
               <a:buChar char="○"/>
               <a:defRPr/>
             </a:lvl8pPr>
-            <a:lvl9pPr indent="-317500" lvl="8" marL="4114800">
+            <a:lvl9pPr marL="4114800" lvl="8" indent="-317500">
               <a:spcBef>
                 <a:spcPts val="0"/>
               </a:spcBef>
@@ -4226,15 +4237,19 @@
               <a:defRPr/>
             </a:lvl9pPr>
           </a:lstStyle>
-          <a:p/>
+          <a:p>
+            <a:endParaRPr/>
+          </a:p>
         </p:txBody>
       </p:sp>
       <p:sp>
         <p:nvSpPr>
           <p:cNvPr id="22" name="Google Shape;22;p4"/>
-          <p:cNvSpPr txBox="1"/>
+          <p:cNvSpPr txBox="1">
+            <a:spLocks noGrp="1"/>
+          </p:cNvSpPr>
           <p:nvPr>
-            <p:ph idx="12" type="sldNum"/>
+            <p:ph type="sldNum" idx="12"/>
           </p:nvPr>
         </p:nvSpPr>
         <p:spPr>
@@ -4247,7 +4262,7 @@
           </a:prstGeom>
         </p:spPr>
         <p:txBody>
-          <a:bodyPr anchorCtr="0" anchor="ctr" bIns="91425" lIns="91425" spcFirstLastPara="1" rIns="91425" wrap="square" tIns="91425">
+          <a:bodyPr spcFirstLastPara="1" wrap="square" lIns="91425" tIns="91425" rIns="91425" bIns="91425" anchor="ctr" anchorCtr="0">
             <a:normAutofit/>
           </a:bodyPr>
           <a:lstStyle>
@@ -4289,7 +4304,7 @@
             </a:lvl9pPr>
           </a:lstStyle>
           <a:p>
-            <a:pPr indent="0" lvl="0" marL="0" rtl="0" algn="r">
+            <a:pPr marL="0" lvl="0" indent="0" algn="r" rtl="0">
               <a:spcBef>
                 <a:spcPts val="0"/>
               </a:spcBef>
@@ -4315,11 +4330,11 @@
 </file>
 
 <file path=ppt/slideLayouts/slideLayout4.xml><?xml version="1.0" encoding="utf-8"?>
-<p:sldLayout xmlns:a="http://schemas.openxmlformats.org/drawingml/2006/main" xmlns:r="http://schemas.openxmlformats.org/officeDocument/2006/relationships" xmlns:mc="http://schemas.openxmlformats.org/markup-compatibility/2006" xmlns:mv="urn:schemas-microsoft-com:mac:vml" xmlns:p="http://schemas.openxmlformats.org/presentationml/2006/main" xmlns:c="http://schemas.openxmlformats.org/drawingml/2006/chart" xmlns:dgm="http://schemas.openxmlformats.org/drawingml/2006/diagram" xmlns:o="urn:schemas-microsoft-com:office:office" xmlns:v="urn:schemas-microsoft-com:vml" xmlns:pvml="urn:schemas-microsoft-com:office:powerpoint" xmlns:com="http://schemas.openxmlformats.org/drawingml/2006/compatibility" xmlns:p14="http://schemas.microsoft.com/office/powerpoint/2010/main" xmlns:p15="http://schemas.microsoft.com/office/powerpoint/2012/main" xmlns:ahyp="http://schemas.microsoft.com/office/drawing/2018/hyperlinkcolor" matchingName="Title and two columns" type="twoColTx">
+<p:sldLayout xmlns:a="http://schemas.openxmlformats.org/drawingml/2006/main" xmlns:r="http://schemas.openxmlformats.org/officeDocument/2006/relationships" xmlns:p="http://schemas.openxmlformats.org/presentationml/2006/main" matchingName="Title and two columns" type="twoColTx">
   <p:cSld name="TITLE_AND_TWO_COLUMNS">
     <p:spTree>
       <p:nvGrpSpPr>
-        <p:cNvPr id="23" name="Shape 23"/>
+        <p:cNvPr id="1" name="Shape 23"/>
         <p:cNvGrpSpPr/>
         <p:nvPr/>
       </p:nvGrpSpPr>
@@ -4334,7 +4349,9 @@
       <p:sp>
         <p:nvSpPr>
           <p:cNvPr id="24" name="Google Shape;24;p5"/>
-          <p:cNvSpPr txBox="1"/>
+          <p:cNvSpPr txBox="1">
+            <a:spLocks noGrp="1"/>
+          </p:cNvSpPr>
           <p:nvPr>
             <p:ph type="title"/>
           </p:nvPr>
@@ -4349,7 +4366,7 @@
           </a:prstGeom>
         </p:spPr>
         <p:txBody>
-          <a:bodyPr anchorCtr="0" anchor="t" bIns="91425" lIns="91425" spcFirstLastPara="1" rIns="91425" wrap="square" tIns="91425">
+          <a:bodyPr spcFirstLastPara="1" wrap="square" lIns="91425" tIns="91425" rIns="91425" bIns="91425" anchor="t" anchorCtr="0">
             <a:normAutofit/>
           </a:bodyPr>
           <a:lstStyle>
@@ -4453,15 +4470,19 @@
               <a:defRPr/>
             </a:lvl9pPr>
           </a:lstStyle>
-          <a:p/>
+          <a:p>
+            <a:endParaRPr/>
+          </a:p>
         </p:txBody>
       </p:sp>
       <p:sp>
         <p:nvSpPr>
           <p:cNvPr id="25" name="Google Shape;25;p5"/>
-          <p:cNvSpPr txBox="1"/>
+          <p:cNvSpPr txBox="1">
+            <a:spLocks noGrp="1"/>
+          </p:cNvSpPr>
           <p:nvPr>
-            <p:ph idx="1" type="body"/>
+            <p:ph type="body" idx="1"/>
           </p:nvPr>
         </p:nvSpPr>
         <p:spPr>
@@ -4474,11 +4495,11 @@
           </a:prstGeom>
         </p:spPr>
         <p:txBody>
-          <a:bodyPr anchorCtr="0" anchor="t" bIns="91425" lIns="91425" spcFirstLastPara="1" rIns="91425" wrap="square" tIns="91425">
+          <a:bodyPr spcFirstLastPara="1" wrap="square" lIns="91425" tIns="91425" rIns="91425" bIns="91425" anchor="t" anchorCtr="0">
             <a:normAutofit/>
           </a:bodyPr>
           <a:lstStyle>
-            <a:lvl1pPr indent="-317500" lvl="0" marL="457200">
+            <a:lvl1pPr marL="457200" lvl="0" indent="-317500">
               <a:spcBef>
                 <a:spcPts val="0"/>
               </a:spcBef>
@@ -4489,7 +4510,7 @@
               <a:buChar char="●"/>
               <a:defRPr sz="1400"/>
             </a:lvl1pPr>
-            <a:lvl2pPr indent="-304800" lvl="1" marL="914400">
+            <a:lvl2pPr marL="914400" lvl="1" indent="-304800">
               <a:spcBef>
                 <a:spcPts val="0"/>
               </a:spcBef>
@@ -4500,7 +4521,7 @@
               <a:buChar char="○"/>
               <a:defRPr sz="1200"/>
             </a:lvl2pPr>
-            <a:lvl3pPr indent="-304800" lvl="2" marL="1371600">
+            <a:lvl3pPr marL="1371600" lvl="2" indent="-304800">
               <a:spcBef>
                 <a:spcPts val="0"/>
               </a:spcBef>
@@ -4511,7 +4532,7 @@
               <a:buChar char="■"/>
               <a:defRPr sz="1200"/>
             </a:lvl3pPr>
-            <a:lvl4pPr indent="-304800" lvl="3" marL="1828800">
+            <a:lvl4pPr marL="1828800" lvl="3" indent="-304800">
               <a:spcBef>
                 <a:spcPts val="0"/>
               </a:spcBef>
@@ -4522,7 +4543,7 @@
               <a:buChar char="●"/>
               <a:defRPr sz="1200"/>
             </a:lvl4pPr>
-            <a:lvl5pPr indent="-304800" lvl="4" marL="2286000">
+            <a:lvl5pPr marL="2286000" lvl="4" indent="-304800">
               <a:spcBef>
                 <a:spcPts val="0"/>
               </a:spcBef>
@@ -4533,7 +4554,7 @@
               <a:buChar char="○"/>
               <a:defRPr sz="1200"/>
             </a:lvl5pPr>
-            <a:lvl6pPr indent="-304800" lvl="5" marL="2743200">
+            <a:lvl6pPr marL="2743200" lvl="5" indent="-304800">
               <a:spcBef>
                 <a:spcPts val="0"/>
               </a:spcBef>
@@ -4544,7 +4565,7 @@
               <a:buChar char="■"/>
               <a:defRPr sz="1200"/>
             </a:lvl6pPr>
-            <a:lvl7pPr indent="-304800" lvl="6" marL="3200400">
+            <a:lvl7pPr marL="3200400" lvl="6" indent="-304800">
               <a:spcBef>
                 <a:spcPts val="0"/>
               </a:spcBef>
@@ -4555,7 +4576,7 @@
               <a:buChar char="●"/>
               <a:defRPr sz="1200"/>
             </a:lvl7pPr>
-            <a:lvl8pPr indent="-304800" lvl="7" marL="3657600">
+            <a:lvl8pPr marL="3657600" lvl="7" indent="-304800">
               <a:spcBef>
                 <a:spcPts val="0"/>
               </a:spcBef>
@@ -4566,7 +4587,7 @@
               <a:buChar char="○"/>
               <a:defRPr sz="1200"/>
             </a:lvl8pPr>
-            <a:lvl9pPr indent="-304800" lvl="8" marL="4114800">
+            <a:lvl9pPr marL="4114800" lvl="8" indent="-304800">
               <a:spcBef>
                 <a:spcPts val="0"/>
               </a:spcBef>
@@ -4578,15 +4599,19 @@
               <a:defRPr sz="1200"/>
             </a:lvl9pPr>
           </a:lstStyle>
-          <a:p/>
+          <a:p>
+            <a:endParaRPr/>
+          </a:p>
         </p:txBody>
       </p:sp>
       <p:sp>
         <p:nvSpPr>
           <p:cNvPr id="26" name="Google Shape;26;p5"/>
-          <p:cNvSpPr txBox="1"/>
+          <p:cNvSpPr txBox="1">
+            <a:spLocks noGrp="1"/>
+          </p:cNvSpPr>
           <p:nvPr>
-            <p:ph idx="2" type="body"/>
+            <p:ph type="body" idx="2"/>
           </p:nvPr>
         </p:nvSpPr>
         <p:spPr>
@@ -4599,11 +4624,11 @@
           </a:prstGeom>
         </p:spPr>
         <p:txBody>
-          <a:bodyPr anchorCtr="0" anchor="t" bIns="91425" lIns="91425" spcFirstLastPara="1" rIns="91425" wrap="square" tIns="91425">
+          <a:bodyPr spcFirstLastPara="1" wrap="square" lIns="91425" tIns="91425" rIns="91425" bIns="91425" anchor="t" anchorCtr="0">
             <a:normAutofit/>
           </a:bodyPr>
           <a:lstStyle>
-            <a:lvl1pPr indent="-317500" lvl="0" marL="457200">
+            <a:lvl1pPr marL="457200" lvl="0" indent="-317500">
               <a:spcBef>
                 <a:spcPts val="0"/>
               </a:spcBef>
@@ -4614,7 +4639,7 @@
               <a:buChar char="●"/>
               <a:defRPr sz="1400"/>
             </a:lvl1pPr>
-            <a:lvl2pPr indent="-304800" lvl="1" marL="914400">
+            <a:lvl2pPr marL="914400" lvl="1" indent="-304800">
               <a:spcBef>
                 <a:spcPts val="0"/>
               </a:spcBef>
@@ -4625,7 +4650,7 @@
               <a:buChar char="○"/>
               <a:defRPr sz="1200"/>
             </a:lvl2pPr>
-            <a:lvl3pPr indent="-304800" lvl="2" marL="1371600">
+            <a:lvl3pPr marL="1371600" lvl="2" indent="-304800">
               <a:spcBef>
                 <a:spcPts val="0"/>
               </a:spcBef>
@@ -4636,7 +4661,7 @@
               <a:buChar char="■"/>
               <a:defRPr sz="1200"/>
             </a:lvl3pPr>
-            <a:lvl4pPr indent="-304800" lvl="3" marL="1828800">
+            <a:lvl4pPr marL="1828800" lvl="3" indent="-304800">
               <a:spcBef>
                 <a:spcPts val="0"/>
               </a:spcBef>
@@ -4647,7 +4672,7 @@
               <a:buChar char="●"/>
               <a:defRPr sz="1200"/>
             </a:lvl4pPr>
-            <a:lvl5pPr indent="-304800" lvl="4" marL="2286000">
+            <a:lvl5pPr marL="2286000" lvl="4" indent="-304800">
               <a:spcBef>
                 <a:spcPts val="0"/>
               </a:spcBef>
@@ -4658,7 +4683,7 @@
               <a:buChar char="○"/>
               <a:defRPr sz="1200"/>
             </a:lvl5pPr>
-            <a:lvl6pPr indent="-304800" lvl="5" marL="2743200">
+            <a:lvl6pPr marL="2743200" lvl="5" indent="-304800">
               <a:spcBef>
                 <a:spcPts val="0"/>
               </a:spcBef>
@@ -4669,7 +4694,7 @@
               <a:buChar char="■"/>
               <a:defRPr sz="1200"/>
             </a:lvl6pPr>
-            <a:lvl7pPr indent="-304800" lvl="6" marL="3200400">
+            <a:lvl7pPr marL="3200400" lvl="6" indent="-304800">
               <a:spcBef>
                 <a:spcPts val="0"/>
               </a:spcBef>
@@ -4680,7 +4705,7 @@
               <a:buChar char="●"/>
               <a:defRPr sz="1200"/>
             </a:lvl7pPr>
-            <a:lvl8pPr indent="-304800" lvl="7" marL="3657600">
+            <a:lvl8pPr marL="3657600" lvl="7" indent="-304800">
               <a:spcBef>
                 <a:spcPts val="0"/>
               </a:spcBef>
@@ -4691,7 +4716,7 @@
               <a:buChar char="○"/>
               <a:defRPr sz="1200"/>
             </a:lvl8pPr>
-            <a:lvl9pPr indent="-304800" lvl="8" marL="4114800">
+            <a:lvl9pPr marL="4114800" lvl="8" indent="-304800">
               <a:spcBef>
                 <a:spcPts val="0"/>
               </a:spcBef>
@@ -4703,15 +4728,19 @@
               <a:defRPr sz="1200"/>
             </a:lvl9pPr>
           </a:lstStyle>
-          <a:p/>
+          <a:p>
+            <a:endParaRPr/>
+          </a:p>
         </p:txBody>
       </p:sp>
       <p:sp>
         <p:nvSpPr>
           <p:cNvPr id="27" name="Google Shape;27;p5"/>
-          <p:cNvSpPr txBox="1"/>
+          <p:cNvSpPr txBox="1">
+            <a:spLocks noGrp="1"/>
+          </p:cNvSpPr>
           <p:nvPr>
-            <p:ph idx="12" type="sldNum"/>
+            <p:ph type="sldNum" idx="12"/>
           </p:nvPr>
         </p:nvSpPr>
         <p:spPr>
@@ -4724,7 +4753,7 @@
           </a:prstGeom>
         </p:spPr>
         <p:txBody>
-          <a:bodyPr anchorCtr="0" anchor="ctr" bIns="91425" lIns="91425" spcFirstLastPara="1" rIns="91425" wrap="square" tIns="91425">
+          <a:bodyPr spcFirstLastPara="1" wrap="square" lIns="91425" tIns="91425" rIns="91425" bIns="91425" anchor="ctr" anchorCtr="0">
             <a:normAutofit/>
           </a:bodyPr>
           <a:lstStyle>
@@ -4766,7 +4795,7 @@
             </a:lvl9pPr>
           </a:lstStyle>
           <a:p>
-            <a:pPr indent="0" lvl="0" marL="0" rtl="0" algn="r">
+            <a:pPr marL="0" lvl="0" indent="0" algn="r" rtl="0">
               <a:spcBef>
                 <a:spcPts val="0"/>
               </a:spcBef>
@@ -4792,11 +4821,11 @@
 </file>
 
 <file path=ppt/slideLayouts/slideLayout5.xml><?xml version="1.0" encoding="utf-8"?>
-<p:sldLayout xmlns:a="http://schemas.openxmlformats.org/drawingml/2006/main" xmlns:r="http://schemas.openxmlformats.org/officeDocument/2006/relationships" xmlns:mc="http://schemas.openxmlformats.org/markup-compatibility/2006" xmlns:mv="urn:schemas-microsoft-com:mac:vml" xmlns:p="http://schemas.openxmlformats.org/presentationml/2006/main" xmlns:c="http://schemas.openxmlformats.org/drawingml/2006/chart" xmlns:dgm="http://schemas.openxmlformats.org/drawingml/2006/diagram" xmlns:o="urn:schemas-microsoft-com:office:office" xmlns:v="urn:schemas-microsoft-com:vml" xmlns:pvml="urn:schemas-microsoft-com:office:powerpoint" xmlns:com="http://schemas.openxmlformats.org/drawingml/2006/compatibility" xmlns:p14="http://schemas.microsoft.com/office/powerpoint/2010/main" xmlns:p15="http://schemas.microsoft.com/office/powerpoint/2012/main" xmlns:ahyp="http://schemas.microsoft.com/office/drawing/2018/hyperlinkcolor" matchingName="Title only" type="titleOnly">
+<p:sldLayout xmlns:a="http://schemas.openxmlformats.org/drawingml/2006/main" xmlns:r="http://schemas.openxmlformats.org/officeDocument/2006/relationships" xmlns:p="http://schemas.openxmlformats.org/presentationml/2006/main" matchingName="Title only" type="titleOnly">
   <p:cSld name="TITLE_ONLY">
     <p:spTree>
       <p:nvGrpSpPr>
-        <p:cNvPr id="28" name="Shape 28"/>
+        <p:cNvPr id="1" name="Shape 28"/>
         <p:cNvGrpSpPr/>
         <p:nvPr/>
       </p:nvGrpSpPr>
@@ -4811,7 +4840,9 @@
       <p:sp>
         <p:nvSpPr>
           <p:cNvPr id="29" name="Google Shape;29;p6"/>
-          <p:cNvSpPr txBox="1"/>
+          <p:cNvSpPr txBox="1">
+            <a:spLocks noGrp="1"/>
+          </p:cNvSpPr>
           <p:nvPr>
             <p:ph type="title"/>
           </p:nvPr>
@@ -4826,7 +4857,7 @@
           </a:prstGeom>
         </p:spPr>
         <p:txBody>
-          <a:bodyPr anchorCtr="0" anchor="t" bIns="91425" lIns="91425" spcFirstLastPara="1" rIns="91425" wrap="square" tIns="91425">
+          <a:bodyPr spcFirstLastPara="1" wrap="square" lIns="91425" tIns="91425" rIns="91425" bIns="91425" anchor="t" anchorCtr="0">
             <a:normAutofit/>
           </a:bodyPr>
           <a:lstStyle>
@@ -4930,15 +4961,19 @@
               <a:defRPr/>
             </a:lvl9pPr>
           </a:lstStyle>
-          <a:p/>
+          <a:p>
+            <a:endParaRPr/>
+          </a:p>
         </p:txBody>
       </p:sp>
       <p:sp>
         <p:nvSpPr>
           <p:cNvPr id="30" name="Google Shape;30;p6"/>
-          <p:cNvSpPr txBox="1"/>
+          <p:cNvSpPr txBox="1">
+            <a:spLocks noGrp="1"/>
+          </p:cNvSpPr>
           <p:nvPr>
-            <p:ph idx="12" type="sldNum"/>
+            <p:ph type="sldNum" idx="12"/>
           </p:nvPr>
         </p:nvSpPr>
         <p:spPr>
@@ -4951,7 +4986,7 @@
           </a:prstGeom>
         </p:spPr>
         <p:txBody>
-          <a:bodyPr anchorCtr="0" anchor="ctr" bIns="91425" lIns="91425" spcFirstLastPara="1" rIns="91425" wrap="square" tIns="91425">
+          <a:bodyPr spcFirstLastPara="1" wrap="square" lIns="91425" tIns="91425" rIns="91425" bIns="91425" anchor="ctr" anchorCtr="0">
             <a:normAutofit/>
           </a:bodyPr>
           <a:lstStyle>
@@ -4993,7 +5028,7 @@
             </a:lvl9pPr>
           </a:lstStyle>
           <a:p>
-            <a:pPr indent="0" lvl="0" marL="0" rtl="0" algn="r">
+            <a:pPr marL="0" lvl="0" indent="0" algn="r" rtl="0">
               <a:spcBef>
                 <a:spcPts val="0"/>
               </a:spcBef>
@@ -5019,11 +5054,11 @@
 </file>
 
 <file path=ppt/slideLayouts/slideLayout6.xml><?xml version="1.0" encoding="utf-8"?>
-<p:sldLayout xmlns:a="http://schemas.openxmlformats.org/drawingml/2006/main" xmlns:r="http://schemas.openxmlformats.org/officeDocument/2006/relationships" xmlns:mc="http://schemas.openxmlformats.org/markup-compatibility/2006" xmlns:mv="urn:schemas-microsoft-com:mac:vml" xmlns:p="http://schemas.openxmlformats.org/presentationml/2006/main" xmlns:c="http://schemas.openxmlformats.org/drawingml/2006/chart" xmlns:dgm="http://schemas.openxmlformats.org/drawingml/2006/diagram" xmlns:o="urn:schemas-microsoft-com:office:office" xmlns:v="urn:schemas-microsoft-com:vml" xmlns:pvml="urn:schemas-microsoft-com:office:powerpoint" xmlns:com="http://schemas.openxmlformats.org/drawingml/2006/compatibility" xmlns:p14="http://schemas.microsoft.com/office/powerpoint/2010/main" xmlns:p15="http://schemas.microsoft.com/office/powerpoint/2012/main" xmlns:ahyp="http://schemas.microsoft.com/office/drawing/2018/hyperlinkcolor" matchingName="One column text">
+<p:sldLayout xmlns:a="http://schemas.openxmlformats.org/drawingml/2006/main" xmlns:r="http://schemas.openxmlformats.org/officeDocument/2006/relationships" xmlns:p="http://schemas.openxmlformats.org/presentationml/2006/main" matchingName="One column text">
   <p:cSld name="ONE_COLUMN_TEXT">
     <p:spTree>
       <p:nvGrpSpPr>
-        <p:cNvPr id="31" name="Shape 31"/>
+        <p:cNvPr id="1" name="Shape 31"/>
         <p:cNvGrpSpPr/>
         <p:nvPr/>
       </p:nvGrpSpPr>
@@ -5038,7 +5073,9 @@
       <p:sp>
         <p:nvSpPr>
           <p:cNvPr id="32" name="Google Shape;32;p7"/>
-          <p:cNvSpPr txBox="1"/>
+          <p:cNvSpPr txBox="1">
+            <a:spLocks noGrp="1"/>
+          </p:cNvSpPr>
           <p:nvPr>
             <p:ph type="title"/>
           </p:nvPr>
@@ -5053,7 +5090,7 @@
           </a:prstGeom>
         </p:spPr>
         <p:txBody>
-          <a:bodyPr anchorCtr="0" anchor="b" bIns="91425" lIns="91425" spcFirstLastPara="1" rIns="91425" wrap="square" tIns="91425">
+          <a:bodyPr spcFirstLastPara="1" wrap="square" lIns="91425" tIns="91425" rIns="91425" bIns="91425" anchor="b" anchorCtr="0">
             <a:normAutofit/>
           </a:bodyPr>
           <a:lstStyle>
@@ -5157,15 +5194,19 @@
               <a:defRPr sz="2400"/>
             </a:lvl9pPr>
           </a:lstStyle>
-          <a:p/>
+          <a:p>
+            <a:endParaRPr/>
+          </a:p>
         </p:txBody>
       </p:sp>
       <p:sp>
         <p:nvSpPr>
           <p:cNvPr id="33" name="Google Shape;33;p7"/>
-          <p:cNvSpPr txBox="1"/>
+          <p:cNvSpPr txBox="1">
+            <a:spLocks noGrp="1"/>
+          </p:cNvSpPr>
           <p:nvPr>
-            <p:ph idx="1" type="body"/>
+            <p:ph type="body" idx="1"/>
           </p:nvPr>
         </p:nvSpPr>
         <p:spPr>
@@ -5178,11 +5219,11 @@
           </a:prstGeom>
         </p:spPr>
         <p:txBody>
-          <a:bodyPr anchorCtr="0" anchor="t" bIns="91425" lIns="91425" spcFirstLastPara="1" rIns="91425" wrap="square" tIns="91425">
+          <a:bodyPr spcFirstLastPara="1" wrap="square" lIns="91425" tIns="91425" rIns="91425" bIns="91425" anchor="t" anchorCtr="0">
             <a:normAutofit/>
           </a:bodyPr>
           <a:lstStyle>
-            <a:lvl1pPr indent="-304800" lvl="0" marL="457200">
+            <a:lvl1pPr marL="457200" lvl="0" indent="-304800">
               <a:spcBef>
                 <a:spcPts val="0"/>
               </a:spcBef>
@@ -5193,7 +5234,7 @@
               <a:buChar char="●"/>
               <a:defRPr sz="1200"/>
             </a:lvl1pPr>
-            <a:lvl2pPr indent="-304800" lvl="1" marL="914400">
+            <a:lvl2pPr marL="914400" lvl="1" indent="-304800">
               <a:spcBef>
                 <a:spcPts val="0"/>
               </a:spcBef>
@@ -5204,7 +5245,7 @@
               <a:buChar char="○"/>
               <a:defRPr sz="1200"/>
             </a:lvl2pPr>
-            <a:lvl3pPr indent="-304800" lvl="2" marL="1371600">
+            <a:lvl3pPr marL="1371600" lvl="2" indent="-304800">
               <a:spcBef>
                 <a:spcPts val="0"/>
               </a:spcBef>
@@ -5215,7 +5256,7 @@
               <a:buChar char="■"/>
               <a:defRPr sz="1200"/>
             </a:lvl3pPr>
-            <a:lvl4pPr indent="-304800" lvl="3" marL="1828800">
+            <a:lvl4pPr marL="1828800" lvl="3" indent="-304800">
               <a:spcBef>
                 <a:spcPts val="0"/>
               </a:spcBef>
@@ -5226,7 +5267,7 @@
               <a:buChar char="●"/>
               <a:defRPr sz="1200"/>
             </a:lvl4pPr>
-            <a:lvl5pPr indent="-304800" lvl="4" marL="2286000">
+            <a:lvl5pPr marL="2286000" lvl="4" indent="-304800">
               <a:spcBef>
                 <a:spcPts val="0"/>
               </a:spcBef>
@@ -5237,7 +5278,7 @@
               <a:buChar char="○"/>
               <a:defRPr sz="1200"/>
             </a:lvl5pPr>
-            <a:lvl6pPr indent="-304800" lvl="5" marL="2743200">
+            <a:lvl6pPr marL="2743200" lvl="5" indent="-304800">
               <a:spcBef>
                 <a:spcPts val="0"/>
               </a:spcBef>
@@ -5248,7 +5289,7 @@
               <a:buChar char="■"/>
               <a:defRPr sz="1200"/>
             </a:lvl6pPr>
-            <a:lvl7pPr indent="-304800" lvl="6" marL="3200400">
+            <a:lvl7pPr marL="3200400" lvl="6" indent="-304800">
               <a:spcBef>
                 <a:spcPts val="0"/>
               </a:spcBef>
@@ -5259,7 +5300,7 @@
               <a:buChar char="●"/>
               <a:defRPr sz="1200"/>
             </a:lvl7pPr>
-            <a:lvl8pPr indent="-304800" lvl="7" marL="3657600">
+            <a:lvl8pPr marL="3657600" lvl="7" indent="-304800">
               <a:spcBef>
                 <a:spcPts val="0"/>
               </a:spcBef>
@@ -5270,7 +5311,7 @@
               <a:buChar char="○"/>
               <a:defRPr sz="1200"/>
             </a:lvl8pPr>
-            <a:lvl9pPr indent="-304800" lvl="8" marL="4114800">
+            <a:lvl9pPr marL="4114800" lvl="8" indent="-304800">
               <a:spcBef>
                 <a:spcPts val="0"/>
               </a:spcBef>
@@ -5282,15 +5323,19 @@
               <a:defRPr sz="1200"/>
             </a:lvl9pPr>
           </a:lstStyle>
-          <a:p/>
+          <a:p>
+            <a:endParaRPr/>
+          </a:p>
         </p:txBody>
       </p:sp>
       <p:sp>
         <p:nvSpPr>
           <p:cNvPr id="34" name="Google Shape;34;p7"/>
-          <p:cNvSpPr txBox="1"/>
+          <p:cNvSpPr txBox="1">
+            <a:spLocks noGrp="1"/>
+          </p:cNvSpPr>
           <p:nvPr>
-            <p:ph idx="12" type="sldNum"/>
+            <p:ph type="sldNum" idx="12"/>
           </p:nvPr>
         </p:nvSpPr>
         <p:spPr>
@@ -5303,7 +5348,7 @@
           </a:prstGeom>
         </p:spPr>
         <p:txBody>
-          <a:bodyPr anchorCtr="0" anchor="ctr" bIns="91425" lIns="91425" spcFirstLastPara="1" rIns="91425" wrap="square" tIns="91425">
+          <a:bodyPr spcFirstLastPara="1" wrap="square" lIns="91425" tIns="91425" rIns="91425" bIns="91425" anchor="ctr" anchorCtr="0">
             <a:normAutofit/>
           </a:bodyPr>
           <a:lstStyle>
@@ -5345,7 +5390,7 @@
             </a:lvl9pPr>
           </a:lstStyle>
           <a:p>
-            <a:pPr indent="0" lvl="0" marL="0" rtl="0" algn="r">
+            <a:pPr marL="0" lvl="0" indent="0" algn="r" rtl="0">
               <a:spcBef>
                 <a:spcPts val="0"/>
               </a:spcBef>
@@ -5371,18 +5416,19 @@
 </file>
 
 <file path=ppt/slideLayouts/slideLayout7.xml><?xml version="1.0" encoding="utf-8"?>
-<p:sldLayout xmlns:a="http://schemas.openxmlformats.org/drawingml/2006/main" xmlns:r="http://schemas.openxmlformats.org/officeDocument/2006/relationships" xmlns:mc="http://schemas.openxmlformats.org/markup-compatibility/2006" xmlns:mv="urn:schemas-microsoft-com:mac:vml" xmlns:p="http://schemas.openxmlformats.org/presentationml/2006/main" xmlns:c="http://schemas.openxmlformats.org/drawingml/2006/chart" xmlns:dgm="http://schemas.openxmlformats.org/drawingml/2006/diagram" xmlns:o="urn:schemas-microsoft-com:office:office" xmlns:v="urn:schemas-microsoft-com:vml" xmlns:pvml="urn:schemas-microsoft-com:office:powerpoint" xmlns:com="http://schemas.openxmlformats.org/drawingml/2006/compatibility" xmlns:p14="http://schemas.microsoft.com/office/powerpoint/2010/main" xmlns:p15="http://schemas.microsoft.com/office/powerpoint/2012/main" xmlns:ahyp="http://schemas.microsoft.com/office/drawing/2018/hyperlinkcolor" matchingName="Main point">
+<p:sldLayout xmlns:a="http://schemas.openxmlformats.org/drawingml/2006/main" xmlns:r="http://schemas.openxmlformats.org/officeDocument/2006/relationships" xmlns:p="http://schemas.openxmlformats.org/presentationml/2006/main" matchingName="Main point">
   <p:cSld name="MAIN_POINT">
     <p:bg>
       <p:bgPr>
         <a:solidFill>
           <a:schemeClr val="dk2"/>
         </a:solidFill>
+        <a:effectLst/>
       </p:bgPr>
     </p:bg>
     <p:spTree>
       <p:nvGrpSpPr>
-        <p:cNvPr id="35" name="Shape 35"/>
+        <p:cNvPr id="1" name="Shape 35"/>
         <p:cNvGrpSpPr/>
         <p:nvPr/>
       </p:nvGrpSpPr>
@@ -5397,7 +5443,9 @@
       <p:sp>
         <p:nvSpPr>
           <p:cNvPr id="36" name="Google Shape;36;p8"/>
-          <p:cNvSpPr txBox="1"/>
+          <p:cNvSpPr txBox="1">
+            <a:spLocks noGrp="1"/>
+          </p:cNvSpPr>
           <p:nvPr>
             <p:ph type="title"/>
           </p:nvPr>
@@ -5412,7 +5460,7 @@
           </a:prstGeom>
         </p:spPr>
         <p:txBody>
-          <a:bodyPr anchorCtr="0" anchor="ctr" bIns="91425" lIns="91425" spcFirstLastPara="1" rIns="91425" wrap="square" tIns="91425">
+          <a:bodyPr spcFirstLastPara="1" wrap="square" lIns="91425" tIns="91425" rIns="91425" bIns="91425" anchor="ctr" anchorCtr="0">
             <a:normAutofit/>
           </a:bodyPr>
           <a:lstStyle>
@@ -5429,7 +5477,7 @@
               <a:buSzPts val="4800"/>
               <a:buFont typeface="Lato"/>
               <a:buNone/>
-              <a:defRPr b="0" sz="4800">
+              <a:defRPr sz="4800" b="0">
                 <a:solidFill>
                   <a:schemeClr val="lt1"/>
                 </a:solidFill>
@@ -5452,7 +5500,7 @@
               <a:buSzPts val="4800"/>
               <a:buFont typeface="Lato"/>
               <a:buNone/>
-              <a:defRPr b="0" sz="4800">
+              <a:defRPr sz="4800" b="0">
                 <a:solidFill>
                   <a:schemeClr val="lt1"/>
                 </a:solidFill>
@@ -5475,7 +5523,7 @@
               <a:buSzPts val="4800"/>
               <a:buFont typeface="Lato"/>
               <a:buNone/>
-              <a:defRPr b="0" sz="4800">
+              <a:defRPr sz="4800" b="0">
                 <a:solidFill>
                   <a:schemeClr val="lt1"/>
                 </a:solidFill>
@@ -5498,7 +5546,7 @@
               <a:buSzPts val="4800"/>
               <a:buFont typeface="Lato"/>
               <a:buNone/>
-              <a:defRPr b="0" sz="4800">
+              <a:defRPr sz="4800" b="0">
                 <a:solidFill>
                   <a:schemeClr val="lt1"/>
                 </a:solidFill>
@@ -5521,7 +5569,7 @@
               <a:buSzPts val="4800"/>
               <a:buFont typeface="Lato"/>
               <a:buNone/>
-              <a:defRPr b="0" sz="4800">
+              <a:defRPr sz="4800" b="0">
                 <a:solidFill>
                   <a:schemeClr val="lt1"/>
                 </a:solidFill>
@@ -5544,7 +5592,7 @@
               <a:buSzPts val="4800"/>
               <a:buFont typeface="Lato"/>
               <a:buNone/>
-              <a:defRPr b="0" sz="4800">
+              <a:defRPr sz="4800" b="0">
                 <a:solidFill>
                   <a:schemeClr val="lt1"/>
                 </a:solidFill>
@@ -5567,7 +5615,7 @@
               <a:buSzPts val="4800"/>
               <a:buFont typeface="Lato"/>
               <a:buNone/>
-              <a:defRPr b="0" sz="4800">
+              <a:defRPr sz="4800" b="0">
                 <a:solidFill>
                   <a:schemeClr val="lt1"/>
                 </a:solidFill>
@@ -5590,7 +5638,7 @@
               <a:buSzPts val="4800"/>
               <a:buFont typeface="Lato"/>
               <a:buNone/>
-              <a:defRPr b="0" sz="4800">
+              <a:defRPr sz="4800" b="0">
                 <a:solidFill>
                   <a:schemeClr val="lt1"/>
                 </a:solidFill>
@@ -5613,7 +5661,7 @@
               <a:buSzPts val="4800"/>
               <a:buFont typeface="Lato"/>
               <a:buNone/>
-              <a:defRPr b="0" sz="4800">
+              <a:defRPr sz="4800" b="0">
                 <a:solidFill>
                   <a:schemeClr val="lt1"/>
                 </a:solidFill>
@@ -5624,15 +5672,19 @@
               </a:defRPr>
             </a:lvl9pPr>
           </a:lstStyle>
-          <a:p/>
+          <a:p>
+            <a:endParaRPr/>
+          </a:p>
         </p:txBody>
       </p:sp>
       <p:sp>
         <p:nvSpPr>
           <p:cNvPr id="37" name="Google Shape;37;p8"/>
-          <p:cNvSpPr txBox="1"/>
+          <p:cNvSpPr txBox="1">
+            <a:spLocks noGrp="1"/>
+          </p:cNvSpPr>
           <p:nvPr>
-            <p:ph idx="12" type="sldNum"/>
+            <p:ph type="sldNum" idx="12"/>
           </p:nvPr>
         </p:nvSpPr>
         <p:spPr>
@@ -5645,7 +5697,7 @@
           </a:prstGeom>
         </p:spPr>
         <p:txBody>
-          <a:bodyPr anchorCtr="0" anchor="ctr" bIns="91425" lIns="91425" spcFirstLastPara="1" rIns="91425" wrap="square" tIns="91425">
+          <a:bodyPr spcFirstLastPara="1" wrap="square" lIns="91425" tIns="91425" rIns="91425" bIns="91425" anchor="ctr" anchorCtr="0">
             <a:normAutofit/>
           </a:bodyPr>
           <a:lstStyle>
@@ -5723,7 +5775,7 @@
             </a:lvl9pPr>
           </a:lstStyle>
           <a:p>
-            <a:pPr indent="0" lvl="0" marL="0" rtl="0" algn="r">
+            <a:pPr marL="0" lvl="0" indent="0" algn="r" rtl="0">
               <a:spcBef>
                 <a:spcPts val="0"/>
               </a:spcBef>
@@ -5749,11 +5801,11 @@
 </file>
 
 <file path=ppt/slideLayouts/slideLayout8.xml><?xml version="1.0" encoding="utf-8"?>
-<p:sldLayout xmlns:a="http://schemas.openxmlformats.org/drawingml/2006/main" xmlns:r="http://schemas.openxmlformats.org/officeDocument/2006/relationships" xmlns:mc="http://schemas.openxmlformats.org/markup-compatibility/2006" xmlns:mv="urn:schemas-microsoft-com:mac:vml" xmlns:p="http://schemas.openxmlformats.org/presentationml/2006/main" xmlns:c="http://schemas.openxmlformats.org/drawingml/2006/chart" xmlns:dgm="http://schemas.openxmlformats.org/drawingml/2006/diagram" xmlns:o="urn:schemas-microsoft-com:office:office" xmlns:v="urn:schemas-microsoft-com:vml" xmlns:pvml="urn:schemas-microsoft-com:office:powerpoint" xmlns:com="http://schemas.openxmlformats.org/drawingml/2006/compatibility" xmlns:p14="http://schemas.microsoft.com/office/powerpoint/2010/main" xmlns:p15="http://schemas.microsoft.com/office/powerpoint/2012/main" xmlns:ahyp="http://schemas.microsoft.com/office/drawing/2018/hyperlinkcolor" matchingName="Section title and description">
+<p:sldLayout xmlns:a="http://schemas.openxmlformats.org/drawingml/2006/main" xmlns:r="http://schemas.openxmlformats.org/officeDocument/2006/relationships" xmlns:p="http://schemas.openxmlformats.org/presentationml/2006/main" matchingName="Section title and description">
   <p:cSld name="SECTION_TITLE_AND_DESCRIPTION">
     <p:spTree>
       <p:nvGrpSpPr>
-        <p:cNvPr id="38" name="Shape 38"/>
+        <p:cNvPr id="1" name="Shape 38"/>
         <p:cNvGrpSpPr/>
         <p:nvPr/>
       </p:nvGrpSpPr>
@@ -5787,12 +5839,12 @@
           </a:ln>
         </p:spPr>
         <p:txBody>
-          <a:bodyPr anchorCtr="0" anchor="ctr" bIns="91425" lIns="91425" spcFirstLastPara="1" rIns="91425" wrap="square" tIns="91425">
+          <a:bodyPr spcFirstLastPara="1" wrap="square" lIns="91425" tIns="91425" rIns="91425" bIns="91425" anchor="ctr" anchorCtr="0">
             <a:noAutofit/>
           </a:bodyPr>
           <a:lstStyle/>
           <a:p>
-            <a:pPr indent="0" lvl="0" marL="0" rtl="0" algn="l">
+            <a:pPr marL="0" lvl="0" indent="0" algn="l" rtl="0">
               <a:spcBef>
                 <a:spcPts val="0"/>
               </a:spcBef>
@@ -5801,9 +5853,6 @@
               </a:spcAft>
               <a:buNone/>
             </a:pPr>
-            <a:r>
-              <a:t/>
-            </a:r>
             <a:endParaRPr/>
           </a:p>
         </p:txBody>
@@ -5823,21 +5872,23 @@
             <a:avLst/>
           </a:prstGeom>
           <a:noFill/>
-          <a:ln cap="flat" cmpd="sng" w="19050">
+          <a:ln w="19050" cap="flat" cmpd="sng">
             <a:solidFill>
               <a:schemeClr val="lt1"/>
             </a:solidFill>
             <a:prstDash val="solid"/>
             <a:round/>
-            <a:headEnd len="sm" w="sm" type="none"/>
-            <a:tailEnd len="sm" w="sm" type="none"/>
+            <a:headEnd type="none" w="sm" len="sm"/>
+            <a:tailEnd type="none" w="sm" len="sm"/>
           </a:ln>
         </p:spPr>
       </p:cxnSp>
       <p:sp>
         <p:nvSpPr>
           <p:cNvPr id="41" name="Google Shape;41;p9"/>
-          <p:cNvSpPr txBox="1"/>
+          <p:cNvSpPr txBox="1">
+            <a:spLocks noGrp="1"/>
+          </p:cNvSpPr>
           <p:nvPr>
             <p:ph type="title"/>
           </p:nvPr>
@@ -5852,7 +5903,7 @@
           </a:prstGeom>
         </p:spPr>
         <p:txBody>
-          <a:bodyPr anchorCtr="0" anchor="b" bIns="91425" lIns="91425" spcFirstLastPara="1" rIns="91425" wrap="square" tIns="91425">
+          <a:bodyPr spcFirstLastPara="1" wrap="square" lIns="91425" tIns="91425" rIns="91425" bIns="91425" anchor="b" anchorCtr="0">
             <a:normAutofit/>
           </a:bodyPr>
           <a:lstStyle>
@@ -5956,15 +6007,19 @@
               <a:defRPr sz="4200"/>
             </a:lvl9pPr>
           </a:lstStyle>
-          <a:p/>
+          <a:p>
+            <a:endParaRPr/>
+          </a:p>
         </p:txBody>
       </p:sp>
       <p:sp>
         <p:nvSpPr>
           <p:cNvPr id="42" name="Google Shape;42;p9"/>
-          <p:cNvSpPr txBox="1"/>
+          <p:cNvSpPr txBox="1">
+            <a:spLocks noGrp="1"/>
+          </p:cNvSpPr>
           <p:nvPr>
-            <p:ph idx="1" type="subTitle"/>
+            <p:ph type="subTitle" idx="1"/>
           </p:nvPr>
         </p:nvSpPr>
         <p:spPr>
@@ -5977,7 +6032,7 @@
           </a:prstGeom>
         </p:spPr>
         <p:txBody>
-          <a:bodyPr anchorCtr="0" anchor="t" bIns="91425" lIns="91425" spcFirstLastPara="1" rIns="91425" wrap="square" tIns="91425">
+          <a:bodyPr spcFirstLastPara="1" wrap="square" lIns="91425" tIns="91425" rIns="91425" bIns="91425" anchor="t" anchorCtr="0">
             <a:normAutofit/>
           </a:bodyPr>
           <a:lstStyle>
@@ -6108,15 +6163,19 @@
               <a:defRPr sz="2100"/>
             </a:lvl9pPr>
           </a:lstStyle>
-          <a:p/>
+          <a:p>
+            <a:endParaRPr/>
+          </a:p>
         </p:txBody>
       </p:sp>
       <p:sp>
         <p:nvSpPr>
           <p:cNvPr id="43" name="Google Shape;43;p9"/>
-          <p:cNvSpPr txBox="1"/>
+          <p:cNvSpPr txBox="1">
+            <a:spLocks noGrp="1"/>
+          </p:cNvSpPr>
           <p:nvPr>
-            <p:ph idx="2" type="body"/>
+            <p:ph type="body" idx="2"/>
           </p:nvPr>
         </p:nvSpPr>
         <p:spPr>
@@ -6129,11 +6188,11 @@
           </a:prstGeom>
         </p:spPr>
         <p:txBody>
-          <a:bodyPr anchorCtr="0" anchor="ctr" bIns="91425" lIns="91425" spcFirstLastPara="1" rIns="91425" wrap="square" tIns="91425">
+          <a:bodyPr spcFirstLastPara="1" wrap="square" lIns="91425" tIns="91425" rIns="91425" bIns="91425" anchor="ctr" anchorCtr="0">
             <a:normAutofit/>
           </a:bodyPr>
           <a:lstStyle>
-            <a:lvl1pPr indent="-342900" lvl="0" marL="457200">
+            <a:lvl1pPr marL="457200" lvl="0" indent="-342900">
               <a:spcBef>
                 <a:spcPts val="0"/>
               </a:spcBef>
@@ -6151,7 +6210,7 @@
                 </a:solidFill>
               </a:defRPr>
             </a:lvl1pPr>
-            <a:lvl2pPr indent="-317500" lvl="1" marL="914400">
+            <a:lvl2pPr marL="914400" lvl="1" indent="-317500">
               <a:spcBef>
                 <a:spcPts val="0"/>
               </a:spcBef>
@@ -6169,7 +6228,7 @@
                 </a:solidFill>
               </a:defRPr>
             </a:lvl2pPr>
-            <a:lvl3pPr indent="-317500" lvl="2" marL="1371600">
+            <a:lvl3pPr marL="1371600" lvl="2" indent="-317500">
               <a:spcBef>
                 <a:spcPts val="0"/>
               </a:spcBef>
@@ -6187,7 +6246,7 @@
                 </a:solidFill>
               </a:defRPr>
             </a:lvl3pPr>
-            <a:lvl4pPr indent="-317500" lvl="3" marL="1828800">
+            <a:lvl4pPr marL="1828800" lvl="3" indent="-317500">
               <a:spcBef>
                 <a:spcPts val="0"/>
               </a:spcBef>
@@ -6205,7 +6264,7 @@
                 </a:solidFill>
               </a:defRPr>
             </a:lvl4pPr>
-            <a:lvl5pPr indent="-317500" lvl="4" marL="2286000">
+            <a:lvl5pPr marL="2286000" lvl="4" indent="-317500">
               <a:spcBef>
                 <a:spcPts val="0"/>
               </a:spcBef>
@@ -6223,7 +6282,7 @@
                 </a:solidFill>
               </a:defRPr>
             </a:lvl5pPr>
-            <a:lvl6pPr indent="-317500" lvl="5" marL="2743200">
+            <a:lvl6pPr marL="2743200" lvl="5" indent="-317500">
               <a:spcBef>
                 <a:spcPts val="0"/>
               </a:spcBef>
@@ -6241,7 +6300,7 @@
                 </a:solidFill>
               </a:defRPr>
             </a:lvl6pPr>
-            <a:lvl7pPr indent="-317500" lvl="6" marL="3200400">
+            <a:lvl7pPr marL="3200400" lvl="6" indent="-317500">
               <a:spcBef>
                 <a:spcPts val="0"/>
               </a:spcBef>
@@ -6259,7 +6318,7 @@
                 </a:solidFill>
               </a:defRPr>
             </a:lvl7pPr>
-            <a:lvl8pPr indent="-317500" lvl="7" marL="3657600">
+            <a:lvl8pPr marL="3657600" lvl="7" indent="-317500">
               <a:spcBef>
                 <a:spcPts val="0"/>
               </a:spcBef>
@@ -6277,7 +6336,7 @@
                 </a:solidFill>
               </a:defRPr>
             </a:lvl8pPr>
-            <a:lvl9pPr indent="-317500" lvl="8" marL="4114800">
+            <a:lvl9pPr marL="4114800" lvl="8" indent="-317500">
               <a:spcBef>
                 <a:spcPts val="0"/>
               </a:spcBef>
@@ -6296,15 +6355,19 @@
               </a:defRPr>
             </a:lvl9pPr>
           </a:lstStyle>
-          <a:p/>
+          <a:p>
+            <a:endParaRPr/>
+          </a:p>
         </p:txBody>
       </p:sp>
       <p:sp>
         <p:nvSpPr>
           <p:cNvPr id="44" name="Google Shape;44;p9"/>
-          <p:cNvSpPr txBox="1"/>
+          <p:cNvSpPr txBox="1">
+            <a:spLocks noGrp="1"/>
+          </p:cNvSpPr>
           <p:nvPr>
-            <p:ph idx="12" type="sldNum"/>
+            <p:ph type="sldNum" idx="12"/>
           </p:nvPr>
         </p:nvSpPr>
         <p:spPr>
@@ -6317,7 +6380,7 @@
           </a:prstGeom>
         </p:spPr>
         <p:txBody>
-          <a:bodyPr anchorCtr="0" anchor="ctr" bIns="91425" lIns="91425" spcFirstLastPara="1" rIns="91425" wrap="square" tIns="91425">
+          <a:bodyPr spcFirstLastPara="1" wrap="square" lIns="91425" tIns="91425" rIns="91425" bIns="91425" anchor="ctr" anchorCtr="0">
             <a:normAutofit/>
           </a:bodyPr>
           <a:lstStyle>
@@ -6395,7 +6458,7 @@
             </a:lvl9pPr>
           </a:lstStyle>
           <a:p>
-            <a:pPr indent="0" lvl="0" marL="0" rtl="0" algn="r">
+            <a:pPr marL="0" lvl="0" indent="0" algn="r" rtl="0">
               <a:spcBef>
                 <a:spcPts val="0"/>
               </a:spcBef>
@@ -6421,11 +6484,11 @@
 </file>
 
 <file path=ppt/slideLayouts/slideLayout9.xml><?xml version="1.0" encoding="utf-8"?>
-<p:sldLayout xmlns:a="http://schemas.openxmlformats.org/drawingml/2006/main" xmlns:r="http://schemas.openxmlformats.org/officeDocument/2006/relationships" xmlns:mc="http://schemas.openxmlformats.org/markup-compatibility/2006" xmlns:mv="urn:schemas-microsoft-com:mac:vml" xmlns:p="http://schemas.openxmlformats.org/presentationml/2006/main" xmlns:c="http://schemas.openxmlformats.org/drawingml/2006/chart" xmlns:dgm="http://schemas.openxmlformats.org/drawingml/2006/diagram" xmlns:o="urn:schemas-microsoft-com:office:office" xmlns:v="urn:schemas-microsoft-com:vml" xmlns:pvml="urn:schemas-microsoft-com:office:powerpoint" xmlns:com="http://schemas.openxmlformats.org/drawingml/2006/compatibility" xmlns:p14="http://schemas.microsoft.com/office/powerpoint/2010/main" xmlns:p15="http://schemas.microsoft.com/office/powerpoint/2012/main" xmlns:ahyp="http://schemas.microsoft.com/office/drawing/2018/hyperlinkcolor" matchingName="Caption">
+<p:sldLayout xmlns:a="http://schemas.openxmlformats.org/drawingml/2006/main" xmlns:r="http://schemas.openxmlformats.org/officeDocument/2006/relationships" xmlns:p="http://schemas.openxmlformats.org/presentationml/2006/main" matchingName="Caption">
   <p:cSld name="CAPTION_ONLY">
     <p:spTree>
       <p:nvGrpSpPr>
-        <p:cNvPr id="45" name="Shape 45"/>
+        <p:cNvPr id="1" name="Shape 45"/>
         <p:cNvGrpSpPr/>
         <p:nvPr/>
       </p:nvGrpSpPr>
@@ -6440,9 +6503,11 @@
       <p:sp>
         <p:nvSpPr>
           <p:cNvPr id="46" name="Google Shape;46;p10"/>
-          <p:cNvSpPr txBox="1"/>
+          <p:cNvSpPr txBox="1">
+            <a:spLocks noGrp="1"/>
+          </p:cNvSpPr>
           <p:nvPr>
-            <p:ph idx="1" type="body"/>
+            <p:ph type="body" idx="1"/>
           </p:nvPr>
         </p:nvSpPr>
         <p:spPr>
@@ -6455,11 +6520,11 @@
           </a:prstGeom>
         </p:spPr>
         <p:txBody>
-          <a:bodyPr anchorCtr="0" anchor="ctr" bIns="91425" lIns="91425" spcFirstLastPara="1" rIns="91425" wrap="square" tIns="91425">
+          <a:bodyPr spcFirstLastPara="1" wrap="square" lIns="91425" tIns="91425" rIns="91425" bIns="91425" anchor="ctr" anchorCtr="0">
             <a:normAutofit/>
           </a:bodyPr>
           <a:lstStyle>
-            <a:lvl1pPr indent="-228600" lvl="0" marL="457200">
+            <a:lvl1pPr marL="457200" lvl="0" indent="-228600">
               <a:lnSpc>
                 <a:spcPct val="100000"/>
               </a:lnSpc>
@@ -6474,15 +6539,19 @@
               <a:defRPr/>
             </a:lvl1pPr>
           </a:lstStyle>
-          <a:p/>
+          <a:p>
+            <a:endParaRPr/>
+          </a:p>
         </p:txBody>
       </p:sp>
       <p:sp>
         <p:nvSpPr>
           <p:cNvPr id="47" name="Google Shape;47;p10"/>
-          <p:cNvSpPr txBox="1"/>
+          <p:cNvSpPr txBox="1">
+            <a:spLocks noGrp="1"/>
+          </p:cNvSpPr>
           <p:nvPr>
-            <p:ph idx="12" type="sldNum"/>
+            <p:ph type="sldNum" idx="12"/>
           </p:nvPr>
         </p:nvSpPr>
         <p:spPr>
@@ -6495,7 +6564,7 @@
           </a:prstGeom>
         </p:spPr>
         <p:txBody>
-          <a:bodyPr anchorCtr="0" anchor="ctr" bIns="91425" lIns="91425" spcFirstLastPara="1" rIns="91425" wrap="square" tIns="91425">
+          <a:bodyPr spcFirstLastPara="1" wrap="square" lIns="91425" tIns="91425" rIns="91425" bIns="91425" anchor="ctr" anchorCtr="0">
             <a:normAutofit/>
           </a:bodyPr>
           <a:lstStyle>
@@ -6537,7 +6606,7 @@
             </a:lvl9pPr>
           </a:lstStyle>
           <a:p>
-            <a:pPr indent="0" lvl="0" marL="0" rtl="0" algn="r">
+            <a:pPr marL="0" lvl="0" indent="0" algn="r" rtl="0">
               <a:spcBef>
                 <a:spcPts val="0"/>
               </a:spcBef>
@@ -6563,18 +6632,19 @@
 </file>
 
 <file path=ppt/slideMasters/slideMaster1.xml><?xml version="1.0" encoding="utf-8"?>
-<p:sldMaster xmlns:a="http://schemas.openxmlformats.org/drawingml/2006/main" xmlns:r="http://schemas.openxmlformats.org/officeDocument/2006/relationships" xmlns:mc="http://schemas.openxmlformats.org/markup-compatibility/2006" xmlns:mv="urn:schemas-microsoft-com:mac:vml" xmlns:p="http://schemas.openxmlformats.org/presentationml/2006/main" xmlns:c="http://schemas.openxmlformats.org/drawingml/2006/chart" xmlns:dgm="http://schemas.openxmlformats.org/drawingml/2006/diagram" xmlns:o="urn:schemas-microsoft-com:office:office" xmlns:v="urn:schemas-microsoft-com:vml" xmlns:pvml="urn:schemas-microsoft-com:office:powerpoint" xmlns:com="http://schemas.openxmlformats.org/drawingml/2006/compatibility" xmlns:p14="http://schemas.microsoft.com/office/powerpoint/2010/main" xmlns:p15="http://schemas.microsoft.com/office/powerpoint/2012/main" xmlns:ahyp="http://schemas.microsoft.com/office/drawing/2018/hyperlinkcolor">
+<p:sldMaster xmlns:a="http://schemas.openxmlformats.org/drawingml/2006/main" xmlns:r="http://schemas.openxmlformats.org/officeDocument/2006/relationships" xmlns:p="http://schemas.openxmlformats.org/presentationml/2006/main">
   <p:cSld name="coral">
     <p:bg>
       <p:bgPr>
         <a:solidFill>
           <a:schemeClr val="lt1"/>
         </a:solidFill>
+        <a:effectLst/>
       </p:bgPr>
     </p:bg>
     <p:spTree>
       <p:nvGrpSpPr>
-        <p:cNvPr id="5" name="Shape 5"/>
+        <p:cNvPr id="1" name="Shape 5"/>
         <p:cNvGrpSpPr/>
         <p:nvPr/>
       </p:nvGrpSpPr>
@@ -6589,7 +6659,9 @@
       <p:sp>
         <p:nvSpPr>
           <p:cNvPr id="6" name="Google Shape;6;p1"/>
-          <p:cNvSpPr txBox="1"/>
+          <p:cNvSpPr txBox="1">
+            <a:spLocks noGrp="1"/>
+          </p:cNvSpPr>
           <p:nvPr>
             <p:ph type="title"/>
           </p:nvPr>
@@ -6608,7 +6680,7 @@
           </a:ln>
         </p:spPr>
         <p:txBody>
-          <a:bodyPr anchorCtr="0" anchor="t" bIns="91425" lIns="91425" spcFirstLastPara="1" rIns="91425" wrap="square" tIns="91425">
+          <a:bodyPr spcFirstLastPara="1" wrap="square" lIns="91425" tIns="91425" rIns="91425" bIns="91425" anchor="t" anchorCtr="0">
             <a:normAutofit/>
           </a:bodyPr>
           <a:lstStyle>
@@ -6625,7 +6697,7 @@
               <a:buSzPts val="3200"/>
               <a:buFont typeface="Playfair Display"/>
               <a:buNone/>
-              <a:defRPr b="1" sz="3200">
+              <a:defRPr sz="3200" b="1">
                 <a:solidFill>
                   <a:schemeClr val="dk1"/>
                 </a:solidFill>
@@ -6648,7 +6720,7 @@
               <a:buSzPts val="3200"/>
               <a:buFont typeface="Playfair Display"/>
               <a:buNone/>
-              <a:defRPr b="1" sz="3200">
+              <a:defRPr sz="3200" b="1">
                 <a:solidFill>
                   <a:schemeClr val="dk1"/>
                 </a:solidFill>
@@ -6671,7 +6743,7 @@
               <a:buSzPts val="3200"/>
               <a:buFont typeface="Playfair Display"/>
               <a:buNone/>
-              <a:defRPr b="1" sz="3200">
+              <a:defRPr sz="3200" b="1">
                 <a:solidFill>
                   <a:schemeClr val="dk1"/>
                 </a:solidFill>
@@ -6694,7 +6766,7 @@
               <a:buSzPts val="3200"/>
               <a:buFont typeface="Playfair Display"/>
               <a:buNone/>
-              <a:defRPr b="1" sz="3200">
+              <a:defRPr sz="3200" b="1">
                 <a:solidFill>
                   <a:schemeClr val="dk1"/>
                 </a:solidFill>
@@ -6717,7 +6789,7 @@
               <a:buSzPts val="3200"/>
               <a:buFont typeface="Playfair Display"/>
               <a:buNone/>
-              <a:defRPr b="1" sz="3200">
+              <a:defRPr sz="3200" b="1">
                 <a:solidFill>
                   <a:schemeClr val="dk1"/>
                 </a:solidFill>
@@ -6740,7 +6812,7 @@
               <a:buSzPts val="3200"/>
               <a:buFont typeface="Playfair Display"/>
               <a:buNone/>
-              <a:defRPr b="1" sz="3200">
+              <a:defRPr sz="3200" b="1">
                 <a:solidFill>
                   <a:schemeClr val="dk1"/>
                 </a:solidFill>
@@ -6763,7 +6835,7 @@
               <a:buSzPts val="3200"/>
               <a:buFont typeface="Playfair Display"/>
               <a:buNone/>
-              <a:defRPr b="1" sz="3200">
+              <a:defRPr sz="3200" b="1">
                 <a:solidFill>
                   <a:schemeClr val="dk1"/>
                 </a:solidFill>
@@ -6786,7 +6858,7 @@
               <a:buSzPts val="3200"/>
               <a:buFont typeface="Playfair Display"/>
               <a:buNone/>
-              <a:defRPr b="1" sz="3200">
+              <a:defRPr sz="3200" b="1">
                 <a:solidFill>
                   <a:schemeClr val="dk1"/>
                 </a:solidFill>
@@ -6809,7 +6881,7 @@
               <a:buSzPts val="3200"/>
               <a:buFont typeface="Playfair Display"/>
               <a:buNone/>
-              <a:defRPr b="1" sz="3200">
+              <a:defRPr sz="3200" b="1">
                 <a:solidFill>
                   <a:schemeClr val="dk1"/>
                 </a:solidFill>
@@ -6820,15 +6892,19 @@
               </a:defRPr>
             </a:lvl9pPr>
           </a:lstStyle>
-          <a:p/>
+          <a:p>
+            <a:endParaRPr/>
+          </a:p>
         </p:txBody>
       </p:sp>
       <p:sp>
         <p:nvSpPr>
           <p:cNvPr id="7" name="Google Shape;7;p1"/>
-          <p:cNvSpPr txBox="1"/>
+          <p:cNvSpPr txBox="1">
+            <a:spLocks noGrp="1"/>
+          </p:cNvSpPr>
           <p:nvPr>
-            <p:ph idx="1" type="body"/>
+            <p:ph type="body" idx="1"/>
           </p:nvPr>
         </p:nvSpPr>
         <p:spPr>
@@ -6845,11 +6921,11 @@
           </a:ln>
         </p:spPr>
         <p:txBody>
-          <a:bodyPr anchorCtr="0" anchor="t" bIns="91425" lIns="91425" spcFirstLastPara="1" rIns="91425" wrap="square" tIns="91425">
+          <a:bodyPr spcFirstLastPara="1" wrap="square" lIns="91425" tIns="91425" rIns="91425" bIns="91425" anchor="t" anchorCtr="0">
             <a:normAutofit/>
           </a:bodyPr>
           <a:lstStyle>
-            <a:lvl1pPr indent="-342900" lvl="0" marL="457200">
+            <a:lvl1pPr marL="457200" lvl="0" indent="-342900">
               <a:lnSpc>
                 <a:spcPct val="115000"/>
               </a:lnSpc>
@@ -6875,7 +6951,7 @@
                 <a:sym typeface="Lato"/>
               </a:defRPr>
             </a:lvl1pPr>
-            <a:lvl2pPr indent="-317500" lvl="1" marL="914400">
+            <a:lvl2pPr marL="914400" lvl="1" indent="-317500">
               <a:lnSpc>
                 <a:spcPct val="115000"/>
               </a:lnSpc>
@@ -6901,7 +6977,7 @@
                 <a:sym typeface="Lato"/>
               </a:defRPr>
             </a:lvl2pPr>
-            <a:lvl3pPr indent="-317500" lvl="2" marL="1371600">
+            <a:lvl3pPr marL="1371600" lvl="2" indent="-317500">
               <a:lnSpc>
                 <a:spcPct val="115000"/>
               </a:lnSpc>
@@ -6927,7 +7003,7 @@
                 <a:sym typeface="Lato"/>
               </a:defRPr>
             </a:lvl3pPr>
-            <a:lvl4pPr indent="-317500" lvl="3" marL="1828800">
+            <a:lvl4pPr marL="1828800" lvl="3" indent="-317500">
               <a:lnSpc>
                 <a:spcPct val="115000"/>
               </a:lnSpc>
@@ -6953,7 +7029,7 @@
                 <a:sym typeface="Lato"/>
               </a:defRPr>
             </a:lvl4pPr>
-            <a:lvl5pPr indent="-317500" lvl="4" marL="2286000">
+            <a:lvl5pPr marL="2286000" lvl="4" indent="-317500">
               <a:lnSpc>
                 <a:spcPct val="115000"/>
               </a:lnSpc>
@@ -6979,7 +7055,7 @@
                 <a:sym typeface="Lato"/>
               </a:defRPr>
             </a:lvl5pPr>
-            <a:lvl6pPr indent="-317500" lvl="5" marL="2743200">
+            <a:lvl6pPr marL="2743200" lvl="5" indent="-317500">
               <a:lnSpc>
                 <a:spcPct val="115000"/>
               </a:lnSpc>
@@ -7005,7 +7081,7 @@
                 <a:sym typeface="Lato"/>
               </a:defRPr>
             </a:lvl6pPr>
-            <a:lvl7pPr indent="-317500" lvl="6" marL="3200400">
+            <a:lvl7pPr marL="3200400" lvl="6" indent="-317500">
               <a:lnSpc>
                 <a:spcPct val="115000"/>
               </a:lnSpc>
@@ -7031,7 +7107,7 @@
                 <a:sym typeface="Lato"/>
               </a:defRPr>
             </a:lvl7pPr>
-            <a:lvl8pPr indent="-317500" lvl="7" marL="3657600">
+            <a:lvl8pPr marL="3657600" lvl="7" indent="-317500">
               <a:lnSpc>
                 <a:spcPct val="115000"/>
               </a:lnSpc>
@@ -7057,7 +7133,7 @@
                 <a:sym typeface="Lato"/>
               </a:defRPr>
             </a:lvl8pPr>
-            <a:lvl9pPr indent="-317500" lvl="8" marL="4114800">
+            <a:lvl9pPr marL="4114800" lvl="8" indent="-317500">
               <a:lnSpc>
                 <a:spcPct val="115000"/>
               </a:lnSpc>
@@ -7084,15 +7160,19 @@
               </a:defRPr>
             </a:lvl9pPr>
           </a:lstStyle>
-          <a:p/>
+          <a:p>
+            <a:endParaRPr/>
+          </a:p>
         </p:txBody>
       </p:sp>
       <p:sp>
         <p:nvSpPr>
           <p:cNvPr id="8" name="Google Shape;8;p1"/>
-          <p:cNvSpPr txBox="1"/>
+          <p:cNvSpPr txBox="1">
+            <a:spLocks noGrp="1"/>
+          </p:cNvSpPr>
           <p:nvPr>
-            <p:ph idx="12" type="sldNum"/>
+            <p:ph type="sldNum" idx="12"/>
           </p:nvPr>
         </p:nvSpPr>
         <p:spPr>
@@ -7109,7 +7189,7 @@
           </a:ln>
         </p:spPr>
         <p:txBody>
-          <a:bodyPr anchorCtr="0" anchor="ctr" bIns="91425" lIns="91425" spcFirstLastPara="1" rIns="91425" wrap="square" tIns="91425">
+          <a:bodyPr spcFirstLastPara="1" wrap="square" lIns="91425" tIns="91425" rIns="91425" bIns="91425" anchor="ctr" anchorCtr="0">
             <a:normAutofit/>
           </a:bodyPr>
           <a:lstStyle>
@@ -7223,7 +7303,7 @@
             </a:lvl9pPr>
           </a:lstStyle>
           <a:p>
-            <a:pPr indent="0" lvl="0" marL="0" rtl="0" algn="r">
+            <a:pPr marL="0" lvl="0" indent="0" algn="r" rtl="0">
               <a:spcBef>
                 <a:spcPts val="0"/>
               </a:spcBef>
@@ -7242,7 +7322,7 @@
       </p:sp>
     </p:spTree>
   </p:cSld>
-  <p:clrMap accent1="accent1" accent2="accent2" accent3="accent3" accent4="accent4" accent5="accent5" accent6="accent6" bg1="lt1" bg2="dk2" tx1="dk1" tx2="lt2" folHlink="folHlink" hlink="hlink"/>
+  <p:clrMap bg1="lt1" tx1="dk1" bg2="dk2" tx2="lt2" accent1="accent1" accent2="accent2" accent3="accent3" accent4="accent4" accent5="accent5" accent6="accent6" hlink="hlink" folHlink="folHlink"/>
   <p:sldLayoutIdLst>
     <p:sldLayoutId id="2147483648" r:id="rId1"/>
     <p:sldLayoutId id="2147483649" r:id="rId2"/>
@@ -7256,10 +7336,10 @@
     <p:sldLayoutId id="2147483657" r:id="rId10"/>
     <p:sldLayoutId id="2147483658" r:id="rId11"/>
   </p:sldLayoutIdLst>
-  <p:hf dt="0" ftr="0" hdr="0" sldNum="0"/>
+  <p:hf sldNum="0" hdr="0" ftr="0" dt="0"/>
   <p:txStyles>
     <p:titleStyle>
-      <a:defPPr lvl="0" marR="0" rtl="0" algn="l">
+      <a:defPPr marR="0" lvl="0" algn="l" rtl="0">
         <a:lnSpc>
           <a:spcPct val="100000"/>
         </a:lnSpc>
@@ -7270,7 +7350,7 @@
           <a:spcPts val="0"/>
         </a:spcAft>
       </a:defPPr>
-      <a:lvl1pPr lvl="0" marR="0" rtl="0" algn="l">
+      <a:lvl1pPr marR="0" lvl="0" algn="l" rtl="0">
         <a:lnSpc>
           <a:spcPct val="100000"/>
         </a:lnSpc>
@@ -7284,7 +7364,7 @@
           <a:srgbClr val="000000"/>
         </a:buClr>
         <a:buFont typeface="Arial"/>
-        <a:defRPr b="0" i="0" sz="1400" u="none" cap="none" strike="noStrike">
+        <a:defRPr sz="1400" b="0" i="0" u="none" strike="noStrike" cap="none">
           <a:solidFill>
             <a:srgbClr val="000000"/>
           </a:solidFill>
@@ -7294,7 +7374,7 @@
           <a:sym typeface="Arial"/>
         </a:defRPr>
       </a:lvl1pPr>
-      <a:lvl2pPr lvl="1" marR="0" rtl="0" algn="l">
+      <a:lvl2pPr marR="0" lvl="1" algn="l" rtl="0">
         <a:lnSpc>
           <a:spcPct val="100000"/>
         </a:lnSpc>
@@ -7308,7 +7388,7 @@
           <a:srgbClr val="000000"/>
         </a:buClr>
         <a:buFont typeface="Arial"/>
-        <a:defRPr b="0" i="0" sz="1400" u="none" cap="none" strike="noStrike">
+        <a:defRPr sz="1400" b="0" i="0" u="none" strike="noStrike" cap="none">
           <a:solidFill>
             <a:srgbClr val="000000"/>
           </a:solidFill>
@@ -7318,7 +7398,7 @@
           <a:sym typeface="Arial"/>
         </a:defRPr>
       </a:lvl2pPr>
-      <a:lvl3pPr lvl="2" marR="0" rtl="0" algn="l">
+      <a:lvl3pPr marR="0" lvl="2" algn="l" rtl="0">
         <a:lnSpc>
           <a:spcPct val="100000"/>
         </a:lnSpc>
@@ -7332,7 +7412,7 @@
           <a:srgbClr val="000000"/>
         </a:buClr>
         <a:buFont typeface="Arial"/>
-        <a:defRPr b="0" i="0" sz="1400" u="none" cap="none" strike="noStrike">
+        <a:defRPr sz="1400" b="0" i="0" u="none" strike="noStrike" cap="none">
           <a:solidFill>
             <a:srgbClr val="000000"/>
           </a:solidFill>
@@ -7342,7 +7422,7 @@
           <a:sym typeface="Arial"/>
         </a:defRPr>
       </a:lvl3pPr>
-      <a:lvl4pPr lvl="3" marR="0" rtl="0" algn="l">
+      <a:lvl4pPr marR="0" lvl="3" algn="l" rtl="0">
         <a:lnSpc>
           <a:spcPct val="100000"/>
         </a:lnSpc>
@@ -7356,7 +7436,7 @@
           <a:srgbClr val="000000"/>
         </a:buClr>
         <a:buFont typeface="Arial"/>
-        <a:defRPr b="0" i="0" sz="1400" u="none" cap="none" strike="noStrike">
+        <a:defRPr sz="1400" b="0" i="0" u="none" strike="noStrike" cap="none">
           <a:solidFill>
             <a:srgbClr val="000000"/>
           </a:solidFill>
@@ -7366,7 +7446,7 @@
           <a:sym typeface="Arial"/>
         </a:defRPr>
       </a:lvl4pPr>
-      <a:lvl5pPr lvl="4" marR="0" rtl="0" algn="l">
+      <a:lvl5pPr marR="0" lvl="4" algn="l" rtl="0">
         <a:lnSpc>
           <a:spcPct val="100000"/>
         </a:lnSpc>
@@ -7380,7 +7460,7 @@
           <a:srgbClr val="000000"/>
         </a:buClr>
         <a:buFont typeface="Arial"/>
-        <a:defRPr b="0" i="0" sz="1400" u="none" cap="none" strike="noStrike">
+        <a:defRPr sz="1400" b="0" i="0" u="none" strike="noStrike" cap="none">
           <a:solidFill>
             <a:srgbClr val="000000"/>
           </a:solidFill>
@@ -7390,7 +7470,7 @@
           <a:sym typeface="Arial"/>
         </a:defRPr>
       </a:lvl5pPr>
-      <a:lvl6pPr lvl="5" marR="0" rtl="0" algn="l">
+      <a:lvl6pPr marR="0" lvl="5" algn="l" rtl="0">
         <a:lnSpc>
           <a:spcPct val="100000"/>
         </a:lnSpc>
@@ -7404,7 +7484,7 @@
           <a:srgbClr val="000000"/>
         </a:buClr>
         <a:buFont typeface="Arial"/>
-        <a:defRPr b="0" i="0" sz="1400" u="none" cap="none" strike="noStrike">
+        <a:defRPr sz="1400" b="0" i="0" u="none" strike="noStrike" cap="none">
           <a:solidFill>
             <a:srgbClr val="000000"/>
           </a:solidFill>
@@ -7414,7 +7494,7 @@
           <a:sym typeface="Arial"/>
         </a:defRPr>
       </a:lvl6pPr>
-      <a:lvl7pPr lvl="6" marR="0" rtl="0" algn="l">
+      <a:lvl7pPr marR="0" lvl="6" algn="l" rtl="0">
         <a:lnSpc>
           <a:spcPct val="100000"/>
         </a:lnSpc>
@@ -7428,7 +7508,7 @@
           <a:srgbClr val="000000"/>
         </a:buClr>
         <a:buFont typeface="Arial"/>
-        <a:defRPr b="0" i="0" sz="1400" u="none" cap="none" strike="noStrike">
+        <a:defRPr sz="1400" b="0" i="0" u="none" strike="noStrike" cap="none">
           <a:solidFill>
             <a:srgbClr val="000000"/>
           </a:solidFill>
@@ -7438,7 +7518,7 @@
           <a:sym typeface="Arial"/>
         </a:defRPr>
       </a:lvl7pPr>
-      <a:lvl8pPr lvl="7" marR="0" rtl="0" algn="l">
+      <a:lvl8pPr marR="0" lvl="7" algn="l" rtl="0">
         <a:lnSpc>
           <a:spcPct val="100000"/>
         </a:lnSpc>
@@ -7452,7 +7532,7 @@
           <a:srgbClr val="000000"/>
         </a:buClr>
         <a:buFont typeface="Arial"/>
-        <a:defRPr b="0" i="0" sz="1400" u="none" cap="none" strike="noStrike">
+        <a:defRPr sz="1400" b="0" i="0" u="none" strike="noStrike" cap="none">
           <a:solidFill>
             <a:srgbClr val="000000"/>
           </a:solidFill>
@@ -7462,7 +7542,7 @@
           <a:sym typeface="Arial"/>
         </a:defRPr>
       </a:lvl8pPr>
-      <a:lvl9pPr lvl="8" marR="0" rtl="0" algn="l">
+      <a:lvl9pPr marR="0" lvl="8" algn="l" rtl="0">
         <a:lnSpc>
           <a:spcPct val="100000"/>
         </a:lnSpc>
@@ -7476,7 +7556,7 @@
           <a:srgbClr val="000000"/>
         </a:buClr>
         <a:buFont typeface="Arial"/>
-        <a:defRPr b="0" i="0" sz="1400" u="none" cap="none" strike="noStrike">
+        <a:defRPr sz="1400" b="0" i="0" u="none" strike="noStrike" cap="none">
           <a:solidFill>
             <a:srgbClr val="000000"/>
           </a:solidFill>
@@ -7488,7 +7568,7 @@
       </a:lvl9pPr>
     </p:titleStyle>
     <p:bodyStyle>
-      <a:defPPr lvl="0" marR="0" rtl="0" algn="l">
+      <a:defPPr marR="0" lvl="0" algn="l" rtl="0">
         <a:lnSpc>
           <a:spcPct val="100000"/>
         </a:lnSpc>
@@ -7499,7 +7579,7 @@
           <a:spcPts val="0"/>
         </a:spcAft>
       </a:defPPr>
-      <a:lvl1pPr lvl="0" marR="0" rtl="0" algn="l">
+      <a:lvl1pPr marR="0" lvl="0" algn="l" rtl="0">
         <a:lnSpc>
           <a:spcPct val="100000"/>
         </a:lnSpc>
@@ -7513,7 +7593,7 @@
           <a:srgbClr val="000000"/>
         </a:buClr>
         <a:buFont typeface="Arial"/>
-        <a:defRPr b="0" i="0" sz="1400" u="none" cap="none" strike="noStrike">
+        <a:defRPr sz="1400" b="0" i="0" u="none" strike="noStrike" cap="none">
           <a:solidFill>
             <a:srgbClr val="000000"/>
           </a:solidFill>
@@ -7523,7 +7603,7 @@
           <a:sym typeface="Arial"/>
         </a:defRPr>
       </a:lvl1pPr>
-      <a:lvl2pPr lvl="1" marR="0" rtl="0" algn="l">
+      <a:lvl2pPr marR="0" lvl="1" algn="l" rtl="0">
         <a:lnSpc>
           <a:spcPct val="100000"/>
         </a:lnSpc>
@@ -7537,7 +7617,7 @@
           <a:srgbClr val="000000"/>
         </a:buClr>
         <a:buFont typeface="Arial"/>
-        <a:defRPr b="0" i="0" sz="1400" u="none" cap="none" strike="noStrike">
+        <a:defRPr sz="1400" b="0" i="0" u="none" strike="noStrike" cap="none">
           <a:solidFill>
             <a:srgbClr val="000000"/>
           </a:solidFill>
@@ -7547,7 +7627,7 @@
           <a:sym typeface="Arial"/>
         </a:defRPr>
       </a:lvl2pPr>
-      <a:lvl3pPr lvl="2" marR="0" rtl="0" algn="l">
+      <a:lvl3pPr marR="0" lvl="2" algn="l" rtl="0">
         <a:lnSpc>
           <a:spcPct val="100000"/>
         </a:lnSpc>
@@ -7561,7 +7641,7 @@
           <a:srgbClr val="000000"/>
         </a:buClr>
         <a:buFont typeface="Arial"/>
-        <a:defRPr b="0" i="0" sz="1400" u="none" cap="none" strike="noStrike">
+        <a:defRPr sz="1400" b="0" i="0" u="none" strike="noStrike" cap="none">
           <a:solidFill>
             <a:srgbClr val="000000"/>
           </a:solidFill>
@@ -7571,7 +7651,7 @@
           <a:sym typeface="Arial"/>
         </a:defRPr>
       </a:lvl3pPr>
-      <a:lvl4pPr lvl="3" marR="0" rtl="0" algn="l">
+      <a:lvl4pPr marR="0" lvl="3" algn="l" rtl="0">
         <a:lnSpc>
           <a:spcPct val="100000"/>
         </a:lnSpc>
@@ -7585,7 +7665,7 @@
           <a:srgbClr val="000000"/>
         </a:buClr>
         <a:buFont typeface="Arial"/>
-        <a:defRPr b="0" i="0" sz="1400" u="none" cap="none" strike="noStrike">
+        <a:defRPr sz="1400" b="0" i="0" u="none" strike="noStrike" cap="none">
           <a:solidFill>
             <a:srgbClr val="000000"/>
           </a:solidFill>
@@ -7595,7 +7675,7 @@
           <a:sym typeface="Arial"/>
         </a:defRPr>
       </a:lvl4pPr>
-      <a:lvl5pPr lvl="4" marR="0" rtl="0" algn="l">
+      <a:lvl5pPr marR="0" lvl="4" algn="l" rtl="0">
         <a:lnSpc>
           <a:spcPct val="100000"/>
         </a:lnSpc>
@@ -7609,7 +7689,7 @@
           <a:srgbClr val="000000"/>
         </a:buClr>
         <a:buFont typeface="Arial"/>
-        <a:defRPr b="0" i="0" sz="1400" u="none" cap="none" strike="noStrike">
+        <a:defRPr sz="1400" b="0" i="0" u="none" strike="noStrike" cap="none">
           <a:solidFill>
             <a:srgbClr val="000000"/>
           </a:solidFill>
@@ -7619,7 +7699,7 @@
           <a:sym typeface="Arial"/>
         </a:defRPr>
       </a:lvl5pPr>
-      <a:lvl6pPr lvl="5" marR="0" rtl="0" algn="l">
+      <a:lvl6pPr marR="0" lvl="5" algn="l" rtl="0">
         <a:lnSpc>
           <a:spcPct val="100000"/>
         </a:lnSpc>
@@ -7633,7 +7713,7 @@
           <a:srgbClr val="000000"/>
         </a:buClr>
         <a:buFont typeface="Arial"/>
-        <a:defRPr b="0" i="0" sz="1400" u="none" cap="none" strike="noStrike">
+        <a:defRPr sz="1400" b="0" i="0" u="none" strike="noStrike" cap="none">
           <a:solidFill>
             <a:srgbClr val="000000"/>
           </a:solidFill>
@@ -7643,7 +7723,7 @@
           <a:sym typeface="Arial"/>
         </a:defRPr>
       </a:lvl6pPr>
-      <a:lvl7pPr lvl="6" marR="0" rtl="0" algn="l">
+      <a:lvl7pPr marR="0" lvl="6" algn="l" rtl="0">
         <a:lnSpc>
           <a:spcPct val="100000"/>
         </a:lnSpc>
@@ -7657,7 +7737,7 @@
           <a:srgbClr val="000000"/>
         </a:buClr>
         <a:buFont typeface="Arial"/>
-        <a:defRPr b="0" i="0" sz="1400" u="none" cap="none" strike="noStrike">
+        <a:defRPr sz="1400" b="0" i="0" u="none" strike="noStrike" cap="none">
           <a:solidFill>
             <a:srgbClr val="000000"/>
           </a:solidFill>
@@ -7667,7 +7747,7 @@
           <a:sym typeface="Arial"/>
         </a:defRPr>
       </a:lvl7pPr>
-      <a:lvl8pPr lvl="7" marR="0" rtl="0" algn="l">
+      <a:lvl8pPr marR="0" lvl="7" algn="l" rtl="0">
         <a:lnSpc>
           <a:spcPct val="100000"/>
         </a:lnSpc>
@@ -7681,7 +7761,7 @@
           <a:srgbClr val="000000"/>
         </a:buClr>
         <a:buFont typeface="Arial"/>
-        <a:defRPr b="0" i="0" sz="1400" u="none" cap="none" strike="noStrike">
+        <a:defRPr sz="1400" b="0" i="0" u="none" strike="noStrike" cap="none">
           <a:solidFill>
             <a:srgbClr val="000000"/>
           </a:solidFill>
@@ -7691,7 +7771,7 @@
           <a:sym typeface="Arial"/>
         </a:defRPr>
       </a:lvl8pPr>
-      <a:lvl9pPr lvl="8" marR="0" rtl="0" algn="l">
+      <a:lvl9pPr marR="0" lvl="8" algn="l" rtl="0">
         <a:lnSpc>
           <a:spcPct val="100000"/>
         </a:lnSpc>
@@ -7705,7 +7785,7 @@
           <a:srgbClr val="000000"/>
         </a:buClr>
         <a:buFont typeface="Arial"/>
-        <a:defRPr b="0" i="0" sz="1400" u="none" cap="none" strike="noStrike">
+        <a:defRPr sz="1400" b="0" i="0" u="none" strike="noStrike" cap="none">
           <a:solidFill>
             <a:srgbClr val="000000"/>
           </a:solidFill>
@@ -7717,7 +7797,7 @@
       </a:lvl9pPr>
     </p:bodyStyle>
     <p:otherStyle>
-      <a:defPPr lvl="0" marR="0" rtl="0" algn="l">
+      <a:defPPr marR="0" lvl="0" algn="l" rtl="0">
         <a:lnSpc>
           <a:spcPct val="100000"/>
         </a:lnSpc>
@@ -7728,7 +7808,7 @@
           <a:spcPts val="0"/>
         </a:spcAft>
       </a:defPPr>
-      <a:lvl1pPr lvl="0" marR="0" rtl="0" algn="l">
+      <a:lvl1pPr marR="0" lvl="0" algn="l" rtl="0">
         <a:lnSpc>
           <a:spcPct val="100000"/>
         </a:lnSpc>
@@ -7742,7 +7822,7 @@
           <a:srgbClr val="000000"/>
         </a:buClr>
         <a:buFont typeface="Arial"/>
-        <a:defRPr b="0" i="0" sz="1400" u="none" cap="none" strike="noStrike">
+        <a:defRPr sz="1400" b="0" i="0" u="none" strike="noStrike" cap="none">
           <a:solidFill>
             <a:srgbClr val="000000"/>
           </a:solidFill>
@@ -7752,7 +7832,7 @@
           <a:sym typeface="Arial"/>
         </a:defRPr>
       </a:lvl1pPr>
-      <a:lvl2pPr lvl="1" marR="0" rtl="0" algn="l">
+      <a:lvl2pPr marR="0" lvl="1" algn="l" rtl="0">
         <a:lnSpc>
           <a:spcPct val="100000"/>
         </a:lnSpc>
@@ -7766,7 +7846,7 @@
           <a:srgbClr val="000000"/>
         </a:buClr>
         <a:buFont typeface="Arial"/>
-        <a:defRPr b="0" i="0" sz="1400" u="none" cap="none" strike="noStrike">
+        <a:defRPr sz="1400" b="0" i="0" u="none" strike="noStrike" cap="none">
           <a:solidFill>
             <a:srgbClr val="000000"/>
           </a:solidFill>
@@ -7776,7 +7856,7 @@
           <a:sym typeface="Arial"/>
         </a:defRPr>
       </a:lvl2pPr>
-      <a:lvl3pPr lvl="2" marR="0" rtl="0" algn="l">
+      <a:lvl3pPr marR="0" lvl="2" algn="l" rtl="0">
         <a:lnSpc>
           <a:spcPct val="100000"/>
         </a:lnSpc>
@@ -7790,7 +7870,7 @@
           <a:srgbClr val="000000"/>
         </a:buClr>
         <a:buFont typeface="Arial"/>
-        <a:defRPr b="0" i="0" sz="1400" u="none" cap="none" strike="noStrike">
+        <a:defRPr sz="1400" b="0" i="0" u="none" strike="noStrike" cap="none">
           <a:solidFill>
             <a:srgbClr val="000000"/>
           </a:solidFill>
@@ -7800,7 +7880,7 @@
           <a:sym typeface="Arial"/>
         </a:defRPr>
       </a:lvl3pPr>
-      <a:lvl4pPr lvl="3" marR="0" rtl="0" algn="l">
+      <a:lvl4pPr marR="0" lvl="3" algn="l" rtl="0">
         <a:lnSpc>
           <a:spcPct val="100000"/>
         </a:lnSpc>
@@ -7814,7 +7894,7 @@
           <a:srgbClr val="000000"/>
         </a:buClr>
         <a:buFont typeface="Arial"/>
-        <a:defRPr b="0" i="0" sz="1400" u="none" cap="none" strike="noStrike">
+        <a:defRPr sz="1400" b="0" i="0" u="none" strike="noStrike" cap="none">
           <a:solidFill>
             <a:srgbClr val="000000"/>
           </a:solidFill>
@@ -7824,7 +7904,7 @@
           <a:sym typeface="Arial"/>
         </a:defRPr>
       </a:lvl4pPr>
-      <a:lvl5pPr lvl="4" marR="0" rtl="0" algn="l">
+      <a:lvl5pPr marR="0" lvl="4" algn="l" rtl="0">
         <a:lnSpc>
           <a:spcPct val="100000"/>
         </a:lnSpc>
@@ -7838,7 +7918,7 @@
           <a:srgbClr val="000000"/>
         </a:buClr>
         <a:buFont typeface="Arial"/>
-        <a:defRPr b="0" i="0" sz="1400" u="none" cap="none" strike="noStrike">
+        <a:defRPr sz="1400" b="0" i="0" u="none" strike="noStrike" cap="none">
           <a:solidFill>
             <a:srgbClr val="000000"/>
           </a:solidFill>
@@ -7848,7 +7928,7 @@
           <a:sym typeface="Arial"/>
         </a:defRPr>
       </a:lvl5pPr>
-      <a:lvl6pPr lvl="5" marR="0" rtl="0" algn="l">
+      <a:lvl6pPr marR="0" lvl="5" algn="l" rtl="0">
         <a:lnSpc>
           <a:spcPct val="100000"/>
         </a:lnSpc>
@@ -7862,7 +7942,7 @@
           <a:srgbClr val="000000"/>
         </a:buClr>
         <a:buFont typeface="Arial"/>
-        <a:defRPr b="0" i="0" sz="1400" u="none" cap="none" strike="noStrike">
+        <a:defRPr sz="1400" b="0" i="0" u="none" strike="noStrike" cap="none">
           <a:solidFill>
             <a:srgbClr val="000000"/>
           </a:solidFill>
@@ -7872,7 +7952,7 @@
           <a:sym typeface="Arial"/>
         </a:defRPr>
       </a:lvl6pPr>
-      <a:lvl7pPr lvl="6" marR="0" rtl="0" algn="l">
+      <a:lvl7pPr marR="0" lvl="6" algn="l" rtl="0">
         <a:lnSpc>
           <a:spcPct val="100000"/>
         </a:lnSpc>
@@ -7886,7 +7966,7 @@
           <a:srgbClr val="000000"/>
         </a:buClr>
         <a:buFont typeface="Arial"/>
-        <a:defRPr b="0" i="0" sz="1400" u="none" cap="none" strike="noStrike">
+        <a:defRPr sz="1400" b="0" i="0" u="none" strike="noStrike" cap="none">
           <a:solidFill>
             <a:srgbClr val="000000"/>
           </a:solidFill>
@@ -7896,7 +7976,7 @@
           <a:sym typeface="Arial"/>
         </a:defRPr>
       </a:lvl7pPr>
-      <a:lvl8pPr lvl="7" marR="0" rtl="0" algn="l">
+      <a:lvl8pPr marR="0" lvl="7" algn="l" rtl="0">
         <a:lnSpc>
           <a:spcPct val="100000"/>
         </a:lnSpc>
@@ -7910,7 +7990,7 @@
           <a:srgbClr val="000000"/>
         </a:buClr>
         <a:buFont typeface="Arial"/>
-        <a:defRPr b="0" i="0" sz="1400" u="none" cap="none" strike="noStrike">
+        <a:defRPr sz="1400" b="0" i="0" u="none" strike="noStrike" cap="none">
           <a:solidFill>
             <a:srgbClr val="000000"/>
           </a:solidFill>
@@ -7920,7 +8000,7 @@
           <a:sym typeface="Arial"/>
         </a:defRPr>
       </a:lvl8pPr>
-      <a:lvl9pPr lvl="8" marR="0" rtl="0" algn="l">
+      <a:lvl9pPr marR="0" lvl="8" algn="l" rtl="0">
         <a:lnSpc>
           <a:spcPct val="100000"/>
         </a:lnSpc>
@@ -7934,7 +8014,7 @@
           <a:srgbClr val="000000"/>
         </a:buClr>
         <a:buFont typeface="Arial"/>
-        <a:defRPr b="0" i="0" sz="1400" u="none" cap="none" strike="noStrike">
+        <a:defRPr sz="1400" b="0" i="0" u="none" strike="noStrike" cap="none">
           <a:solidFill>
             <a:srgbClr val="000000"/>
           </a:solidFill>
@@ -7950,11 +8030,11 @@
 </file>
 
 <file path=ppt/slides/slide1.xml><?xml version="1.0" encoding="utf-8"?>
-<p:sld xmlns:a="http://schemas.openxmlformats.org/drawingml/2006/main" xmlns:r="http://schemas.openxmlformats.org/officeDocument/2006/relationships" xmlns:mc="http://schemas.openxmlformats.org/markup-compatibility/2006" xmlns:mv="urn:schemas-microsoft-com:mac:vml" xmlns:p="http://schemas.openxmlformats.org/presentationml/2006/main" xmlns:c="http://schemas.openxmlformats.org/drawingml/2006/chart" xmlns:dgm="http://schemas.openxmlformats.org/drawingml/2006/diagram" xmlns:o="urn:schemas-microsoft-com:office:office" xmlns:v="urn:schemas-microsoft-com:vml" xmlns:pvml="urn:schemas-microsoft-com:office:powerpoint" xmlns:com="http://schemas.openxmlformats.org/drawingml/2006/compatibility" xmlns:p14="http://schemas.microsoft.com/office/powerpoint/2010/main" xmlns:p15="http://schemas.microsoft.com/office/powerpoint/2012/main" xmlns:ahyp="http://schemas.microsoft.com/office/drawing/2018/hyperlinkcolor">
+<p:sld xmlns:a="http://schemas.openxmlformats.org/drawingml/2006/main" xmlns:r="http://schemas.openxmlformats.org/officeDocument/2006/relationships" xmlns:p="http://schemas.openxmlformats.org/presentationml/2006/main">
   <p:cSld>
     <p:spTree>
       <p:nvGrpSpPr>
-        <p:cNvPr id="58" name="Shape 58"/>
+        <p:cNvPr id="1" name="Shape 58"/>
         <p:cNvGrpSpPr/>
         <p:nvPr/>
       </p:nvGrpSpPr>
@@ -7969,7 +8049,9 @@
       <p:sp>
         <p:nvSpPr>
           <p:cNvPr id="59" name="Google Shape;59;p13"/>
-          <p:cNvSpPr txBox="1"/>
+          <p:cNvSpPr txBox="1">
+            <a:spLocks noGrp="1"/>
+          </p:cNvSpPr>
           <p:nvPr>
             <p:ph type="ctrTitle"/>
           </p:nvPr>
@@ -7984,12 +8066,12 @@
           </a:prstGeom>
         </p:spPr>
         <p:txBody>
-          <a:bodyPr anchorCtr="0" anchor="ctr" bIns="91425" lIns="91425" spcFirstLastPara="1" rIns="91425" wrap="square" tIns="91425">
+          <a:bodyPr spcFirstLastPara="1" wrap="square" lIns="91425" tIns="91425" rIns="91425" bIns="91425" anchor="ctr" anchorCtr="0">
             <a:normAutofit/>
           </a:bodyPr>
           <a:lstStyle/>
           <a:p>
-            <a:pPr indent="0" lvl="0" marL="0" rtl="0" algn="ctr">
+            <a:pPr marL="0" lvl="0" indent="0" algn="ctr" rtl="0">
               <a:spcBef>
                 <a:spcPts val="0"/>
               </a:spcBef>
@@ -7999,13 +8081,13 @@
               <a:buNone/>
             </a:pPr>
             <a:r>
-              <a:rPr b="1" lang="en"/>
+              <a:rPr lang="en" b="1"/>
               <a:t>Laundry</a:t>
             </a:r>
             <a:endParaRPr/>
           </a:p>
           <a:p>
-            <a:pPr indent="0" lvl="0" marL="0" rtl="0" algn="ctr">
+            <a:pPr marL="0" lvl="0" indent="0" algn="ctr" rtl="0">
               <a:spcBef>
                 <a:spcPts val="0"/>
               </a:spcBef>
@@ -8015,13 +8097,13 @@
               <a:buNone/>
             </a:pPr>
             <a:r>
-              <a:rPr b="1" lang="en"/>
+              <a:rPr lang="en" b="1"/>
               <a:t>Management</a:t>
             </a:r>
             <a:endParaRPr/>
           </a:p>
           <a:p>
-            <a:pPr indent="0" lvl="0" marL="0" rtl="0" algn="ctr">
+            <a:pPr marL="0" lvl="0" indent="0" algn="ctr" rtl="0">
               <a:spcBef>
                 <a:spcPts val="0"/>
               </a:spcBef>
@@ -8031,7 +8113,7 @@
               <a:buNone/>
             </a:pPr>
             <a:r>
-              <a:rPr b="1" lang="en"/>
+              <a:rPr lang="en" b="1"/>
               <a:t>System</a:t>
             </a:r>
             <a:endParaRPr b="1"/>
@@ -8041,9 +8123,11 @@
       <p:sp>
         <p:nvSpPr>
           <p:cNvPr id="60" name="Google Shape;60;p13"/>
-          <p:cNvSpPr txBox="1"/>
+          <p:cNvSpPr txBox="1">
+            <a:spLocks noGrp="1"/>
+          </p:cNvSpPr>
           <p:nvPr>
-            <p:ph idx="1" type="subTitle"/>
+            <p:ph type="subTitle" idx="1"/>
           </p:nvPr>
         </p:nvSpPr>
         <p:spPr>
@@ -8056,12 +8140,12 @@
           </a:prstGeom>
         </p:spPr>
         <p:txBody>
-          <a:bodyPr anchorCtr="0" anchor="b" bIns="91425" lIns="91425" spcFirstLastPara="1" rIns="91425" wrap="square" tIns="91425">
+          <a:bodyPr spcFirstLastPara="1" wrap="square" lIns="91425" tIns="91425" rIns="91425" bIns="91425" anchor="b" anchorCtr="0">
             <a:noAutofit/>
           </a:bodyPr>
           <a:lstStyle/>
           <a:p>
-            <a:pPr indent="0" lvl="0" marL="0" rtl="0" algn="ctr">
+            <a:pPr marL="0" lvl="0" indent="0" algn="ctr" rtl="0">
               <a:spcBef>
                 <a:spcPts val="0"/>
               </a:spcBef>
@@ -8071,21 +8155,21 @@
               <a:buNone/>
             </a:pPr>
             <a:r>
-              <a:rPr b="1" lang="en" sz="1600">
+              <a:rPr lang="en" sz="1600" b="1">
                 <a:solidFill>
                   <a:schemeClr val="dk2"/>
                 </a:solidFill>
               </a:rPr>
               <a:t>Contributors:</a:t>
             </a:r>
-            <a:endParaRPr b="1" sz="1600">
+            <a:endParaRPr sz="1600" b="1">
               <a:solidFill>
                 <a:schemeClr val="dk2"/>
               </a:solidFill>
             </a:endParaRPr>
           </a:p>
           <a:p>
-            <a:pPr indent="0" lvl="0" marL="0" rtl="0" algn="ctr">
+            <a:pPr marL="0" lvl="0" indent="0" algn="ctr" rtl="0">
               <a:spcBef>
                 <a:spcPts val="0"/>
               </a:spcBef>
@@ -8116,7 +8200,7 @@
             </a:endParaRPr>
           </a:p>
           <a:p>
-            <a:pPr indent="0" lvl="0" marL="0" rtl="0" algn="ctr">
+            <a:pPr marL="0" lvl="0" indent="0" algn="ctr" rtl="0">
               <a:spcBef>
                 <a:spcPts val="0"/>
               </a:spcBef>
@@ -8140,7 +8224,7 @@
             </a:endParaRPr>
           </a:p>
           <a:p>
-            <a:pPr indent="0" lvl="0" marL="0" rtl="0" algn="ctr">
+            <a:pPr marL="0" lvl="0" indent="0" algn="ctr" rtl="0">
               <a:spcBef>
                 <a:spcPts val="0"/>
               </a:spcBef>
@@ -8174,11 +8258,11 @@
 </file>
 
 <file path=ppt/slides/slide10.xml><?xml version="1.0" encoding="utf-8"?>
-<p:sld xmlns:a="http://schemas.openxmlformats.org/drawingml/2006/main" xmlns:r="http://schemas.openxmlformats.org/officeDocument/2006/relationships" xmlns:mc="http://schemas.openxmlformats.org/markup-compatibility/2006" xmlns:mv="urn:schemas-microsoft-com:mac:vml" xmlns:p="http://schemas.openxmlformats.org/presentationml/2006/main" xmlns:c="http://schemas.openxmlformats.org/drawingml/2006/chart" xmlns:dgm="http://schemas.openxmlformats.org/drawingml/2006/diagram" xmlns:o="urn:schemas-microsoft-com:office:office" xmlns:v="urn:schemas-microsoft-com:vml" xmlns:pvml="urn:schemas-microsoft-com:office:powerpoint" xmlns:com="http://schemas.openxmlformats.org/drawingml/2006/compatibility" xmlns:p14="http://schemas.microsoft.com/office/powerpoint/2010/main" xmlns:p15="http://schemas.microsoft.com/office/powerpoint/2012/main" xmlns:ahyp="http://schemas.microsoft.com/office/drawing/2018/hyperlinkcolor">
+<p:sld xmlns:a="http://schemas.openxmlformats.org/drawingml/2006/main" xmlns:r="http://schemas.openxmlformats.org/officeDocument/2006/relationships" xmlns:p="http://schemas.openxmlformats.org/presentationml/2006/main">
   <p:cSld>
     <p:spTree>
       <p:nvGrpSpPr>
-        <p:cNvPr id="113" name="Shape 113"/>
+        <p:cNvPr id="1" name="Shape 113"/>
         <p:cNvGrpSpPr/>
         <p:nvPr/>
       </p:nvGrpSpPr>
@@ -8193,14 +8277,16 @@
       <p:sp>
         <p:nvSpPr>
           <p:cNvPr id="114" name="Google Shape;114;p22"/>
-          <p:cNvSpPr txBox="1"/>
+          <p:cNvSpPr txBox="1">
+            <a:spLocks noGrp="1"/>
+          </p:cNvSpPr>
           <p:nvPr>
-            <p:ph idx="1" type="body"/>
+            <p:ph type="body" idx="1"/>
           </p:nvPr>
         </p:nvSpPr>
         <p:spPr>
           <a:xfrm>
-            <a:off x="1306800" y="525825"/>
+            <a:off x="1306800" y="348355"/>
             <a:ext cx="7038900" cy="739200"/>
           </a:xfrm>
           <a:prstGeom prst="rect">
@@ -8208,12 +8294,12 @@
           </a:prstGeom>
         </p:spPr>
         <p:txBody>
-          <a:bodyPr anchorCtr="0" anchor="t" bIns="91425" lIns="91425" spcFirstLastPara="1" rIns="91425" wrap="square" tIns="91425">
+          <a:bodyPr spcFirstLastPara="1" wrap="square" lIns="91425" tIns="91425" rIns="91425" bIns="91425" anchor="t" anchorCtr="0">
             <a:noAutofit/>
           </a:bodyPr>
           <a:lstStyle/>
           <a:p>
-            <a:pPr indent="0" lvl="0" marL="0" rtl="0" algn="l">
+            <a:pPr marL="0" lvl="0" indent="0" algn="l" rtl="0">
               <a:spcBef>
                 <a:spcPts val="0"/>
               </a:spcBef>
@@ -8224,17 +8310,47 @@
               <a:buNone/>
             </a:pPr>
             <a:r>
-              <a:rPr lang="en" sz="1600" u="sng"/>
+              <a:rPr lang="en" sz="1600" u="sng" dirty="0"/>
               <a:t>Reports</a:t>
             </a:r>
             <a:r>
-              <a:rPr lang="en" sz="1600"/>
+              <a:rPr lang="en" sz="1600" dirty="0"/>
               <a:t>: Displays the demand-supply situation, order status and various other statistics.</a:t>
             </a:r>
-            <a:endParaRPr sz="1600"/>
+            <a:endParaRPr sz="1600" dirty="0"/>
           </a:p>
         </p:txBody>
       </p:sp>
+      <p:pic>
+        <p:nvPicPr>
+          <p:cNvPr id="3" name="Picture 2">
+            <a:extLst>
+              <a:ext uri="{FF2B5EF4-FFF2-40B4-BE49-F238E27FC236}">
+                <a16:creationId xmlns:a16="http://schemas.microsoft.com/office/drawing/2014/main" id="{E008CA01-788B-F516-5BBA-C8941B35F2CD}"/>
+              </a:ext>
+            </a:extLst>
+          </p:cNvPr>
+          <p:cNvPicPr>
+            <a:picLocks noChangeAspect="1"/>
+          </p:cNvPicPr>
+          <p:nvPr/>
+        </p:nvPicPr>
+        <p:blipFill>
+          <a:blip r:embed="rId3"/>
+          <a:stretch>
+            <a:fillRect/>
+          </a:stretch>
+        </p:blipFill>
+        <p:spPr>
+          <a:xfrm>
+            <a:off x="917785" y="1087555"/>
+            <a:ext cx="6919415" cy="3892171"/>
+          </a:xfrm>
+          <a:prstGeom prst="rect">
+            <a:avLst/>
+          </a:prstGeom>
+        </p:spPr>
+      </p:pic>
     </p:spTree>
   </p:cSld>
   <p:clrMapOvr>
@@ -8244,11 +8360,11 @@
 </file>
 
 <file path=ppt/slides/slide11.xml><?xml version="1.0" encoding="utf-8"?>
-<p:sld xmlns:a="http://schemas.openxmlformats.org/drawingml/2006/main" xmlns:r="http://schemas.openxmlformats.org/officeDocument/2006/relationships" xmlns:mc="http://schemas.openxmlformats.org/markup-compatibility/2006" xmlns:mv="urn:schemas-microsoft-com:mac:vml" xmlns:p="http://schemas.openxmlformats.org/presentationml/2006/main" xmlns:c="http://schemas.openxmlformats.org/drawingml/2006/chart" xmlns:dgm="http://schemas.openxmlformats.org/drawingml/2006/diagram" xmlns:o="urn:schemas-microsoft-com:office:office" xmlns:v="urn:schemas-microsoft-com:vml" xmlns:pvml="urn:schemas-microsoft-com:office:powerpoint" xmlns:com="http://schemas.openxmlformats.org/drawingml/2006/compatibility" xmlns:p14="http://schemas.microsoft.com/office/powerpoint/2010/main" xmlns:p15="http://schemas.microsoft.com/office/powerpoint/2012/main" xmlns:ahyp="http://schemas.microsoft.com/office/drawing/2018/hyperlinkcolor">
+<p:sld xmlns:a="http://schemas.openxmlformats.org/drawingml/2006/main" xmlns:r="http://schemas.openxmlformats.org/officeDocument/2006/relationships" xmlns:p="http://schemas.openxmlformats.org/presentationml/2006/main">
   <p:cSld>
     <p:spTree>
       <p:nvGrpSpPr>
-        <p:cNvPr id="118" name="Shape 118"/>
+        <p:cNvPr id="1" name="Shape 118"/>
         <p:cNvGrpSpPr/>
         <p:nvPr/>
       </p:nvGrpSpPr>
@@ -8263,14 +8379,16 @@
       <p:sp>
         <p:nvSpPr>
           <p:cNvPr id="119" name="Google Shape;119;p23"/>
-          <p:cNvSpPr txBox="1"/>
+          <p:cNvSpPr txBox="1">
+            <a:spLocks noGrp="1"/>
+          </p:cNvSpPr>
           <p:nvPr>
-            <p:ph idx="1" type="body"/>
+            <p:ph type="body" idx="1"/>
           </p:nvPr>
         </p:nvSpPr>
         <p:spPr>
           <a:xfrm>
-            <a:off x="1306800" y="525825"/>
+            <a:off x="1052550" y="211927"/>
             <a:ext cx="7038900" cy="822900"/>
           </a:xfrm>
           <a:prstGeom prst="rect">
@@ -8278,12 +8396,12 @@
           </a:prstGeom>
         </p:spPr>
         <p:txBody>
-          <a:bodyPr anchorCtr="0" anchor="t" bIns="91425" lIns="91425" spcFirstLastPara="1" rIns="91425" wrap="square" tIns="91425">
+          <a:bodyPr spcFirstLastPara="1" wrap="square" lIns="91425" tIns="91425" rIns="91425" bIns="91425" anchor="t" anchorCtr="0">
             <a:noAutofit/>
           </a:bodyPr>
           <a:lstStyle/>
           <a:p>
-            <a:pPr indent="0" lvl="0" marL="0" rtl="0" algn="l">
+            <a:pPr marL="0" lvl="0" indent="0" algn="l" rtl="0">
               <a:spcBef>
                 <a:spcPts val="0"/>
               </a:spcBef>
@@ -8293,17 +8411,47 @@
               <a:buNone/>
             </a:pPr>
             <a:r>
-              <a:rPr lang="en" sz="1600" u="sng"/>
+              <a:rPr lang="en" sz="1600" u="sng" dirty="0"/>
               <a:t>Laundry List</a:t>
             </a:r>
             <a:r>
-              <a:rPr lang="en" sz="1600"/>
+              <a:rPr lang="en" sz="1600" dirty="0"/>
               <a:t>: List of current orders under process, with customer and order details.</a:t>
             </a:r>
-            <a:endParaRPr sz="1600"/>
+            <a:endParaRPr sz="1600" dirty="0"/>
           </a:p>
         </p:txBody>
       </p:sp>
+      <p:pic>
+        <p:nvPicPr>
+          <p:cNvPr id="3" name="Picture 2">
+            <a:extLst>
+              <a:ext uri="{FF2B5EF4-FFF2-40B4-BE49-F238E27FC236}">
+                <a16:creationId xmlns:a16="http://schemas.microsoft.com/office/drawing/2014/main" id="{CC38EDA4-050E-3AD4-BFDB-0ECFE67B52C9}"/>
+              </a:ext>
+            </a:extLst>
+          </p:cNvPr>
+          <p:cNvPicPr>
+            <a:picLocks noChangeAspect="1"/>
+          </p:cNvPicPr>
+          <p:nvPr/>
+        </p:nvPicPr>
+        <p:blipFill>
+          <a:blip r:embed="rId3"/>
+          <a:stretch>
+            <a:fillRect/>
+          </a:stretch>
+        </p:blipFill>
+        <p:spPr>
+          <a:xfrm>
+            <a:off x="934778" y="972192"/>
+            <a:ext cx="7038900" cy="3959381"/>
+          </a:xfrm>
+          <a:prstGeom prst="rect">
+            <a:avLst/>
+          </a:prstGeom>
+        </p:spPr>
+      </p:pic>
     </p:spTree>
   </p:cSld>
   <p:clrMapOvr>
@@ -8313,11 +8461,11 @@
 </file>
 
 <file path=ppt/slides/slide12.xml><?xml version="1.0" encoding="utf-8"?>
-<p:sld xmlns:a="http://schemas.openxmlformats.org/drawingml/2006/main" xmlns:r="http://schemas.openxmlformats.org/officeDocument/2006/relationships" xmlns:mc="http://schemas.openxmlformats.org/markup-compatibility/2006" xmlns:mv="urn:schemas-microsoft-com:mac:vml" xmlns:p="http://schemas.openxmlformats.org/presentationml/2006/main" xmlns:c="http://schemas.openxmlformats.org/drawingml/2006/chart" xmlns:dgm="http://schemas.openxmlformats.org/drawingml/2006/diagram" xmlns:o="urn:schemas-microsoft-com:office:office" xmlns:v="urn:schemas-microsoft-com:vml" xmlns:pvml="urn:schemas-microsoft-com:office:powerpoint" xmlns:com="http://schemas.openxmlformats.org/drawingml/2006/compatibility" xmlns:p14="http://schemas.microsoft.com/office/powerpoint/2010/main" xmlns:p15="http://schemas.microsoft.com/office/powerpoint/2012/main" xmlns:ahyp="http://schemas.microsoft.com/office/drawing/2018/hyperlinkcolor">
+<p:sld xmlns:a="http://schemas.openxmlformats.org/drawingml/2006/main" xmlns:r="http://schemas.openxmlformats.org/officeDocument/2006/relationships" xmlns:p="http://schemas.openxmlformats.org/presentationml/2006/main">
   <p:cSld>
     <p:spTree>
       <p:nvGrpSpPr>
-        <p:cNvPr id="123" name="Shape 123"/>
+        <p:cNvPr id="1" name="Shape 123"/>
         <p:cNvGrpSpPr/>
         <p:nvPr/>
       </p:nvGrpSpPr>
@@ -8332,9 +8480,11 @@
       <p:sp>
         <p:nvSpPr>
           <p:cNvPr id="124" name="Google Shape;124;p24"/>
-          <p:cNvSpPr txBox="1"/>
+          <p:cNvSpPr txBox="1">
+            <a:spLocks noGrp="1"/>
+          </p:cNvSpPr>
           <p:nvPr>
-            <p:ph idx="1" type="body"/>
+            <p:ph type="body" idx="1"/>
           </p:nvPr>
         </p:nvSpPr>
         <p:spPr>
@@ -8347,12 +8497,12 @@
           </a:prstGeom>
         </p:spPr>
         <p:txBody>
-          <a:bodyPr anchorCtr="0" anchor="t" bIns="91425" lIns="91425" spcFirstLastPara="1" rIns="91425" wrap="square" tIns="91425">
-            <a:normAutofit/>
+          <a:bodyPr spcFirstLastPara="1" wrap="square" lIns="91425" tIns="91425" rIns="91425" bIns="91425" anchor="t" anchorCtr="0">
+            <a:normAutofit fontScale="92500"/>
           </a:bodyPr>
           <a:lstStyle/>
           <a:p>
-            <a:pPr indent="0" lvl="0" marL="0" rtl="0" algn="l">
+            <a:pPr marL="0" lvl="0" indent="0" algn="l" rtl="0">
               <a:spcBef>
                 <a:spcPts val="0"/>
               </a:spcBef>
@@ -8373,6 +8523,36 @@
           </a:p>
         </p:txBody>
       </p:sp>
+      <p:pic>
+        <p:nvPicPr>
+          <p:cNvPr id="3" name="Picture 2">
+            <a:extLst>
+              <a:ext uri="{FF2B5EF4-FFF2-40B4-BE49-F238E27FC236}">
+                <a16:creationId xmlns:a16="http://schemas.microsoft.com/office/drawing/2014/main" id="{5F7F5DBB-78FB-B4D7-C5ED-1752D580A0EF}"/>
+              </a:ext>
+            </a:extLst>
+          </p:cNvPr>
+          <p:cNvPicPr>
+            <a:picLocks noChangeAspect="1"/>
+          </p:cNvPicPr>
+          <p:nvPr/>
+        </p:nvPicPr>
+        <p:blipFill>
+          <a:blip r:embed="rId3"/>
+          <a:stretch>
+            <a:fillRect/>
+          </a:stretch>
+        </p:blipFill>
+        <p:spPr>
+          <a:xfrm>
+            <a:off x="996286" y="910575"/>
+            <a:ext cx="7151427" cy="4022678"/>
+          </a:xfrm>
+          <a:prstGeom prst="rect">
+            <a:avLst/>
+          </a:prstGeom>
+        </p:spPr>
+      </p:pic>
     </p:spTree>
   </p:cSld>
   <p:clrMapOvr>
@@ -8382,80 +8562,11 @@
 </file>
 
 <file path=ppt/slides/slide13.xml><?xml version="1.0" encoding="utf-8"?>
-<p:sld xmlns:a="http://schemas.openxmlformats.org/drawingml/2006/main" xmlns:r="http://schemas.openxmlformats.org/officeDocument/2006/relationships" xmlns:mc="http://schemas.openxmlformats.org/markup-compatibility/2006" xmlns:mv="urn:schemas-microsoft-com:mac:vml" xmlns:p="http://schemas.openxmlformats.org/presentationml/2006/main" xmlns:c="http://schemas.openxmlformats.org/drawingml/2006/chart" xmlns:dgm="http://schemas.openxmlformats.org/drawingml/2006/diagram" xmlns:o="urn:schemas-microsoft-com:office:office" xmlns:v="urn:schemas-microsoft-com:vml" xmlns:pvml="urn:schemas-microsoft-com:office:powerpoint" xmlns:com="http://schemas.openxmlformats.org/drawingml/2006/compatibility" xmlns:p14="http://schemas.microsoft.com/office/powerpoint/2010/main" xmlns:p15="http://schemas.microsoft.com/office/powerpoint/2012/main" xmlns:ahyp="http://schemas.microsoft.com/office/drawing/2018/hyperlinkcolor">
+<p:sld xmlns:a="http://schemas.openxmlformats.org/drawingml/2006/main" xmlns:r="http://schemas.openxmlformats.org/officeDocument/2006/relationships" xmlns:p="http://schemas.openxmlformats.org/presentationml/2006/main">
   <p:cSld>
     <p:spTree>
       <p:nvGrpSpPr>
-        <p:cNvPr id="128" name="Shape 128"/>
-        <p:cNvGrpSpPr/>
-        <p:nvPr/>
-      </p:nvGrpSpPr>
-      <p:grpSpPr>
-        <a:xfrm>
-          <a:off x="0" y="0"/>
-          <a:ext cx="0" cy="0"/>
-          <a:chOff x="0" y="0"/>
-          <a:chExt cx="0" cy="0"/>
-        </a:xfrm>
-      </p:grpSpPr>
-      <p:sp>
-        <p:nvSpPr>
-          <p:cNvPr id="129" name="Google Shape;129;p25"/>
-          <p:cNvSpPr txBox="1"/>
-          <p:nvPr>
-            <p:ph idx="1" type="body"/>
-          </p:nvPr>
-        </p:nvSpPr>
-        <p:spPr>
-          <a:xfrm>
-            <a:off x="1306800" y="525825"/>
-            <a:ext cx="7038900" cy="543900"/>
-          </a:xfrm>
-          <a:prstGeom prst="rect">
-            <a:avLst/>
-          </a:prstGeom>
-        </p:spPr>
-        <p:txBody>
-          <a:bodyPr anchorCtr="0" anchor="t" bIns="91425" lIns="91425" spcFirstLastPara="1" rIns="91425" wrap="square" tIns="91425">
-            <a:normAutofit/>
-          </a:bodyPr>
-          <a:lstStyle/>
-          <a:p>
-            <a:pPr indent="0" lvl="0" marL="0" rtl="0" algn="l">
-              <a:spcBef>
-                <a:spcPts val="0"/>
-              </a:spcBef>
-              <a:spcAft>
-                <a:spcPts val="1200"/>
-              </a:spcAft>
-              <a:buNone/>
-            </a:pPr>
-            <a:r>
-              <a:rPr lang="en" sz="1600" u="sng"/>
-              <a:t>Inventory</a:t>
-            </a:r>
-            <a:r>
-              <a:rPr lang="en" sz="1600"/>
-              <a:t>: Lists customer-wise inventory so as to aid their management.</a:t>
-            </a:r>
-            <a:endParaRPr sz="1600"/>
-          </a:p>
-        </p:txBody>
-      </p:sp>
-    </p:spTree>
-  </p:cSld>
-  <p:clrMapOvr>
-    <a:masterClrMapping/>
-  </p:clrMapOvr>
-</p:sld>
-</file>
-
-<file path=ppt/slides/slide14.xml><?xml version="1.0" encoding="utf-8"?>
-<p:sld xmlns:a="http://schemas.openxmlformats.org/drawingml/2006/main" xmlns:r="http://schemas.openxmlformats.org/officeDocument/2006/relationships" xmlns:mc="http://schemas.openxmlformats.org/markup-compatibility/2006" xmlns:mv="urn:schemas-microsoft-com:mac:vml" xmlns:p="http://schemas.openxmlformats.org/presentationml/2006/main" xmlns:c="http://schemas.openxmlformats.org/drawingml/2006/chart" xmlns:dgm="http://schemas.openxmlformats.org/drawingml/2006/diagram" xmlns:o="urn:schemas-microsoft-com:office:office" xmlns:v="urn:schemas-microsoft-com:vml" xmlns:pvml="urn:schemas-microsoft-com:office:powerpoint" xmlns:com="http://schemas.openxmlformats.org/drawingml/2006/compatibility" xmlns:p14="http://schemas.microsoft.com/office/powerpoint/2010/main" xmlns:p15="http://schemas.microsoft.com/office/powerpoint/2012/main" xmlns:ahyp="http://schemas.microsoft.com/office/drawing/2018/hyperlinkcolor">
-  <p:cSld>
-    <p:spTree>
-      <p:nvGrpSpPr>
-        <p:cNvPr id="133" name="Shape 133"/>
+        <p:cNvPr id="1" name="Shape 133"/>
         <p:cNvGrpSpPr/>
         <p:nvPr/>
       </p:nvGrpSpPr>
@@ -8470,7 +8581,9 @@
       <p:sp>
         <p:nvSpPr>
           <p:cNvPr id="134" name="Google Shape;134;p26"/>
-          <p:cNvSpPr txBox="1"/>
+          <p:cNvSpPr txBox="1">
+            <a:spLocks noGrp="1"/>
+          </p:cNvSpPr>
           <p:nvPr>
             <p:ph type="title"/>
           </p:nvPr>
@@ -8485,12 +8598,12 @@
           </a:prstGeom>
         </p:spPr>
         <p:txBody>
-          <a:bodyPr anchorCtr="0" anchor="ctr" bIns="91425" lIns="91425" spcFirstLastPara="1" rIns="91425" wrap="square" tIns="91425">
+          <a:bodyPr spcFirstLastPara="1" wrap="square" lIns="91425" tIns="91425" rIns="91425" bIns="91425" anchor="ctr" anchorCtr="0">
             <a:normAutofit fontScale="90000"/>
           </a:bodyPr>
           <a:lstStyle/>
           <a:p>
-            <a:pPr indent="0" lvl="0" marL="0" rtl="0" algn="l">
+            <a:pPr marL="0" lvl="0" indent="0" algn="l" rtl="0">
               <a:spcBef>
                 <a:spcPts val="0"/>
               </a:spcBef>
@@ -8500,7 +8613,7 @@
               <a:buNone/>
             </a:pPr>
             <a:r>
-              <a:rPr b="1" lang="en"/>
+              <a:rPr lang="en" b="1"/>
               <a:t>Advantages of This System</a:t>
             </a:r>
             <a:endParaRPr b="1"/>
@@ -8510,9 +8623,11 @@
       <p:sp>
         <p:nvSpPr>
           <p:cNvPr id="135" name="Google Shape;135;p26"/>
-          <p:cNvSpPr txBox="1"/>
+          <p:cNvSpPr txBox="1">
+            <a:spLocks noGrp="1"/>
+          </p:cNvSpPr>
           <p:nvPr>
-            <p:ph idx="1" type="body"/>
+            <p:ph type="body" idx="1"/>
           </p:nvPr>
         </p:nvSpPr>
         <p:spPr>
@@ -8525,12 +8640,12 @@
           </a:prstGeom>
         </p:spPr>
         <p:txBody>
-          <a:bodyPr anchorCtr="0" anchor="t" bIns="91425" lIns="91425" spcFirstLastPara="1" rIns="91425" wrap="square" tIns="91425">
+          <a:bodyPr spcFirstLastPara="1" wrap="square" lIns="91425" tIns="91425" rIns="91425" bIns="91425" anchor="t" anchorCtr="0">
             <a:noAutofit/>
           </a:bodyPr>
           <a:lstStyle/>
           <a:p>
-            <a:pPr indent="-330200" lvl="0" marL="457200" rtl="0" algn="l">
+            <a:pPr marL="457200" lvl="0" indent="-330200" algn="l" rtl="0">
               <a:lnSpc>
                 <a:spcPct val="200000"/>
               </a:lnSpc>
@@ -8550,7 +8665,7 @@
             <a:endParaRPr sz="1600"/>
           </a:p>
           <a:p>
-            <a:pPr indent="-330200" lvl="0" marL="457200" rtl="0" algn="l">
+            <a:pPr marL="457200" lvl="0" indent="-330200" algn="l" rtl="0">
               <a:lnSpc>
                 <a:spcPct val="200000"/>
               </a:lnSpc>
@@ -8570,7 +8685,7 @@
             <a:endParaRPr sz="1600"/>
           </a:p>
           <a:p>
-            <a:pPr indent="-330200" lvl="0" marL="457200" rtl="0" algn="l">
+            <a:pPr marL="457200" lvl="0" indent="-330200" algn="l" rtl="0">
               <a:lnSpc>
                 <a:spcPct val="200000"/>
               </a:lnSpc>
@@ -8590,7 +8705,7 @@
             <a:endParaRPr sz="1600"/>
           </a:p>
           <a:p>
-            <a:pPr indent="-330200" lvl="0" marL="457200" rtl="0" algn="l">
+            <a:pPr marL="457200" lvl="0" indent="-330200" algn="l" rtl="0">
               <a:lnSpc>
                 <a:spcPct val="200000"/>
               </a:lnSpc>
@@ -8610,7 +8725,7 @@
             <a:endParaRPr sz="1600"/>
           </a:p>
           <a:p>
-            <a:pPr indent="-330200" lvl="0" marL="457200" rtl="0" algn="l">
+            <a:pPr marL="457200" lvl="0" indent="-330200" algn="l" rtl="0">
               <a:lnSpc>
                 <a:spcPct val="200000"/>
               </a:lnSpc>
@@ -8630,7 +8745,7 @@
             <a:endParaRPr sz="1600"/>
           </a:p>
           <a:p>
-            <a:pPr indent="0" lvl="0" marL="0" rtl="0" algn="l">
+            <a:pPr marL="0" lvl="0" indent="0" algn="l" rtl="0">
               <a:lnSpc>
                 <a:spcPct val="200000"/>
               </a:lnSpc>
@@ -8642,9 +8757,6 @@
               </a:spcAft>
               <a:buNone/>
             </a:pPr>
-            <a:r>
-              <a:t/>
-            </a:r>
             <a:endParaRPr sz="1600"/>
           </a:p>
         </p:txBody>
@@ -8657,12 +8769,12 @@
 </p:sld>
 </file>
 
-<file path=ppt/slides/slide15.xml><?xml version="1.0" encoding="utf-8"?>
-<p:sld xmlns:a="http://schemas.openxmlformats.org/drawingml/2006/main" xmlns:r="http://schemas.openxmlformats.org/officeDocument/2006/relationships" xmlns:mc="http://schemas.openxmlformats.org/markup-compatibility/2006" xmlns:mv="urn:schemas-microsoft-com:mac:vml" xmlns:p="http://schemas.openxmlformats.org/presentationml/2006/main" xmlns:c="http://schemas.openxmlformats.org/drawingml/2006/chart" xmlns:dgm="http://schemas.openxmlformats.org/drawingml/2006/diagram" xmlns:o="urn:schemas-microsoft-com:office:office" xmlns:v="urn:schemas-microsoft-com:vml" xmlns:pvml="urn:schemas-microsoft-com:office:powerpoint" xmlns:com="http://schemas.openxmlformats.org/drawingml/2006/compatibility" xmlns:p14="http://schemas.microsoft.com/office/powerpoint/2010/main" xmlns:p15="http://schemas.microsoft.com/office/powerpoint/2012/main" xmlns:ahyp="http://schemas.microsoft.com/office/drawing/2018/hyperlinkcolor">
+<file path=ppt/slides/slide14.xml><?xml version="1.0" encoding="utf-8"?>
+<p:sld xmlns:a="http://schemas.openxmlformats.org/drawingml/2006/main" xmlns:r="http://schemas.openxmlformats.org/officeDocument/2006/relationships" xmlns:p="http://schemas.openxmlformats.org/presentationml/2006/main">
   <p:cSld>
     <p:spTree>
       <p:nvGrpSpPr>
-        <p:cNvPr id="139" name="Shape 139"/>
+        <p:cNvPr id="1" name="Shape 139"/>
         <p:cNvGrpSpPr/>
         <p:nvPr/>
       </p:nvGrpSpPr>
@@ -8677,7 +8789,9 @@
       <p:sp>
         <p:nvSpPr>
           <p:cNvPr id="140" name="Google Shape;140;p27"/>
-          <p:cNvSpPr txBox="1"/>
+          <p:cNvSpPr txBox="1">
+            <a:spLocks noGrp="1"/>
+          </p:cNvSpPr>
           <p:nvPr>
             <p:ph type="title"/>
           </p:nvPr>
@@ -8692,12 +8806,12 @@
           </a:prstGeom>
         </p:spPr>
         <p:txBody>
-          <a:bodyPr anchorCtr="0" anchor="ctr" bIns="91425" lIns="91425" spcFirstLastPara="1" rIns="91425" wrap="square" tIns="91425">
+          <a:bodyPr spcFirstLastPara="1" wrap="square" lIns="91425" tIns="91425" rIns="91425" bIns="91425" anchor="ctr" anchorCtr="0">
             <a:normAutofit fontScale="90000"/>
           </a:bodyPr>
           <a:lstStyle/>
           <a:p>
-            <a:pPr indent="0" lvl="0" marL="0" rtl="0" algn="l">
+            <a:pPr marL="0" lvl="0" indent="0" algn="l" rtl="0">
               <a:spcBef>
                 <a:spcPts val="0"/>
               </a:spcBef>
@@ -8707,7 +8821,7 @@
               <a:buNone/>
             </a:pPr>
             <a:r>
-              <a:rPr b="1" lang="en"/>
+              <a:rPr lang="en" b="1"/>
               <a:t>Future Scope</a:t>
             </a:r>
             <a:endParaRPr b="1"/>
@@ -8717,9 +8831,11 @@
       <p:sp>
         <p:nvSpPr>
           <p:cNvPr id="141" name="Google Shape;141;p27"/>
-          <p:cNvSpPr txBox="1"/>
+          <p:cNvSpPr txBox="1">
+            <a:spLocks noGrp="1"/>
+          </p:cNvSpPr>
           <p:nvPr>
-            <p:ph idx="1" type="body"/>
+            <p:ph type="body" idx="1"/>
           </p:nvPr>
         </p:nvSpPr>
         <p:spPr>
@@ -8732,12 +8848,12 @@
           </a:prstGeom>
         </p:spPr>
         <p:txBody>
-          <a:bodyPr anchorCtr="0" anchor="t" bIns="91425" lIns="91425" spcFirstLastPara="1" rIns="91425" wrap="square" tIns="91425">
+          <a:bodyPr spcFirstLastPara="1" wrap="square" lIns="91425" tIns="91425" rIns="91425" bIns="91425" anchor="t" anchorCtr="0">
             <a:noAutofit/>
           </a:bodyPr>
           <a:lstStyle/>
           <a:p>
-            <a:pPr indent="-330200" lvl="0" marL="457200" rtl="0" algn="l">
+            <a:pPr marL="457200" lvl="0" indent="-330200" algn="l" rtl="0">
               <a:lnSpc>
                 <a:spcPct val="200000"/>
               </a:lnSpc>
@@ -8757,7 +8873,7 @@
             <a:endParaRPr sz="1600"/>
           </a:p>
           <a:p>
-            <a:pPr indent="-330200" lvl="0" marL="457200" rtl="0" algn="l">
+            <a:pPr marL="457200" lvl="0" indent="-330200" algn="l" rtl="0">
               <a:lnSpc>
                 <a:spcPct val="200000"/>
               </a:lnSpc>
@@ -8777,7 +8893,7 @@
             <a:endParaRPr sz="1600"/>
           </a:p>
           <a:p>
-            <a:pPr indent="-330200" lvl="0" marL="457200" rtl="0" algn="l">
+            <a:pPr marL="457200" lvl="0" indent="-330200" algn="l" rtl="0">
               <a:lnSpc>
                 <a:spcPct val="200000"/>
               </a:lnSpc>
@@ -8797,7 +8913,7 @@
             <a:endParaRPr sz="1600"/>
           </a:p>
           <a:p>
-            <a:pPr indent="-330200" lvl="0" marL="457200" rtl="0" algn="l">
+            <a:pPr marL="457200" lvl="0" indent="-330200" algn="l" rtl="0">
               <a:lnSpc>
                 <a:spcPct val="200000"/>
               </a:lnSpc>
@@ -8817,7 +8933,7 @@
             <a:endParaRPr sz="1600"/>
           </a:p>
           <a:p>
-            <a:pPr indent="-330200" lvl="0" marL="457200" rtl="0" algn="l">
+            <a:pPr marL="457200" lvl="0" indent="-330200" algn="l" rtl="0">
               <a:lnSpc>
                 <a:spcPct val="200000"/>
               </a:lnSpc>
@@ -8846,12 +8962,12 @@
 </p:sld>
 </file>
 
-<file path=ppt/slides/slide16.xml><?xml version="1.0" encoding="utf-8"?>
-<p:sld xmlns:a="http://schemas.openxmlformats.org/drawingml/2006/main" xmlns:r="http://schemas.openxmlformats.org/officeDocument/2006/relationships" xmlns:mc="http://schemas.openxmlformats.org/markup-compatibility/2006" xmlns:mv="urn:schemas-microsoft-com:mac:vml" xmlns:p="http://schemas.openxmlformats.org/presentationml/2006/main" xmlns:c="http://schemas.openxmlformats.org/drawingml/2006/chart" xmlns:dgm="http://schemas.openxmlformats.org/drawingml/2006/diagram" xmlns:o="urn:schemas-microsoft-com:office:office" xmlns:v="urn:schemas-microsoft-com:vml" xmlns:pvml="urn:schemas-microsoft-com:office:powerpoint" xmlns:com="http://schemas.openxmlformats.org/drawingml/2006/compatibility" xmlns:p14="http://schemas.microsoft.com/office/powerpoint/2010/main" xmlns:p15="http://schemas.microsoft.com/office/powerpoint/2012/main" xmlns:ahyp="http://schemas.microsoft.com/office/drawing/2018/hyperlinkcolor">
+<file path=ppt/slides/slide15.xml><?xml version="1.0" encoding="utf-8"?>
+<p:sld xmlns:a="http://schemas.openxmlformats.org/drawingml/2006/main" xmlns:r="http://schemas.openxmlformats.org/officeDocument/2006/relationships" xmlns:p="http://schemas.openxmlformats.org/presentationml/2006/main">
   <p:cSld>
     <p:spTree>
       <p:nvGrpSpPr>
-        <p:cNvPr id="145" name="Shape 145"/>
+        <p:cNvPr id="1" name="Shape 145"/>
         <p:cNvGrpSpPr/>
         <p:nvPr/>
       </p:nvGrpSpPr>
@@ -8866,7 +8982,9 @@
       <p:sp>
         <p:nvSpPr>
           <p:cNvPr id="146" name="Google Shape;146;p28"/>
-          <p:cNvSpPr txBox="1"/>
+          <p:cNvSpPr txBox="1">
+            <a:spLocks noGrp="1"/>
+          </p:cNvSpPr>
           <p:nvPr>
             <p:ph type="title"/>
           </p:nvPr>
@@ -8881,12 +8999,12 @@
           </a:prstGeom>
         </p:spPr>
         <p:txBody>
-          <a:bodyPr anchorCtr="0" anchor="ctr" bIns="91425" lIns="91425" spcFirstLastPara="1" rIns="91425" wrap="square" tIns="91425">
+          <a:bodyPr spcFirstLastPara="1" wrap="square" lIns="91425" tIns="91425" rIns="91425" bIns="91425" anchor="ctr" anchorCtr="0">
             <a:normAutofit fontScale="90000"/>
           </a:bodyPr>
           <a:lstStyle/>
           <a:p>
-            <a:pPr indent="0" lvl="0" marL="0" rtl="0" algn="l">
+            <a:pPr marL="0" lvl="0" indent="0" algn="l" rtl="0">
               <a:spcBef>
                 <a:spcPts val="0"/>
               </a:spcBef>
@@ -8896,7 +9014,7 @@
               <a:buNone/>
             </a:pPr>
             <a:r>
-              <a:rPr b="1" lang="en"/>
+              <a:rPr lang="en" b="1"/>
               <a:t>Conclusion</a:t>
             </a:r>
             <a:endParaRPr b="1"/>
@@ -8906,9 +9024,11 @@
       <p:sp>
         <p:nvSpPr>
           <p:cNvPr id="147" name="Google Shape;147;p28"/>
-          <p:cNvSpPr txBox="1"/>
+          <p:cNvSpPr txBox="1">
+            <a:spLocks noGrp="1"/>
+          </p:cNvSpPr>
           <p:nvPr>
-            <p:ph idx="1" type="body"/>
+            <p:ph type="body" idx="1"/>
           </p:nvPr>
         </p:nvSpPr>
         <p:spPr>
@@ -8921,12 +9041,12 @@
           </a:prstGeom>
         </p:spPr>
         <p:txBody>
-          <a:bodyPr anchorCtr="0" anchor="t" bIns="91425" lIns="91425" spcFirstLastPara="1" rIns="91425" wrap="square" tIns="91425">
+          <a:bodyPr spcFirstLastPara="1" wrap="square" lIns="91425" tIns="91425" rIns="91425" bIns="91425" anchor="t" anchorCtr="0">
             <a:noAutofit/>
           </a:bodyPr>
           <a:lstStyle/>
           <a:p>
-            <a:pPr indent="0" lvl="0" marL="0" rtl="0" algn="l">
+            <a:pPr marL="0" lvl="0" indent="0" algn="l" rtl="0">
               <a:lnSpc>
                 <a:spcPct val="150000"/>
               </a:lnSpc>
@@ -8945,7 +9065,7 @@
             <a:endParaRPr sz="1600"/>
           </a:p>
           <a:p>
-            <a:pPr indent="0" lvl="0" marL="0" rtl="0" algn="l">
+            <a:pPr marL="0" lvl="0" indent="0" algn="l" rtl="0">
               <a:lnSpc>
                 <a:spcPct val="150000"/>
               </a:lnSpc>
@@ -8957,9 +9077,6 @@
               </a:spcAft>
               <a:buNone/>
             </a:pPr>
-            <a:r>
-              <a:t/>
-            </a:r>
             <a:endParaRPr sz="1600"/>
           </a:p>
         </p:txBody>
@@ -9001,11 +9118,11 @@
 </file>
 
 <file path=ppt/slides/slide2.xml><?xml version="1.0" encoding="utf-8"?>
-<p:sld xmlns:a="http://schemas.openxmlformats.org/drawingml/2006/main" xmlns:r="http://schemas.openxmlformats.org/officeDocument/2006/relationships" xmlns:mc="http://schemas.openxmlformats.org/markup-compatibility/2006" xmlns:mv="urn:schemas-microsoft-com:mac:vml" xmlns:p="http://schemas.openxmlformats.org/presentationml/2006/main" xmlns:c="http://schemas.openxmlformats.org/drawingml/2006/chart" xmlns:dgm="http://schemas.openxmlformats.org/drawingml/2006/diagram" xmlns:o="urn:schemas-microsoft-com:office:office" xmlns:v="urn:schemas-microsoft-com:vml" xmlns:pvml="urn:schemas-microsoft-com:office:powerpoint" xmlns:com="http://schemas.openxmlformats.org/drawingml/2006/compatibility" xmlns:p14="http://schemas.microsoft.com/office/powerpoint/2010/main" xmlns:p15="http://schemas.microsoft.com/office/powerpoint/2012/main" xmlns:ahyp="http://schemas.microsoft.com/office/drawing/2018/hyperlinkcolor">
+<p:sld xmlns:a="http://schemas.openxmlformats.org/drawingml/2006/main" xmlns:r="http://schemas.openxmlformats.org/officeDocument/2006/relationships" xmlns:p="http://schemas.openxmlformats.org/presentationml/2006/main">
   <p:cSld>
     <p:spTree>
       <p:nvGrpSpPr>
-        <p:cNvPr id="64" name="Shape 64"/>
+        <p:cNvPr id="1" name="Shape 64"/>
         <p:cNvGrpSpPr/>
         <p:nvPr/>
       </p:nvGrpSpPr>
@@ -9020,7 +9137,9 @@
       <p:sp>
         <p:nvSpPr>
           <p:cNvPr id="65" name="Google Shape;65;p14"/>
-          <p:cNvSpPr txBox="1"/>
+          <p:cNvSpPr txBox="1">
+            <a:spLocks noGrp="1"/>
+          </p:cNvSpPr>
           <p:nvPr>
             <p:ph type="title"/>
           </p:nvPr>
@@ -9035,12 +9154,12 @@
           </a:prstGeom>
         </p:spPr>
         <p:txBody>
-          <a:bodyPr anchorCtr="0" anchor="ctr" bIns="91425" lIns="91425" spcFirstLastPara="1" rIns="91425" wrap="square" tIns="91425">
+          <a:bodyPr spcFirstLastPara="1" wrap="square" lIns="91425" tIns="91425" rIns="91425" bIns="91425" anchor="ctr" anchorCtr="0">
             <a:normAutofit/>
           </a:bodyPr>
           <a:lstStyle/>
           <a:p>
-            <a:pPr indent="0" lvl="0" marL="0" rtl="0" algn="l">
+            <a:pPr marL="0" lvl="0" indent="0" algn="l" rtl="0">
               <a:spcBef>
                 <a:spcPts val="0"/>
               </a:spcBef>
@@ -9050,19 +9169,21 @@
               <a:buNone/>
             </a:pPr>
             <a:r>
-              <a:rPr b="1" lang="en" sz="2700"/>
+              <a:rPr lang="en" sz="2700" b="1"/>
               <a:t>Contents</a:t>
             </a:r>
-            <a:endParaRPr b="1" sz="2700"/>
+            <a:endParaRPr sz="2700" b="1"/>
           </a:p>
         </p:txBody>
       </p:sp>
       <p:sp>
         <p:nvSpPr>
           <p:cNvPr id="66" name="Google Shape;66;p14"/>
-          <p:cNvSpPr txBox="1"/>
+          <p:cNvSpPr txBox="1">
+            <a:spLocks noGrp="1"/>
+          </p:cNvSpPr>
           <p:nvPr>
-            <p:ph idx="1" type="body"/>
+            <p:ph type="body" idx="1"/>
           </p:nvPr>
         </p:nvSpPr>
         <p:spPr>
@@ -9075,12 +9196,12 @@
           </a:prstGeom>
         </p:spPr>
         <p:txBody>
-          <a:bodyPr anchorCtr="0" anchor="ctr" bIns="91425" lIns="91425" spcFirstLastPara="1" rIns="91425" wrap="square" tIns="91425">
+          <a:bodyPr spcFirstLastPara="1" wrap="square" lIns="91425" tIns="91425" rIns="91425" bIns="91425" anchor="ctr" anchorCtr="0">
             <a:normAutofit/>
           </a:bodyPr>
           <a:lstStyle/>
           <a:p>
-            <a:pPr indent="-330200" lvl="0" marL="457200" rtl="0" algn="l">
+            <a:pPr marL="457200" lvl="0" indent="-330200" algn="l" rtl="0">
               <a:lnSpc>
                 <a:spcPct val="200000"/>
               </a:lnSpc>
@@ -9100,7 +9221,7 @@
             <a:endParaRPr sz="1600"/>
           </a:p>
           <a:p>
-            <a:pPr indent="-330200" lvl="0" marL="457200" rtl="0" algn="l">
+            <a:pPr marL="457200" lvl="0" indent="-330200" algn="l" rtl="0">
               <a:lnSpc>
                 <a:spcPct val="200000"/>
               </a:lnSpc>
@@ -9120,7 +9241,7 @@
             <a:endParaRPr sz="1600"/>
           </a:p>
           <a:p>
-            <a:pPr indent="-330200" lvl="0" marL="457200" rtl="0" algn="l">
+            <a:pPr marL="457200" lvl="0" indent="-330200" algn="l" rtl="0">
               <a:lnSpc>
                 <a:spcPct val="200000"/>
               </a:lnSpc>
@@ -9140,7 +9261,7 @@
             <a:endParaRPr sz="1600"/>
           </a:p>
           <a:p>
-            <a:pPr indent="-330200" lvl="0" marL="457200" rtl="0" algn="l">
+            <a:pPr marL="457200" lvl="0" indent="-330200" algn="l" rtl="0">
               <a:lnSpc>
                 <a:spcPct val="200000"/>
               </a:lnSpc>
@@ -9160,7 +9281,7 @@
             <a:endParaRPr sz="1600"/>
           </a:p>
           <a:p>
-            <a:pPr indent="-330200" lvl="0" marL="457200" rtl="0" algn="l">
+            <a:pPr marL="457200" lvl="0" indent="-330200" algn="l" rtl="0">
               <a:lnSpc>
                 <a:spcPct val="200000"/>
               </a:lnSpc>
@@ -9180,7 +9301,7 @@
             <a:endParaRPr sz="1600"/>
           </a:p>
           <a:p>
-            <a:pPr indent="-330200" lvl="0" marL="457200" rtl="0" algn="l">
+            <a:pPr marL="457200" lvl="0" indent="-330200" algn="l" rtl="0">
               <a:lnSpc>
                 <a:spcPct val="200000"/>
               </a:lnSpc>
@@ -9210,11 +9331,11 @@
 </file>
 
 <file path=ppt/slides/slide3.xml><?xml version="1.0" encoding="utf-8"?>
-<p:sld xmlns:a="http://schemas.openxmlformats.org/drawingml/2006/main" xmlns:r="http://schemas.openxmlformats.org/officeDocument/2006/relationships" xmlns:mc="http://schemas.openxmlformats.org/markup-compatibility/2006" xmlns:mv="urn:schemas-microsoft-com:mac:vml" xmlns:p="http://schemas.openxmlformats.org/presentationml/2006/main" xmlns:c="http://schemas.openxmlformats.org/drawingml/2006/chart" xmlns:dgm="http://schemas.openxmlformats.org/drawingml/2006/diagram" xmlns:o="urn:schemas-microsoft-com:office:office" xmlns:v="urn:schemas-microsoft-com:vml" xmlns:pvml="urn:schemas-microsoft-com:office:powerpoint" xmlns:com="http://schemas.openxmlformats.org/drawingml/2006/compatibility" xmlns:p14="http://schemas.microsoft.com/office/powerpoint/2010/main" xmlns:p15="http://schemas.microsoft.com/office/powerpoint/2012/main" xmlns:ahyp="http://schemas.microsoft.com/office/drawing/2018/hyperlinkcolor">
+<p:sld xmlns:a="http://schemas.openxmlformats.org/drawingml/2006/main" xmlns:r="http://schemas.openxmlformats.org/officeDocument/2006/relationships" xmlns:p="http://schemas.openxmlformats.org/presentationml/2006/main">
   <p:cSld>
     <p:spTree>
       <p:nvGrpSpPr>
-        <p:cNvPr id="70" name="Shape 70"/>
+        <p:cNvPr id="1" name="Shape 70"/>
         <p:cNvGrpSpPr/>
         <p:nvPr/>
       </p:nvGrpSpPr>
@@ -9229,7 +9350,9 @@
       <p:sp>
         <p:nvSpPr>
           <p:cNvPr id="71" name="Google Shape;71;p15"/>
-          <p:cNvSpPr txBox="1"/>
+          <p:cNvSpPr txBox="1">
+            <a:spLocks noGrp="1"/>
+          </p:cNvSpPr>
           <p:nvPr>
             <p:ph type="title"/>
           </p:nvPr>
@@ -9244,12 +9367,12 @@
           </a:prstGeom>
         </p:spPr>
         <p:txBody>
-          <a:bodyPr anchorCtr="0" anchor="ctr" bIns="91425" lIns="91425" spcFirstLastPara="1" rIns="91425" wrap="square" tIns="91425">
+          <a:bodyPr spcFirstLastPara="1" wrap="square" lIns="91425" tIns="91425" rIns="91425" bIns="91425" anchor="ctr" anchorCtr="0">
             <a:normAutofit fontScale="90000"/>
           </a:bodyPr>
           <a:lstStyle/>
           <a:p>
-            <a:pPr indent="0" lvl="0" marL="0" rtl="0" algn="l">
+            <a:pPr marL="0" lvl="0" indent="0" algn="l" rtl="0">
               <a:spcBef>
                 <a:spcPts val="0"/>
               </a:spcBef>
@@ -9259,7 +9382,7 @@
               <a:buNone/>
             </a:pPr>
             <a:r>
-              <a:rPr b="1" lang="en"/>
+              <a:rPr lang="en" b="1"/>
               <a:t>Problems Faced</a:t>
             </a:r>
             <a:endParaRPr b="1"/>
@@ -9269,9 +9392,11 @@
       <p:sp>
         <p:nvSpPr>
           <p:cNvPr id="72" name="Google Shape;72;p15"/>
-          <p:cNvSpPr txBox="1"/>
+          <p:cNvSpPr txBox="1">
+            <a:spLocks noGrp="1"/>
+          </p:cNvSpPr>
           <p:nvPr>
-            <p:ph idx="1" type="body"/>
+            <p:ph type="body" idx="1"/>
           </p:nvPr>
         </p:nvSpPr>
         <p:spPr>
@@ -9284,12 +9409,12 @@
           </a:prstGeom>
         </p:spPr>
         <p:txBody>
-          <a:bodyPr anchorCtr="0" anchor="t" bIns="91425" lIns="91425" spcFirstLastPara="1" rIns="91425" wrap="square" tIns="91425">
+          <a:bodyPr spcFirstLastPara="1" wrap="square" lIns="91425" tIns="91425" rIns="91425" bIns="91425" anchor="t" anchorCtr="0">
             <a:noAutofit/>
           </a:bodyPr>
           <a:lstStyle/>
           <a:p>
-            <a:pPr indent="0" lvl="0" marL="0" rtl="0" algn="l">
+            <a:pPr marL="0" lvl="0" indent="0" algn="l" rtl="0">
               <a:spcBef>
                 <a:spcPts val="0"/>
               </a:spcBef>
@@ -9305,7 +9430,7 @@
             <a:endParaRPr sz="1600"/>
           </a:p>
           <a:p>
-            <a:pPr indent="0" lvl="0" marL="0" rtl="0" algn="l">
+            <a:pPr marL="0" lvl="0" indent="0" algn="l" rtl="0">
               <a:spcBef>
                 <a:spcPts val="1200"/>
               </a:spcBef>
@@ -9314,13 +9439,10 @@
               </a:spcAft>
               <a:buNone/>
             </a:pPr>
-            <a:r>
-              <a:t/>
-            </a:r>
             <a:endParaRPr sz="1600"/>
           </a:p>
           <a:p>
-            <a:pPr indent="-330200" lvl="0" marL="457200" rtl="0" algn="l">
+            <a:pPr marL="457200" lvl="0" indent="-330200" algn="l" rtl="0">
               <a:lnSpc>
                 <a:spcPct val="200000"/>
               </a:lnSpc>
@@ -9340,7 +9462,7 @@
             <a:endParaRPr sz="1600"/>
           </a:p>
           <a:p>
-            <a:pPr indent="-330200" lvl="0" marL="457200" rtl="0" algn="l">
+            <a:pPr marL="457200" lvl="0" indent="-330200" algn="l" rtl="0">
               <a:lnSpc>
                 <a:spcPct val="200000"/>
               </a:lnSpc>
@@ -9360,7 +9482,7 @@
             <a:endParaRPr sz="1600"/>
           </a:p>
           <a:p>
-            <a:pPr indent="-330200" lvl="0" marL="457200" rtl="0" algn="l">
+            <a:pPr marL="457200" lvl="0" indent="-330200" algn="l" rtl="0">
               <a:lnSpc>
                 <a:spcPct val="200000"/>
               </a:lnSpc>
@@ -9380,7 +9502,7 @@
             <a:endParaRPr sz="1600"/>
           </a:p>
           <a:p>
-            <a:pPr indent="-330200" lvl="0" marL="457200" rtl="0" algn="l">
+            <a:pPr marL="457200" lvl="0" indent="-330200" algn="l" rtl="0">
               <a:lnSpc>
                 <a:spcPct val="200000"/>
               </a:lnSpc>
@@ -9410,11 +9532,11 @@
 </file>
 
 <file path=ppt/slides/slide4.xml><?xml version="1.0" encoding="utf-8"?>
-<p:sld xmlns:a="http://schemas.openxmlformats.org/drawingml/2006/main" xmlns:r="http://schemas.openxmlformats.org/officeDocument/2006/relationships" xmlns:mc="http://schemas.openxmlformats.org/markup-compatibility/2006" xmlns:mv="urn:schemas-microsoft-com:mac:vml" xmlns:p="http://schemas.openxmlformats.org/presentationml/2006/main" xmlns:c="http://schemas.openxmlformats.org/drawingml/2006/chart" xmlns:dgm="http://schemas.openxmlformats.org/drawingml/2006/diagram" xmlns:o="urn:schemas-microsoft-com:office:office" xmlns:v="urn:schemas-microsoft-com:vml" xmlns:pvml="urn:schemas-microsoft-com:office:powerpoint" xmlns:com="http://schemas.openxmlformats.org/drawingml/2006/compatibility" xmlns:p14="http://schemas.microsoft.com/office/powerpoint/2010/main" xmlns:p15="http://schemas.microsoft.com/office/powerpoint/2012/main" xmlns:ahyp="http://schemas.microsoft.com/office/drawing/2018/hyperlinkcolor">
+<p:sld xmlns:a="http://schemas.openxmlformats.org/drawingml/2006/main" xmlns:r="http://schemas.openxmlformats.org/officeDocument/2006/relationships" xmlns:p="http://schemas.openxmlformats.org/presentationml/2006/main">
   <p:cSld>
     <p:spTree>
       <p:nvGrpSpPr>
-        <p:cNvPr id="76" name="Shape 76"/>
+        <p:cNvPr id="1" name="Shape 76"/>
         <p:cNvGrpSpPr/>
         <p:nvPr/>
       </p:nvGrpSpPr>
@@ -9429,7 +9551,9 @@
       <p:sp>
         <p:nvSpPr>
           <p:cNvPr id="77" name="Google Shape;77;p16"/>
-          <p:cNvSpPr txBox="1"/>
+          <p:cNvSpPr txBox="1">
+            <a:spLocks noGrp="1"/>
+          </p:cNvSpPr>
           <p:nvPr>
             <p:ph type="title"/>
           </p:nvPr>
@@ -9444,12 +9568,12 @@
           </a:prstGeom>
         </p:spPr>
         <p:txBody>
-          <a:bodyPr anchorCtr="0" anchor="ctr" bIns="91425" lIns="91425" spcFirstLastPara="1" rIns="91425" wrap="square" tIns="91425">
+          <a:bodyPr spcFirstLastPara="1" wrap="square" lIns="91425" tIns="91425" rIns="91425" bIns="91425" anchor="ctr" anchorCtr="0">
             <a:normAutofit fontScale="90000"/>
           </a:bodyPr>
           <a:lstStyle/>
           <a:p>
-            <a:pPr indent="0" lvl="0" marL="0" rtl="0" algn="l">
+            <a:pPr marL="0" lvl="0" indent="0" algn="l" rtl="0">
               <a:spcBef>
                 <a:spcPts val="0"/>
               </a:spcBef>
@@ -9459,7 +9583,7 @@
               <a:buNone/>
             </a:pPr>
             <a:r>
-              <a:rPr b="1" lang="en"/>
+              <a:rPr lang="en" b="1"/>
               <a:t>Possible Solution</a:t>
             </a:r>
             <a:endParaRPr b="1"/>
@@ -9469,9 +9593,11 @@
       <p:sp>
         <p:nvSpPr>
           <p:cNvPr id="78" name="Google Shape;78;p16"/>
-          <p:cNvSpPr txBox="1"/>
+          <p:cNvSpPr txBox="1">
+            <a:spLocks noGrp="1"/>
+          </p:cNvSpPr>
           <p:nvPr>
-            <p:ph idx="1" type="body"/>
+            <p:ph type="body" idx="1"/>
           </p:nvPr>
         </p:nvSpPr>
         <p:spPr>
@@ -9484,12 +9610,12 @@
           </a:prstGeom>
         </p:spPr>
         <p:txBody>
-          <a:bodyPr anchorCtr="0" anchor="t" bIns="91425" lIns="91425" spcFirstLastPara="1" rIns="91425" wrap="square" tIns="91425">
+          <a:bodyPr spcFirstLastPara="1" wrap="square" lIns="91425" tIns="91425" rIns="91425" bIns="91425" anchor="t" anchorCtr="0">
             <a:noAutofit/>
           </a:bodyPr>
           <a:lstStyle/>
           <a:p>
-            <a:pPr indent="0" lvl="0" marL="0" rtl="0" algn="l">
+            <a:pPr marL="0" lvl="0" indent="0" algn="l" rtl="0">
               <a:lnSpc>
                 <a:spcPct val="200000"/>
               </a:lnSpc>
@@ -9503,20 +9629,12 @@
             </a:pPr>
             <a:r>
               <a:rPr lang="en" sz="1600"/>
-              <a:t>A data analysis-</a:t>
-            </a:r>
-            <a:r>
-              <a:rPr lang="en" sz="1600"/>
-              <a:t>d</a:t>
-            </a:r>
-            <a:r>
-              <a:rPr lang="en" sz="1600"/>
-              <a:t>riven management system that allows the owner to keep track of their business easily and facilitates simpler management and future planning. This system should be able to resolve all the issues mentioned in the previous section while being easy to use and simple to understand.</a:t>
+              <a:t>A data analysis-driven management system that allows the owner to keep track of their business easily and facilitates simpler management and future planning. This system should be able to resolve all the issues mentioned in the previous section while being easy to use and simple to understand.</a:t>
             </a:r>
             <a:endParaRPr sz="1600"/>
           </a:p>
           <a:p>
-            <a:pPr indent="0" lvl="0" marL="0" rtl="0" algn="l">
+            <a:pPr marL="0" lvl="0" indent="0" algn="l" rtl="0">
               <a:lnSpc>
                 <a:spcPct val="200000"/>
               </a:lnSpc>
@@ -9528,9 +9646,6 @@
               </a:spcAft>
               <a:buNone/>
             </a:pPr>
-            <a:r>
-              <a:t/>
-            </a:r>
             <a:endParaRPr sz="1600"/>
           </a:p>
         </p:txBody>
@@ -9572,11 +9687,11 @@
 </file>
 
 <file path=ppt/slides/slide5.xml><?xml version="1.0" encoding="utf-8"?>
-<p:sld xmlns:a="http://schemas.openxmlformats.org/drawingml/2006/main" xmlns:r="http://schemas.openxmlformats.org/officeDocument/2006/relationships" xmlns:mc="http://schemas.openxmlformats.org/markup-compatibility/2006" xmlns:mv="urn:schemas-microsoft-com:mac:vml" xmlns:p="http://schemas.openxmlformats.org/presentationml/2006/main" xmlns:c="http://schemas.openxmlformats.org/drawingml/2006/chart" xmlns:dgm="http://schemas.openxmlformats.org/drawingml/2006/diagram" xmlns:o="urn:schemas-microsoft-com:office:office" xmlns:v="urn:schemas-microsoft-com:vml" xmlns:pvml="urn:schemas-microsoft-com:office:powerpoint" xmlns:com="http://schemas.openxmlformats.org/drawingml/2006/compatibility" xmlns:p14="http://schemas.microsoft.com/office/powerpoint/2010/main" xmlns:p15="http://schemas.microsoft.com/office/powerpoint/2012/main" xmlns:ahyp="http://schemas.microsoft.com/office/drawing/2018/hyperlinkcolor">
+<p:sld xmlns:a="http://schemas.openxmlformats.org/drawingml/2006/main" xmlns:r="http://schemas.openxmlformats.org/officeDocument/2006/relationships" xmlns:p="http://schemas.openxmlformats.org/presentationml/2006/main">
   <p:cSld>
     <p:spTree>
       <p:nvGrpSpPr>
-        <p:cNvPr id="83" name="Shape 83"/>
+        <p:cNvPr id="1" name="Shape 83"/>
         <p:cNvGrpSpPr/>
         <p:nvPr/>
       </p:nvGrpSpPr>
@@ -9591,7 +9706,9 @@
       <p:sp>
         <p:nvSpPr>
           <p:cNvPr id="84" name="Google Shape;84;p17"/>
-          <p:cNvSpPr txBox="1"/>
+          <p:cNvSpPr txBox="1">
+            <a:spLocks noGrp="1"/>
+          </p:cNvSpPr>
           <p:nvPr>
             <p:ph type="title"/>
           </p:nvPr>
@@ -9606,12 +9723,12 @@
           </a:prstGeom>
         </p:spPr>
         <p:txBody>
-          <a:bodyPr anchorCtr="0" anchor="ctr" bIns="91425" lIns="91425" spcFirstLastPara="1" rIns="91425" wrap="square" tIns="91425">
+          <a:bodyPr spcFirstLastPara="1" wrap="square" lIns="91425" tIns="91425" rIns="91425" bIns="91425" anchor="ctr" anchorCtr="0">
             <a:normAutofit fontScale="90000"/>
           </a:bodyPr>
           <a:lstStyle/>
           <a:p>
-            <a:pPr indent="0" lvl="0" marL="0" rtl="0" algn="l">
+            <a:pPr marL="0" lvl="0" indent="0" algn="l" rtl="0">
               <a:spcBef>
                 <a:spcPts val="0"/>
               </a:spcBef>
@@ -9621,14 +9738,14 @@
               <a:buNone/>
             </a:pPr>
             <a:r>
-              <a:rPr b="1" lang="en"/>
+              <a:rPr lang="en" b="1"/>
               <a:t>Project Description:</a:t>
             </a:r>
             <a:br>
-              <a:rPr b="1" lang="en"/>
+              <a:rPr lang="en" b="1"/>
             </a:br>
             <a:r>
-              <a:rPr b="1" lang="en"/>
+              <a:rPr lang="en" b="1"/>
               <a:t>Laundry Management System</a:t>
             </a:r>
             <a:endParaRPr b="1"/>
@@ -9638,9 +9755,11 @@
       <p:sp>
         <p:nvSpPr>
           <p:cNvPr id="85" name="Google Shape;85;p17"/>
-          <p:cNvSpPr txBox="1"/>
+          <p:cNvSpPr txBox="1">
+            <a:spLocks noGrp="1"/>
+          </p:cNvSpPr>
           <p:nvPr>
-            <p:ph idx="1" type="body"/>
+            <p:ph type="body" idx="1"/>
           </p:nvPr>
         </p:nvSpPr>
         <p:spPr>
@@ -9653,12 +9772,12 @@
           </a:prstGeom>
         </p:spPr>
         <p:txBody>
-          <a:bodyPr anchorCtr="0" anchor="t" bIns="91425" lIns="91425" spcFirstLastPara="1" rIns="91425" wrap="square" tIns="91425">
+          <a:bodyPr spcFirstLastPara="1" wrap="square" lIns="91425" tIns="91425" rIns="91425" bIns="91425" anchor="t" anchorCtr="0">
             <a:noAutofit/>
           </a:bodyPr>
           <a:lstStyle/>
           <a:p>
-            <a:pPr indent="0" lvl="0" marL="0" rtl="0" algn="l">
+            <a:pPr marL="0" lvl="0" indent="0" algn="l" rtl="0">
               <a:lnSpc>
                 <a:spcPct val="150000"/>
               </a:lnSpc>
@@ -9677,7 +9796,7 @@
             <a:endParaRPr sz="1600"/>
           </a:p>
           <a:p>
-            <a:pPr indent="0" lvl="0" marL="0" rtl="0" algn="l">
+            <a:pPr marL="0" lvl="0" indent="0" algn="l" rtl="0">
               <a:lnSpc>
                 <a:spcPct val="150000"/>
               </a:lnSpc>
@@ -9696,7 +9815,7 @@
             <a:endParaRPr sz="1600"/>
           </a:p>
           <a:p>
-            <a:pPr indent="0" lvl="0" marL="0" rtl="0" algn="l">
+            <a:pPr marL="0" lvl="0" indent="0" algn="l" rtl="0">
               <a:lnSpc>
                 <a:spcPct val="150000"/>
               </a:lnSpc>
@@ -9708,9 +9827,6 @@
               </a:spcAft>
               <a:buNone/>
             </a:pPr>
-            <a:r>
-              <a:t/>
-            </a:r>
             <a:endParaRPr sz="1600"/>
           </a:p>
         </p:txBody>
@@ -9724,11 +9840,11 @@
 </file>
 
 <file path=ppt/slides/slide6.xml><?xml version="1.0" encoding="utf-8"?>
-<p:sld xmlns:a="http://schemas.openxmlformats.org/drawingml/2006/main" xmlns:r="http://schemas.openxmlformats.org/officeDocument/2006/relationships" xmlns:mc="http://schemas.openxmlformats.org/markup-compatibility/2006" xmlns:mv="urn:schemas-microsoft-com:mac:vml" xmlns:p="http://schemas.openxmlformats.org/presentationml/2006/main" xmlns:c="http://schemas.openxmlformats.org/drawingml/2006/chart" xmlns:dgm="http://schemas.openxmlformats.org/drawingml/2006/diagram" xmlns:o="urn:schemas-microsoft-com:office:office" xmlns:v="urn:schemas-microsoft-com:vml" xmlns:pvml="urn:schemas-microsoft-com:office:powerpoint" xmlns:com="http://schemas.openxmlformats.org/drawingml/2006/compatibility" xmlns:p14="http://schemas.microsoft.com/office/powerpoint/2010/main" xmlns:p15="http://schemas.microsoft.com/office/powerpoint/2012/main" xmlns:ahyp="http://schemas.microsoft.com/office/drawing/2018/hyperlinkcolor">
+<p:sld xmlns:a="http://schemas.openxmlformats.org/drawingml/2006/main" xmlns:r="http://schemas.openxmlformats.org/officeDocument/2006/relationships" xmlns:p="http://schemas.openxmlformats.org/presentationml/2006/main">
   <p:cSld>
     <p:spTree>
       <p:nvGrpSpPr>
-        <p:cNvPr id="89" name="Shape 89"/>
+        <p:cNvPr id="1" name="Shape 89"/>
         <p:cNvGrpSpPr/>
         <p:nvPr/>
       </p:nvGrpSpPr>
@@ -9743,7 +9859,9 @@
       <p:sp>
         <p:nvSpPr>
           <p:cNvPr id="90" name="Google Shape;90;p18"/>
-          <p:cNvSpPr txBox="1"/>
+          <p:cNvSpPr txBox="1">
+            <a:spLocks noGrp="1"/>
+          </p:cNvSpPr>
           <p:nvPr>
             <p:ph type="title"/>
           </p:nvPr>
@@ -9758,12 +9876,12 @@
           </a:prstGeom>
         </p:spPr>
         <p:txBody>
-          <a:bodyPr anchorCtr="0" anchor="ctr" bIns="91425" lIns="91425" spcFirstLastPara="1" rIns="91425" wrap="square" tIns="91425">
+          <a:bodyPr spcFirstLastPara="1" wrap="square" lIns="91425" tIns="91425" rIns="91425" bIns="91425" anchor="ctr" anchorCtr="0">
             <a:normAutofit fontScale="90000"/>
           </a:bodyPr>
           <a:lstStyle/>
           <a:p>
-            <a:pPr indent="0" lvl="0" marL="0" rtl="0" algn="l">
+            <a:pPr marL="0" lvl="0" indent="0" algn="l" rtl="0">
               <a:spcBef>
                 <a:spcPts val="0"/>
               </a:spcBef>
@@ -9773,7 +9891,7 @@
               <a:buNone/>
             </a:pPr>
             <a:r>
-              <a:rPr b="1" lang="en"/>
+              <a:rPr lang="en" b="1"/>
               <a:t>Technologies Implemented</a:t>
             </a:r>
             <a:endParaRPr b="1"/>
@@ -9811,9 +9929,11 @@
       <p:sp>
         <p:nvSpPr>
           <p:cNvPr id="92" name="Google Shape;92;p18"/>
-          <p:cNvSpPr txBox="1"/>
+          <p:cNvSpPr txBox="1">
+            <a:spLocks noGrp="1"/>
+          </p:cNvSpPr>
           <p:nvPr>
-            <p:ph idx="1" type="body"/>
+            <p:ph type="body" idx="1"/>
           </p:nvPr>
         </p:nvSpPr>
         <p:spPr>
@@ -9826,12 +9946,12 @@
           </a:prstGeom>
         </p:spPr>
         <p:txBody>
-          <a:bodyPr anchorCtr="0" anchor="t" bIns="91425" lIns="91425" spcFirstLastPara="1" rIns="91425" wrap="square" tIns="91425">
+          <a:bodyPr spcFirstLastPara="1" wrap="square" lIns="91425" tIns="91425" rIns="91425" bIns="91425" anchor="t" anchorCtr="0">
             <a:noAutofit/>
           </a:bodyPr>
           <a:lstStyle/>
           <a:p>
-            <a:pPr indent="0" lvl="0" marL="0" rtl="0" algn="l">
+            <a:pPr marL="0" lvl="0" indent="0" algn="l" rtl="0">
               <a:lnSpc>
                 <a:spcPct val="115000"/>
               </a:lnSpc>
@@ -9854,7 +9974,7 @@
             <a:endParaRPr sz="1600"/>
           </a:p>
           <a:p>
-            <a:pPr indent="-330200" lvl="0" marL="457200" rtl="0" algn="l">
+            <a:pPr marL="457200" lvl="0" indent="-330200" algn="l" rtl="0">
               <a:lnSpc>
                 <a:spcPct val="115000"/>
               </a:lnSpc>
@@ -9874,7 +9994,7 @@
             <a:endParaRPr sz="1600"/>
           </a:p>
           <a:p>
-            <a:pPr indent="-330200" lvl="0" marL="457200" rtl="0" algn="l">
+            <a:pPr marL="457200" lvl="0" indent="-330200" algn="l" rtl="0">
               <a:lnSpc>
                 <a:spcPct val="115000"/>
               </a:lnSpc>
@@ -9894,7 +10014,7 @@
             <a:endParaRPr sz="1600"/>
           </a:p>
           <a:p>
-            <a:pPr indent="-330200" lvl="0" marL="457200" rtl="0" algn="l">
+            <a:pPr marL="457200" lvl="0" indent="-330200" algn="l" rtl="0">
               <a:lnSpc>
                 <a:spcPct val="115000"/>
               </a:lnSpc>
@@ -9918,9 +10038,11 @@
       <p:sp>
         <p:nvSpPr>
           <p:cNvPr id="93" name="Google Shape;93;p18"/>
-          <p:cNvSpPr txBox="1"/>
+          <p:cNvSpPr txBox="1">
+            <a:spLocks noGrp="1"/>
+          </p:cNvSpPr>
           <p:nvPr>
-            <p:ph idx="1" type="body"/>
+            <p:ph type="body" idx="1"/>
           </p:nvPr>
         </p:nvSpPr>
         <p:spPr>
@@ -9933,12 +10055,12 @@
           </a:prstGeom>
         </p:spPr>
         <p:txBody>
-          <a:bodyPr anchorCtr="0" anchor="t" bIns="91425" lIns="91425" spcFirstLastPara="1" rIns="91425" wrap="square" tIns="91425">
+          <a:bodyPr spcFirstLastPara="1" wrap="square" lIns="91425" tIns="91425" rIns="91425" bIns="91425" anchor="t" anchorCtr="0">
             <a:noAutofit/>
           </a:bodyPr>
           <a:lstStyle/>
           <a:p>
-            <a:pPr indent="0" lvl="0" marL="0" rtl="0" algn="l">
+            <a:pPr marL="0" lvl="0" indent="0" algn="l" rtl="0">
               <a:lnSpc>
                 <a:spcPct val="115000"/>
               </a:lnSpc>
@@ -9961,7 +10083,7 @@
             <a:endParaRPr sz="1600"/>
           </a:p>
           <a:p>
-            <a:pPr indent="-330200" lvl="0" marL="457200" rtl="0" algn="l">
+            <a:pPr marL="457200" lvl="0" indent="-330200" algn="l" rtl="0">
               <a:lnSpc>
                 <a:spcPct val="115000"/>
               </a:lnSpc>
@@ -9981,7 +10103,7 @@
             <a:endParaRPr sz="1600"/>
           </a:p>
           <a:p>
-            <a:pPr indent="-330200" lvl="0" marL="457200" rtl="0" algn="l">
+            <a:pPr marL="457200" lvl="0" indent="-330200" algn="l" rtl="0">
               <a:lnSpc>
                 <a:spcPct val="115000"/>
               </a:lnSpc>
@@ -10001,7 +10123,7 @@
             <a:endParaRPr sz="1600"/>
           </a:p>
           <a:p>
-            <a:pPr indent="-330200" lvl="0" marL="457200" rtl="0" algn="l">
+            <a:pPr marL="457200" lvl="0" indent="-330200" algn="l" rtl="0">
               <a:lnSpc>
                 <a:spcPct val="115000"/>
               </a:lnSpc>
@@ -10021,7 +10143,7 @@
             <a:endParaRPr sz="1600"/>
           </a:p>
           <a:p>
-            <a:pPr indent="-330200" lvl="0" marL="457200" rtl="0" algn="l">
+            <a:pPr marL="457200" lvl="0" indent="-330200" algn="l" rtl="0">
               <a:lnSpc>
                 <a:spcPct val="115000"/>
               </a:lnSpc>
@@ -10041,7 +10163,7 @@
             <a:endParaRPr sz="1600"/>
           </a:p>
           <a:p>
-            <a:pPr indent="-330200" lvl="0" marL="457200" rtl="0" algn="l">
+            <a:pPr marL="457200" lvl="0" indent="-330200" algn="l" rtl="0">
               <a:lnSpc>
                 <a:spcPct val="115000"/>
               </a:lnSpc>
@@ -10061,7 +10183,7 @@
             <a:endParaRPr sz="1600"/>
           </a:p>
           <a:p>
-            <a:pPr indent="-330200" lvl="0" marL="457200" rtl="0" algn="l">
+            <a:pPr marL="457200" lvl="0" indent="-330200" algn="l" rtl="0">
               <a:lnSpc>
                 <a:spcPct val="115000"/>
               </a:lnSpc>
@@ -10081,7 +10203,7 @@
             <a:endParaRPr sz="1600"/>
           </a:p>
           <a:p>
-            <a:pPr indent="0" lvl="0" marL="0" rtl="0" algn="l">
+            <a:pPr marL="0" lvl="0" indent="0" algn="l" rtl="0">
               <a:lnSpc>
                 <a:spcPct val="115000"/>
               </a:lnSpc>
@@ -10093,9 +10215,6 @@
               </a:spcAft>
               <a:buNone/>
             </a:pPr>
-            <a:r>
-              <a:t/>
-            </a:r>
             <a:endParaRPr sz="1600"/>
           </a:p>
         </p:txBody>
@@ -10109,11 +10228,11 @@
 </file>
 
 <file path=ppt/slides/slide7.xml><?xml version="1.0" encoding="utf-8"?>
-<p:sld xmlns:a="http://schemas.openxmlformats.org/drawingml/2006/main" xmlns:r="http://schemas.openxmlformats.org/officeDocument/2006/relationships" xmlns:mc="http://schemas.openxmlformats.org/markup-compatibility/2006" xmlns:mv="urn:schemas-microsoft-com:mac:vml" xmlns:p="http://schemas.openxmlformats.org/presentationml/2006/main" xmlns:c="http://schemas.openxmlformats.org/drawingml/2006/chart" xmlns:dgm="http://schemas.openxmlformats.org/drawingml/2006/diagram" xmlns:o="urn:schemas-microsoft-com:office:office" xmlns:v="urn:schemas-microsoft-com:vml" xmlns:pvml="urn:schemas-microsoft-com:office:powerpoint" xmlns:com="http://schemas.openxmlformats.org/drawingml/2006/compatibility" xmlns:p14="http://schemas.microsoft.com/office/powerpoint/2010/main" xmlns:p15="http://schemas.microsoft.com/office/powerpoint/2012/main" xmlns:ahyp="http://schemas.microsoft.com/office/drawing/2018/hyperlinkcolor">
+<p:sld xmlns:a="http://schemas.openxmlformats.org/drawingml/2006/main" xmlns:r="http://schemas.openxmlformats.org/officeDocument/2006/relationships" xmlns:p="http://schemas.openxmlformats.org/presentationml/2006/main">
   <p:cSld>
     <p:spTree>
       <p:nvGrpSpPr>
-        <p:cNvPr id="97" name="Shape 97"/>
+        <p:cNvPr id="1" name="Shape 97"/>
         <p:cNvGrpSpPr/>
         <p:nvPr/>
       </p:nvGrpSpPr>
@@ -10128,7 +10247,9 @@
       <p:sp>
         <p:nvSpPr>
           <p:cNvPr id="98" name="Google Shape;98;p19"/>
-          <p:cNvSpPr txBox="1"/>
+          <p:cNvSpPr txBox="1">
+            <a:spLocks noGrp="1"/>
+          </p:cNvSpPr>
           <p:nvPr>
             <p:ph type="title"/>
           </p:nvPr>
@@ -10143,12 +10264,12 @@
           </a:prstGeom>
         </p:spPr>
         <p:txBody>
-          <a:bodyPr anchorCtr="0" anchor="ctr" bIns="91425" lIns="91425" spcFirstLastPara="1" rIns="91425" wrap="square" tIns="91425">
+          <a:bodyPr spcFirstLastPara="1" wrap="square" lIns="91425" tIns="91425" rIns="91425" bIns="91425" anchor="ctr" anchorCtr="0">
             <a:normAutofit fontScale="90000"/>
           </a:bodyPr>
           <a:lstStyle/>
           <a:p>
-            <a:pPr indent="0" lvl="0" marL="0" rtl="0" algn="l">
+            <a:pPr marL="0" lvl="0" indent="0" algn="l" rtl="0">
               <a:spcBef>
                 <a:spcPts val="0"/>
               </a:spcBef>
@@ -10158,7 +10279,7 @@
               <a:buNone/>
             </a:pPr>
             <a:r>
-              <a:rPr b="1" lang="en"/>
+              <a:rPr lang="en" b="1"/>
               <a:t>Project Components</a:t>
             </a:r>
             <a:endParaRPr b="1"/>
@@ -10168,14 +10289,16 @@
       <p:sp>
         <p:nvSpPr>
           <p:cNvPr id="99" name="Google Shape;99;p19"/>
-          <p:cNvSpPr txBox="1"/>
+          <p:cNvSpPr txBox="1">
+            <a:spLocks noGrp="1"/>
+          </p:cNvSpPr>
           <p:nvPr>
-            <p:ph idx="1" type="body"/>
+            <p:ph type="body" idx="1"/>
           </p:nvPr>
         </p:nvSpPr>
         <p:spPr>
           <a:xfrm>
-            <a:off x="1297500" y="1415150"/>
+            <a:off x="410396" y="1017450"/>
             <a:ext cx="7038900" cy="734100"/>
           </a:xfrm>
           <a:prstGeom prst="rect">
@@ -10183,12 +10306,12 @@
           </a:prstGeom>
         </p:spPr>
         <p:txBody>
-          <a:bodyPr anchorCtr="0" anchor="t" bIns="91425" lIns="91425" spcFirstLastPara="1" rIns="91425" wrap="square" tIns="91425">
+          <a:bodyPr spcFirstLastPara="1" wrap="square" lIns="91425" tIns="91425" rIns="91425" bIns="91425" anchor="t" anchorCtr="0">
             <a:noAutofit/>
           </a:bodyPr>
           <a:lstStyle/>
           <a:p>
-            <a:pPr indent="0" lvl="0" marL="0" rtl="0" algn="l">
+            <a:pPr marL="0" lvl="0" indent="0" algn="l" rtl="0">
               <a:lnSpc>
                 <a:spcPct val="115000"/>
               </a:lnSpc>
@@ -10201,25 +10324,21 @@
               <a:buNone/>
             </a:pPr>
             <a:r>
-              <a:rPr lang="en" sz="1600" u="sng"/>
+              <a:rPr lang="en" sz="1600" u="sng" dirty="0"/>
               <a:t>Home</a:t>
             </a:r>
             <a:r>
-              <a:rPr lang="en" sz="1600"/>
-              <a:t>: </a:t>
+              <a:rPr lang="en" sz="1600" dirty="0"/>
+              <a:t>: Provides a quick summary of changes in revenue, users, etc. and shows latest transactions.</a:t>
             </a:r>
             <a:r>
-              <a:rPr lang="en" sz="1600"/>
-              <a:t>Provides a quick summary of changes in revenue, users, etc. and shows latest transactions.</a:t>
-            </a:r>
-            <a:r>
-              <a:rPr lang="en" sz="1600" u="sng"/>
+              <a:rPr lang="en" sz="1600" u="sng" dirty="0"/>
               <a:t> </a:t>
             </a:r>
-            <a:endParaRPr sz="1600"/>
-          </a:p>
-          <a:p>
-            <a:pPr indent="0" lvl="0" marL="0" rtl="0" algn="l">
+            <a:endParaRPr sz="1600" dirty="0"/>
+          </a:p>
+          <a:p>
+            <a:pPr marL="0" lvl="0" indent="0" algn="l" rtl="0">
               <a:lnSpc>
                 <a:spcPct val="115000"/>
               </a:lnSpc>
@@ -10231,13 +10350,10 @@
               </a:spcAft>
               <a:buNone/>
             </a:pPr>
-            <a:r>
-              <a:t/>
-            </a:r>
-            <a:endParaRPr sz="1600" u="sng"/>
-          </a:p>
-          <a:p>
-            <a:pPr indent="0" lvl="0" marL="0" rtl="0" algn="l">
+            <a:endParaRPr sz="1600" u="sng" dirty="0"/>
+          </a:p>
+          <a:p>
+            <a:pPr marL="0" lvl="0" indent="0" algn="l" rtl="0">
               <a:lnSpc>
                 <a:spcPct val="115000"/>
               </a:lnSpc>
@@ -10249,13 +10365,10 @@
               </a:spcAft>
               <a:buNone/>
             </a:pPr>
-            <a:r>
-              <a:t/>
-            </a:r>
-            <a:endParaRPr sz="1600" u="sng"/>
-          </a:p>
-          <a:p>
-            <a:pPr indent="0" lvl="0" marL="0" rtl="0" algn="l">
+            <a:endParaRPr sz="1600" u="sng" dirty="0"/>
+          </a:p>
+          <a:p>
+            <a:pPr marL="0" lvl="0" indent="0" algn="l" rtl="0">
               <a:lnSpc>
                 <a:spcPct val="115000"/>
               </a:lnSpc>
@@ -10267,13 +10380,10 @@
               </a:spcAft>
               <a:buNone/>
             </a:pPr>
-            <a:r>
-              <a:t/>
-            </a:r>
-            <a:endParaRPr sz="1600"/>
-          </a:p>
-          <a:p>
-            <a:pPr indent="0" lvl="0" marL="0" rtl="0" algn="l">
+            <a:endParaRPr sz="1600" dirty="0"/>
+          </a:p>
+          <a:p>
+            <a:pPr marL="0" lvl="0" indent="0" algn="l" rtl="0">
               <a:lnSpc>
                 <a:spcPct val="115000"/>
               </a:lnSpc>
@@ -10285,13 +10395,40 @@
               </a:spcAft>
               <a:buNone/>
             </a:pPr>
-            <a:r>
-              <a:t/>
-            </a:r>
-            <a:endParaRPr sz="1600"/>
+            <a:endParaRPr sz="1600" dirty="0"/>
           </a:p>
         </p:txBody>
       </p:sp>
+      <p:pic>
+        <p:nvPicPr>
+          <p:cNvPr id="3" name="Picture 2">
+            <a:extLst>
+              <a:ext uri="{FF2B5EF4-FFF2-40B4-BE49-F238E27FC236}">
+                <a16:creationId xmlns:a16="http://schemas.microsoft.com/office/drawing/2014/main" id="{5763343D-0794-53AF-A24B-512AFDE51CB5}"/>
+              </a:ext>
+            </a:extLst>
+          </p:cNvPr>
+          <p:cNvPicPr>
+            <a:picLocks noChangeAspect="1"/>
+          </p:cNvPicPr>
+          <p:nvPr/>
+        </p:nvPicPr>
+        <p:blipFill>
+          <a:blip r:embed="rId3"/>
+          <a:stretch>
+            <a:fillRect/>
+          </a:stretch>
+        </p:blipFill>
+        <p:spPr>
+          <a:xfrm>
+            <a:off x="2025934" y="1887826"/>
+            <a:ext cx="5092132" cy="2864324"/>
+          </a:xfrm>
+          <a:prstGeom prst="rect">
+            <a:avLst/>
+          </a:prstGeom>
+        </p:spPr>
+      </p:pic>
     </p:spTree>
   </p:cSld>
   <p:clrMapOvr>
@@ -10301,11 +10438,11 @@
 </file>
 
 <file path=ppt/slides/slide8.xml><?xml version="1.0" encoding="utf-8"?>
-<p:sld xmlns:a="http://schemas.openxmlformats.org/drawingml/2006/main" xmlns:r="http://schemas.openxmlformats.org/officeDocument/2006/relationships" xmlns:mc="http://schemas.openxmlformats.org/markup-compatibility/2006" xmlns:mv="urn:schemas-microsoft-com:mac:vml" xmlns:p="http://schemas.openxmlformats.org/presentationml/2006/main" xmlns:c="http://schemas.openxmlformats.org/drawingml/2006/chart" xmlns:dgm="http://schemas.openxmlformats.org/drawingml/2006/diagram" xmlns:o="urn:schemas-microsoft-com:office:office" xmlns:v="urn:schemas-microsoft-com:vml" xmlns:pvml="urn:schemas-microsoft-com:office:powerpoint" xmlns:com="http://schemas.openxmlformats.org/drawingml/2006/compatibility" xmlns:p14="http://schemas.microsoft.com/office/powerpoint/2010/main" xmlns:p15="http://schemas.microsoft.com/office/powerpoint/2012/main" xmlns:ahyp="http://schemas.microsoft.com/office/drawing/2018/hyperlinkcolor">
+<p:sld xmlns:a="http://schemas.openxmlformats.org/drawingml/2006/main" xmlns:r="http://schemas.openxmlformats.org/officeDocument/2006/relationships" xmlns:p="http://schemas.openxmlformats.org/presentationml/2006/main">
   <p:cSld>
     <p:spTree>
       <p:nvGrpSpPr>
-        <p:cNvPr id="103" name="Shape 103"/>
+        <p:cNvPr id="1" name="Shape 103"/>
         <p:cNvGrpSpPr/>
         <p:nvPr/>
       </p:nvGrpSpPr>
@@ -10320,9 +10457,11 @@
       <p:sp>
         <p:nvSpPr>
           <p:cNvPr id="104" name="Google Shape;104;p20"/>
-          <p:cNvSpPr txBox="1"/>
+          <p:cNvSpPr txBox="1">
+            <a:spLocks noGrp="1"/>
+          </p:cNvSpPr>
           <p:nvPr>
-            <p:ph idx="1" type="body"/>
+            <p:ph type="body" idx="1"/>
           </p:nvPr>
         </p:nvSpPr>
         <p:spPr>
@@ -10335,12 +10474,12 @@
           </a:prstGeom>
         </p:spPr>
         <p:txBody>
-          <a:bodyPr anchorCtr="0" anchor="t" bIns="91425" lIns="91425" spcFirstLastPara="1" rIns="91425" wrap="square" tIns="91425">
-            <a:normAutofit/>
+          <a:bodyPr spcFirstLastPara="1" wrap="square" lIns="91425" tIns="91425" rIns="91425" bIns="91425" anchor="t" anchorCtr="0">
+            <a:normAutofit fontScale="85000" lnSpcReduction="20000"/>
           </a:bodyPr>
           <a:lstStyle/>
           <a:p>
-            <a:pPr indent="0" lvl="0" marL="0" rtl="0" algn="l">
+            <a:pPr marL="0" lvl="0" indent="0" algn="l" rtl="0">
               <a:spcBef>
                 <a:spcPts val="0"/>
               </a:spcBef>
@@ -10350,17 +10489,47 @@
               <a:buNone/>
             </a:pPr>
             <a:r>
-              <a:rPr lang="en" sz="1600" u="sng"/>
-              <a:t>Analytics</a:t>
+              <a:rPr lang="en" sz="1600" u="sng" dirty="0"/>
+              <a:t>Reports</a:t>
             </a:r>
             <a:r>
-              <a:rPr lang="en" sz="1600"/>
+              <a:rPr lang="en" sz="1600" dirty="0"/>
               <a:t>: Shows analysis of various aspects of the business in a visual format.</a:t>
             </a:r>
-            <a:endParaRPr sz="1600"/>
+            <a:endParaRPr sz="1600" dirty="0"/>
           </a:p>
         </p:txBody>
       </p:sp>
+      <p:pic>
+        <p:nvPicPr>
+          <p:cNvPr id="3" name="Picture 2">
+            <a:extLst>
+              <a:ext uri="{FF2B5EF4-FFF2-40B4-BE49-F238E27FC236}">
+                <a16:creationId xmlns:a16="http://schemas.microsoft.com/office/drawing/2014/main" id="{E7A0E0A5-9F28-C699-C5D4-0DE2118E9145}"/>
+              </a:ext>
+            </a:extLst>
+          </p:cNvPr>
+          <p:cNvPicPr>
+            <a:picLocks noChangeAspect="1"/>
+          </p:cNvPicPr>
+          <p:nvPr/>
+        </p:nvPicPr>
+        <p:blipFill>
+          <a:blip r:embed="rId3"/>
+          <a:stretch>
+            <a:fillRect/>
+          </a:stretch>
+        </p:blipFill>
+        <p:spPr>
+          <a:xfrm>
+            <a:off x="917742" y="965754"/>
+            <a:ext cx="7038901" cy="3959382"/>
+          </a:xfrm>
+          <a:prstGeom prst="rect">
+            <a:avLst/>
+          </a:prstGeom>
+        </p:spPr>
+      </p:pic>
     </p:spTree>
   </p:cSld>
   <p:clrMapOvr>
@@ -10370,11 +10539,11 @@
 </file>
 
 <file path=ppt/slides/slide9.xml><?xml version="1.0" encoding="utf-8"?>
-<p:sld xmlns:a="http://schemas.openxmlformats.org/drawingml/2006/main" xmlns:r="http://schemas.openxmlformats.org/officeDocument/2006/relationships" xmlns:mc="http://schemas.openxmlformats.org/markup-compatibility/2006" xmlns:mv="urn:schemas-microsoft-com:mac:vml" xmlns:p="http://schemas.openxmlformats.org/presentationml/2006/main" xmlns:c="http://schemas.openxmlformats.org/drawingml/2006/chart" xmlns:dgm="http://schemas.openxmlformats.org/drawingml/2006/diagram" xmlns:o="urn:schemas-microsoft-com:office:office" xmlns:v="urn:schemas-microsoft-com:vml" xmlns:pvml="urn:schemas-microsoft-com:office:powerpoint" xmlns:com="http://schemas.openxmlformats.org/drawingml/2006/compatibility" xmlns:p14="http://schemas.microsoft.com/office/powerpoint/2010/main" xmlns:p15="http://schemas.microsoft.com/office/powerpoint/2012/main" xmlns:ahyp="http://schemas.microsoft.com/office/drawing/2018/hyperlinkcolor">
+<p:sld xmlns:a="http://schemas.openxmlformats.org/drawingml/2006/main" xmlns:r="http://schemas.openxmlformats.org/officeDocument/2006/relationships" xmlns:p="http://schemas.openxmlformats.org/presentationml/2006/main">
   <p:cSld>
     <p:spTree>
       <p:nvGrpSpPr>
-        <p:cNvPr id="108" name="Shape 108"/>
+        <p:cNvPr id="1" name="Shape 108"/>
         <p:cNvGrpSpPr/>
         <p:nvPr/>
       </p:nvGrpSpPr>
@@ -10389,9 +10558,11 @@
       <p:sp>
         <p:nvSpPr>
           <p:cNvPr id="109" name="Google Shape;109;p21"/>
-          <p:cNvSpPr txBox="1"/>
+          <p:cNvSpPr txBox="1">
+            <a:spLocks noGrp="1"/>
+          </p:cNvSpPr>
           <p:nvPr>
-            <p:ph idx="1" type="body"/>
+            <p:ph type="body" idx="1"/>
           </p:nvPr>
         </p:nvSpPr>
         <p:spPr>
@@ -10404,12 +10575,12 @@
           </a:prstGeom>
         </p:spPr>
         <p:txBody>
-          <a:bodyPr anchorCtr="0" anchor="t" bIns="91425" lIns="91425" spcFirstLastPara="1" rIns="91425" wrap="square" tIns="91425">
-            <a:normAutofit/>
+          <a:bodyPr spcFirstLastPara="1" wrap="square" lIns="91425" tIns="91425" rIns="91425" bIns="91425" anchor="t" anchorCtr="0">
+            <a:normAutofit fontScale="85000" lnSpcReduction="20000"/>
           </a:bodyPr>
           <a:lstStyle/>
           <a:p>
-            <a:pPr indent="0" lvl="0" marL="0" rtl="0" algn="l">
+            <a:pPr marL="0" lvl="0" indent="0" algn="l" rtl="0">
               <a:spcBef>
                 <a:spcPts val="0"/>
               </a:spcBef>
@@ -10430,6 +10601,36 @@
           </a:p>
         </p:txBody>
       </p:sp>
+      <p:pic>
+        <p:nvPicPr>
+          <p:cNvPr id="3" name="Picture 2">
+            <a:extLst>
+              <a:ext uri="{FF2B5EF4-FFF2-40B4-BE49-F238E27FC236}">
+                <a16:creationId xmlns:a16="http://schemas.microsoft.com/office/drawing/2014/main" id="{4ADFF093-E683-4C1C-8730-595A6427E665}"/>
+              </a:ext>
+            </a:extLst>
+          </p:cNvPr>
+          <p:cNvPicPr>
+            <a:picLocks noChangeAspect="1"/>
+          </p:cNvPicPr>
+          <p:nvPr/>
+        </p:nvPicPr>
+        <p:blipFill>
+          <a:blip r:embed="rId3"/>
+          <a:stretch>
+            <a:fillRect/>
+          </a:stretch>
+        </p:blipFill>
+        <p:spPr>
+          <a:xfrm>
+            <a:off x="1132764" y="1069725"/>
+            <a:ext cx="6878472" cy="3869141"/>
+          </a:xfrm>
+          <a:prstGeom prst="rect">
+            <a:avLst/>
+          </a:prstGeom>
+        </p:spPr>
+      </p:pic>
     </p:spTree>
   </p:cSld>
   <p:clrMapOvr>
@@ -10439,7 +10640,7 @@
 </file>
 
 <file path=ppt/theme/theme1.xml><?xml version="1.0" encoding="utf-8"?>
-<a:theme xmlns:a="http://schemas.openxmlformats.org/drawingml/2006/main" xmlns:r="http://schemas.openxmlformats.org/officeDocument/2006/relationships" name="Coral">
+<a:theme xmlns:a="http://schemas.openxmlformats.org/drawingml/2006/main" name="Coral">
   <a:themeElements>
     <a:clrScheme name="Coral">
       <a:dk1>
@@ -10714,11 +10915,13 @@
       </a:bgFillStyleLst>
     </a:fmtScheme>
   </a:themeElements>
+  <a:objectDefaults/>
+  <a:extraClrSchemeLst/>
 </a:theme>
 </file>
 
 <file path=ppt/theme/theme2.xml><?xml version="1.0" encoding="utf-8"?>
-<a:theme xmlns:a="http://schemas.openxmlformats.org/drawingml/2006/main" xmlns:r="http://schemas.openxmlformats.org/officeDocument/2006/relationships">
+<a:theme xmlns:a="http://schemas.openxmlformats.org/drawingml/2006/main">
   <a:themeElements>
     <a:clrScheme name="Default">
       <a:dk1>
@@ -10993,5 +11196,7 @@
       </a:bgFillStyleLst>
     </a:fmtScheme>
   </a:themeElements>
+  <a:objectDefaults/>
+  <a:extraClrSchemeLst/>
 </a:theme>
 </file>